--- a/docs/slides/Lecture6.pptx
+++ b/docs/slides/Lecture6.pptx
@@ -51,17 +51,16 @@
     <p:sldId id="296" r:id="rId47"/>
     <p:sldId id="297" r:id="rId48"/>
     <p:sldId id="298" r:id="rId49"/>
-    <p:sldId id="299" r:id="rId50"/>
   </p:sldIdLst>
   <p:sldSz cy="6858000" cx="9144000"/>
   <p:notesSz cx="6858000" cy="9144000"/>
   <p:embeddedFontLst>
     <p:embeddedFont>
       <p:font typeface="Century Gothic"/>
-      <p:regular r:id="rId51"/>
-      <p:bold r:id="rId52"/>
-      <p:italic r:id="rId53"/>
-      <p:boldItalic r:id="rId54"/>
+      <p:regular r:id="rId50"/>
+      <p:bold r:id="rId51"/>
+      <p:italic r:id="rId52"/>
+      <p:boldItalic r:id="rId53"/>
     </p:embeddedFont>
   </p:embeddedFontLst>
   <p:defaultTextStyle>
@@ -851,7 +850,7 @@
   <p:cSld>
     <p:spTree>
       <p:nvGrpSpPr>
-        <p:cNvPr id="109" name="Shape 109"/>
+        <p:cNvPr id="107" name="Shape 107"/>
         <p:cNvGrpSpPr/>
         <p:nvPr/>
       </p:nvGrpSpPr>
@@ -865,7 +864,7 @@
       </p:grpSpPr>
       <p:sp>
         <p:nvSpPr>
-          <p:cNvPr id="110" name="Google Shape;110;g86d56b4ac2_0_48:notes"/>
+          <p:cNvPr id="108" name="Google Shape;108;g86d56b4ac2_0_122:notes"/>
           <p:cNvSpPr/>
           <p:nvPr>
             <p:ph idx="2" type="sldImg"/>
@@ -900,7 +899,7 @@
       </p:sp>
       <p:sp>
         <p:nvSpPr>
-          <p:cNvPr id="111" name="Google Shape;111;g86d56b4ac2_0_48:notes"/>
+          <p:cNvPr id="109" name="Google Shape;109;g86d56b4ac2_0_122:notes"/>
           <p:cNvSpPr txBox="1"/>
           <p:nvPr>
             <p:ph idx="1" type="body"/>
@@ -1003,7 +1002,7 @@
   <p:cSld>
     <p:spTree>
       <p:nvGrpSpPr>
-        <p:cNvPr id="114" name="Shape 114"/>
+        <p:cNvPr id="113" name="Shape 113"/>
         <p:cNvGrpSpPr/>
         <p:nvPr/>
       </p:nvGrpSpPr>
@@ -1017,7 +1016,7 @@
       </p:grpSpPr>
       <p:sp>
         <p:nvSpPr>
-          <p:cNvPr id="115" name="Google Shape;115;g86d56b4ac2_0_122:notes"/>
+          <p:cNvPr id="114" name="Google Shape;114;g86d56b4ac2_0_127:notes"/>
           <p:cNvSpPr/>
           <p:nvPr>
             <p:ph idx="2" type="sldImg"/>
@@ -1052,7 +1051,7 @@
       </p:sp>
       <p:sp>
         <p:nvSpPr>
-          <p:cNvPr id="116" name="Google Shape;116;g86d56b4ac2_0_122:notes"/>
+          <p:cNvPr id="115" name="Google Shape;115;g86d56b4ac2_0_127:notes"/>
           <p:cNvSpPr txBox="1"/>
           <p:nvPr>
             <p:ph idx="1" type="body"/>
@@ -1155,7 +1154,7 @@
   <p:cSld>
     <p:spTree>
       <p:nvGrpSpPr>
-        <p:cNvPr id="120" name="Shape 120"/>
+        <p:cNvPr id="119" name="Shape 119"/>
         <p:cNvGrpSpPr/>
         <p:nvPr/>
       </p:nvGrpSpPr>
@@ -1169,7 +1168,7 @@
       </p:grpSpPr>
       <p:sp>
         <p:nvSpPr>
-          <p:cNvPr id="121" name="Google Shape;121;g86d56b4ac2_0_127:notes"/>
+          <p:cNvPr id="120" name="Google Shape;120;g86d56b4ac2_0_132:notes"/>
           <p:cNvSpPr/>
           <p:nvPr>
             <p:ph idx="2" type="sldImg"/>
@@ -1204,7 +1203,7 @@
       </p:sp>
       <p:sp>
         <p:nvSpPr>
-          <p:cNvPr id="122" name="Google Shape;122;g86d56b4ac2_0_127:notes"/>
+          <p:cNvPr id="121" name="Google Shape;121;g86d56b4ac2_0_132:notes"/>
           <p:cNvSpPr txBox="1"/>
           <p:nvPr>
             <p:ph idx="1" type="body"/>
@@ -1307,7 +1306,7 @@
   <p:cSld>
     <p:spTree>
       <p:nvGrpSpPr>
-        <p:cNvPr id="126" name="Shape 126"/>
+        <p:cNvPr id="125" name="Shape 125"/>
         <p:cNvGrpSpPr/>
         <p:nvPr/>
       </p:nvGrpSpPr>
@@ -1321,7 +1320,7 @@
       </p:grpSpPr>
       <p:sp>
         <p:nvSpPr>
-          <p:cNvPr id="127" name="Google Shape;127;g86d56b4ac2_0_132:notes"/>
+          <p:cNvPr id="126" name="Google Shape;126;g86d56b4ac2_0_137:notes"/>
           <p:cNvSpPr/>
           <p:nvPr>
             <p:ph idx="2" type="sldImg"/>
@@ -1356,7 +1355,7 @@
       </p:sp>
       <p:sp>
         <p:nvSpPr>
-          <p:cNvPr id="128" name="Google Shape;128;g86d56b4ac2_0_132:notes"/>
+          <p:cNvPr id="127" name="Google Shape;127;g86d56b4ac2_0_137:notes"/>
           <p:cNvSpPr txBox="1"/>
           <p:nvPr>
             <p:ph idx="1" type="body"/>
@@ -1459,7 +1458,7 @@
   <p:cSld>
     <p:spTree>
       <p:nvGrpSpPr>
-        <p:cNvPr id="132" name="Shape 132"/>
+        <p:cNvPr id="131" name="Shape 131"/>
         <p:cNvGrpSpPr/>
         <p:nvPr/>
       </p:nvGrpSpPr>
@@ -1473,7 +1472,7 @@
       </p:grpSpPr>
       <p:sp>
         <p:nvSpPr>
-          <p:cNvPr id="133" name="Google Shape;133;g86d56b4ac2_0_137:notes"/>
+          <p:cNvPr id="132" name="Google Shape;132;g86d56b4ac2_0_60:notes"/>
           <p:cNvSpPr/>
           <p:nvPr>
             <p:ph idx="2" type="sldImg"/>
@@ -1508,7 +1507,7 @@
       </p:sp>
       <p:sp>
         <p:nvSpPr>
-          <p:cNvPr id="134" name="Google Shape;134;g86d56b4ac2_0_137:notes"/>
+          <p:cNvPr id="133" name="Google Shape;133;g86d56b4ac2_0_60:notes"/>
           <p:cNvSpPr txBox="1"/>
           <p:nvPr>
             <p:ph idx="1" type="body"/>
@@ -1529,70 +1528,17 @@
           </a:bodyPr>
           <a:lstStyle/>
           <a:p>
-            <a:pPr indent="-298450" lvl="0" marL="457200" rtl="0" algn="l">
-              <a:spcBef>
-                <a:spcPts val="0"/>
-              </a:spcBef>
-              <a:spcAft>
-                <a:spcPts val="0"/>
-              </a:spcAft>
-              <a:buSzPts val="1100"/>
-              <a:buChar char="-"/>
+            <a:pPr indent="0" lvl="0" marL="0" rtl="0" algn="l">
+              <a:spcBef>
+                <a:spcPts val="0"/>
+              </a:spcBef>
+              <a:spcAft>
+                <a:spcPts val="0"/>
+              </a:spcAft>
+              <a:buNone/>
             </a:pPr>
             <a:r>
-              <a:rPr lang="cs"/>
-              <a:t>2021?</a:t>
-            </a:r>
-            <a:endParaRPr/>
-          </a:p>
-          <a:p>
-            <a:pPr indent="-298450" lvl="0" marL="457200" rtl="0" algn="l">
-              <a:spcBef>
-                <a:spcPts val="0"/>
-              </a:spcBef>
-              <a:spcAft>
-                <a:spcPts val="0"/>
-              </a:spcAft>
-              <a:buSzPts val="1100"/>
-              <a:buChar char="-"/>
-            </a:pPr>
-            <a:r>
-              <a:rPr lang="cs"/>
-              <a:t>-5?</a:t>
-            </a:r>
-            <a:endParaRPr/>
-          </a:p>
-          <a:p>
-            <a:pPr indent="-298450" lvl="0" marL="457200" rtl="0" algn="l">
-              <a:spcBef>
-                <a:spcPts val="0"/>
-              </a:spcBef>
-              <a:spcAft>
-                <a:spcPts val="0"/>
-              </a:spcAft>
-              <a:buSzPts val="1100"/>
-              <a:buChar char="-"/>
-            </a:pPr>
-            <a:r>
-              <a:rPr lang="cs"/>
-              <a:t>2020?</a:t>
-            </a:r>
-            <a:endParaRPr/>
-          </a:p>
-          <a:p>
-            <a:pPr indent="-298450" lvl="0" marL="457200" rtl="0" algn="l">
-              <a:spcBef>
-                <a:spcPts val="0"/>
-              </a:spcBef>
-              <a:spcAft>
-                <a:spcPts val="0"/>
-              </a:spcAft>
-              <a:buSzPts val="1100"/>
-              <a:buChar char="-"/>
-            </a:pPr>
-            <a:r>
-              <a:rPr lang="cs"/>
-              <a:t>15?</a:t>
+              <a:t/>
             </a:r>
             <a:endParaRPr/>
           </a:p>
@@ -1611,7 +1557,7 @@
   <p:cSld>
     <p:spTree>
       <p:nvGrpSpPr>
-        <p:cNvPr id="138" name="Shape 138"/>
+        <p:cNvPr id="139" name="Shape 139"/>
         <p:cNvGrpSpPr/>
         <p:nvPr/>
       </p:nvGrpSpPr>
@@ -1625,7 +1571,7 @@
       </p:grpSpPr>
       <p:sp>
         <p:nvSpPr>
-          <p:cNvPr id="139" name="Google Shape;139;g86d56b4ac2_0_60:notes"/>
+          <p:cNvPr id="140" name="Google Shape;140;g86d56b4ac2_0_67:notes"/>
           <p:cNvSpPr/>
           <p:nvPr>
             <p:ph idx="2" type="sldImg"/>
@@ -1660,7 +1606,7 @@
       </p:sp>
       <p:sp>
         <p:nvSpPr>
-          <p:cNvPr id="140" name="Google Shape;140;g86d56b4ac2_0_60:notes"/>
+          <p:cNvPr id="141" name="Google Shape;141;g86d56b4ac2_0_67:notes"/>
           <p:cNvSpPr txBox="1"/>
           <p:nvPr>
             <p:ph idx="1" type="body"/>
@@ -1710,7 +1656,7 @@
   <p:cSld>
     <p:spTree>
       <p:nvGrpSpPr>
-        <p:cNvPr id="146" name="Shape 146"/>
+        <p:cNvPr id="144" name="Shape 144"/>
         <p:cNvGrpSpPr/>
         <p:nvPr/>
       </p:nvGrpSpPr>
@@ -1724,7 +1670,7 @@
       </p:grpSpPr>
       <p:sp>
         <p:nvSpPr>
-          <p:cNvPr id="147" name="Google Shape;147;g86d56b4ac2_0_67:notes"/>
+          <p:cNvPr id="145" name="Google Shape;145;g86d56b4ac2_0_72:notes"/>
           <p:cNvSpPr/>
           <p:nvPr>
             <p:ph idx="2" type="sldImg"/>
@@ -1759,7 +1705,7 @@
       </p:sp>
       <p:sp>
         <p:nvSpPr>
-          <p:cNvPr id="148" name="Google Shape;148;g86d56b4ac2_0_67:notes"/>
+          <p:cNvPr id="146" name="Google Shape;146;g86d56b4ac2_0_72:notes"/>
           <p:cNvSpPr txBox="1"/>
           <p:nvPr>
             <p:ph idx="1" type="body"/>
@@ -1809,7 +1755,7 @@
   <p:cSld>
     <p:spTree>
       <p:nvGrpSpPr>
-        <p:cNvPr id="151" name="Shape 151"/>
+        <p:cNvPr id="152" name="Shape 152"/>
         <p:cNvGrpSpPr/>
         <p:nvPr/>
       </p:nvGrpSpPr>
@@ -1823,7 +1769,7 @@
       </p:grpSpPr>
       <p:sp>
         <p:nvSpPr>
-          <p:cNvPr id="152" name="Google Shape;152;g86d56b4ac2_0_72:notes"/>
+          <p:cNvPr id="153" name="Google Shape;153;g86d56b4ac2_0_84:notes"/>
           <p:cNvSpPr/>
           <p:nvPr>
             <p:ph idx="2" type="sldImg"/>
@@ -1858,7 +1804,7 @@
       </p:sp>
       <p:sp>
         <p:nvSpPr>
-          <p:cNvPr id="153" name="Google Shape;153;g86d56b4ac2_0_72:notes"/>
+          <p:cNvPr id="154" name="Google Shape;154;g86d56b4ac2_0_84:notes"/>
           <p:cNvSpPr txBox="1"/>
           <p:nvPr>
             <p:ph idx="1" type="body"/>
@@ -1922,7 +1868,7 @@
       </p:grpSpPr>
       <p:sp>
         <p:nvSpPr>
-          <p:cNvPr id="160" name="Google Shape;160;g86d56b4ac2_0_84:notes"/>
+          <p:cNvPr id="160" name="Google Shape;160;g8d56607851_1_127:notes"/>
           <p:cNvSpPr/>
           <p:nvPr>
             <p:ph idx="2" type="sldImg"/>
@@ -1957,7 +1903,7 @@
       </p:sp>
       <p:sp>
         <p:nvSpPr>
-          <p:cNvPr id="161" name="Google Shape;161;g86d56b4ac2_0_84:notes"/>
+          <p:cNvPr id="161" name="Google Shape;161;g8d56607851_1_127:notes"/>
           <p:cNvSpPr txBox="1"/>
           <p:nvPr>
             <p:ph idx="1" type="body"/>
@@ -1988,7 +1934,8 @@
               <a:buNone/>
             </a:pPr>
             <a:r>
-              <a:t/>
+              <a:rPr lang="cs"/>
+              <a:t>[0:30; 7-8]</a:t>
             </a:r>
             <a:endParaRPr/>
           </a:p>
@@ -2007,7 +1954,7 @@
   <p:cSld>
     <p:spTree>
       <p:nvGrpSpPr>
-        <p:cNvPr id="166" name="Shape 166"/>
+        <p:cNvPr id="164" name="Shape 164"/>
         <p:cNvGrpSpPr/>
         <p:nvPr/>
       </p:nvGrpSpPr>
@@ -2021,7 +1968,7 @@
       </p:grpSpPr>
       <p:sp>
         <p:nvSpPr>
-          <p:cNvPr id="167" name="Google Shape;167;g8d56607851_1_127:notes"/>
+          <p:cNvPr id="165" name="Google Shape;165;g8d56607851_1_117:notes"/>
           <p:cNvSpPr/>
           <p:nvPr>
             <p:ph idx="2" type="sldImg"/>
@@ -2056,7 +2003,7 @@
       </p:sp>
       <p:sp>
         <p:nvSpPr>
-          <p:cNvPr id="168" name="Google Shape;168;g8d56607851_1_127:notes"/>
+          <p:cNvPr id="166" name="Google Shape;166;g8d56607851_1_117:notes"/>
           <p:cNvSpPr txBox="1"/>
           <p:nvPr>
             <p:ph idx="1" type="body"/>
@@ -2088,7 +2035,41 @@
             </a:pPr>
             <a:r>
               <a:rPr lang="cs"/>
-              <a:t>[0:30; 7-8]</a:t>
+              <a:t>[0:30; 8-9]</a:t>
+            </a:r>
+            <a:endParaRPr/>
+          </a:p>
+          <a:p>
+            <a:pPr indent="-298450" lvl="0" marL="457200" rtl="0" algn="l">
+              <a:spcBef>
+                <a:spcPts val="0"/>
+              </a:spcBef>
+              <a:spcAft>
+                <a:spcPts val="0"/>
+              </a:spcAft>
+              <a:buSzPts val="1100"/>
+              <a:buChar char="-"/>
+            </a:pPr>
+            <a:r>
+              <a:rPr lang="cs"/>
+              <a:t>fixed number of repeats</a:t>
+            </a:r>
+            <a:endParaRPr/>
+          </a:p>
+          <a:p>
+            <a:pPr indent="-298450" lvl="0" marL="457200" rtl="0" algn="l">
+              <a:spcBef>
+                <a:spcPts val="0"/>
+              </a:spcBef>
+              <a:spcAft>
+                <a:spcPts val="0"/>
+              </a:spcAft>
+              <a:buSzPts val="1100"/>
+              <a:buChar char="-"/>
+            </a:pPr>
+            <a:r>
+              <a:rPr lang="cs"/>
+              <a:t>for loop is much more powerful</a:t>
             </a:r>
             <a:endParaRPr/>
           </a:p>
@@ -2121,7 +2102,7 @@
       </p:grpSpPr>
       <p:sp>
         <p:nvSpPr>
-          <p:cNvPr id="56" name="Google Shape;56;g86d56b4ac2_0_115:notes"/>
+          <p:cNvPr id="56" name="Google Shape;56;g8d56607851_1_113:notes"/>
           <p:cNvSpPr/>
           <p:nvPr>
             <p:ph idx="2" type="sldImg"/>
@@ -2156,7 +2137,7 @@
       </p:sp>
       <p:sp>
         <p:nvSpPr>
-          <p:cNvPr id="57" name="Google Shape;57;g86d56b4ac2_0_115:notes"/>
+          <p:cNvPr id="57" name="Google Shape;57;g8d56607851_1_113:notes"/>
           <p:cNvSpPr txBox="1"/>
           <p:nvPr>
             <p:ph idx="1" type="body"/>
@@ -2187,7 +2168,8 @@
               <a:buNone/>
             </a:pPr>
             <a:r>
-              <a:t/>
+              <a:rPr lang="cs"/>
+              <a:t>[0:20; 1-2]</a:t>
             </a:r>
             <a:endParaRPr/>
           </a:p>
@@ -2206,7 +2188,7 @@
   <p:cSld>
     <p:spTree>
       <p:nvGrpSpPr>
-        <p:cNvPr id="171" name="Shape 171"/>
+        <p:cNvPr id="170" name="Shape 170"/>
         <p:cNvGrpSpPr/>
         <p:nvPr/>
       </p:nvGrpSpPr>
@@ -2220,7 +2202,7 @@
       </p:grpSpPr>
       <p:sp>
         <p:nvSpPr>
-          <p:cNvPr id="172" name="Google Shape;172;g8d56607851_1_117:notes"/>
+          <p:cNvPr id="171" name="Google Shape;171;g8d56607851_1_122:notes"/>
           <p:cNvSpPr/>
           <p:nvPr>
             <p:ph idx="2" type="sldImg"/>
@@ -2255,7 +2237,7 @@
       </p:sp>
       <p:sp>
         <p:nvSpPr>
-          <p:cNvPr id="173" name="Google Shape;173;g8d56607851_1_117:notes"/>
+          <p:cNvPr id="172" name="Google Shape;172;g8d56607851_1_122:notes"/>
           <p:cNvSpPr txBox="1"/>
           <p:nvPr>
             <p:ph idx="1" type="body"/>
@@ -2287,7 +2269,7 @@
             </a:pPr>
             <a:r>
               <a:rPr lang="cs"/>
-              <a:t>[0:30; 8-9]</a:t>
+              <a:t>[0:30; 9-10]</a:t>
             </a:r>
             <a:endParaRPr/>
           </a:p>
@@ -2304,7 +2286,7 @@
             </a:pPr>
             <a:r>
               <a:rPr lang="cs"/>
-              <a:t>fixed number of repeats</a:t>
+              <a:t>variable</a:t>
             </a:r>
             <a:endParaRPr/>
           </a:p>
@@ -2321,7 +2303,7 @@
             </a:pPr>
             <a:r>
               <a:rPr lang="cs"/>
-              <a:t>for loop is much more powerful</a:t>
+              <a:t>different name</a:t>
             </a:r>
             <a:endParaRPr/>
           </a:p>
@@ -2340,7 +2322,7 @@
   <p:cSld>
     <p:spTree>
       <p:nvGrpSpPr>
-        <p:cNvPr id="177" name="Shape 177"/>
+        <p:cNvPr id="179" name="Shape 179"/>
         <p:cNvGrpSpPr/>
         <p:nvPr/>
       </p:nvGrpSpPr>
@@ -2354,7 +2336,7 @@
       </p:grpSpPr>
       <p:sp>
         <p:nvSpPr>
-          <p:cNvPr id="178" name="Google Shape;178;g8d56607851_1_122:notes"/>
+          <p:cNvPr id="180" name="Google Shape;180;g8d56607851_1_904:notes"/>
           <p:cNvSpPr/>
           <p:nvPr>
             <p:ph idx="2" type="sldImg"/>
@@ -2389,7 +2371,7 @@
       </p:sp>
       <p:sp>
         <p:nvSpPr>
-          <p:cNvPr id="179" name="Google Shape;179;g8d56607851_1_122:notes"/>
+          <p:cNvPr id="181" name="Google Shape;181;g8d56607851_1_904:notes"/>
           <p:cNvSpPr txBox="1"/>
           <p:nvPr>
             <p:ph idx="1" type="body"/>
@@ -2421,7 +2403,7 @@
             </a:pPr>
             <a:r>
               <a:rPr lang="cs"/>
-              <a:t>[0:30; 9-10]</a:t>
+              <a:t>[0:30; 10-11]</a:t>
             </a:r>
             <a:endParaRPr/>
           </a:p>
@@ -2438,7 +2420,7 @@
             </a:pPr>
             <a:r>
               <a:rPr lang="cs"/>
-              <a:t>variable</a:t>
+              <a:t>any variable name is ok. Let’s stick with i.</a:t>
             </a:r>
             <a:endParaRPr/>
           </a:p>
@@ -2455,7 +2437,7 @@
             </a:pPr>
             <a:r>
               <a:rPr lang="cs"/>
-              <a:t>different name</a:t>
+              <a:t>what is the value of the variable?</a:t>
             </a:r>
             <a:endParaRPr/>
           </a:p>
@@ -2488,7 +2470,7 @@
       </p:grpSpPr>
       <p:sp>
         <p:nvSpPr>
-          <p:cNvPr id="187" name="Google Shape;187;g8d56607851_1_904:notes"/>
+          <p:cNvPr id="187" name="Google Shape;187;g86d56b4ac2_0_96:notes"/>
           <p:cNvSpPr/>
           <p:nvPr>
             <p:ph idx="2" type="sldImg"/>
@@ -2523,7 +2505,7 @@
       </p:sp>
       <p:sp>
         <p:nvSpPr>
-          <p:cNvPr id="188" name="Google Shape;188;g8d56607851_1_904:notes"/>
+          <p:cNvPr id="188" name="Google Shape;188;g86d56b4ac2_0_96:notes"/>
           <p:cNvSpPr txBox="1"/>
           <p:nvPr>
             <p:ph idx="1" type="body"/>
@@ -2608,7 +2590,7 @@
   <p:cSld>
     <p:spTree>
       <p:nvGrpSpPr>
-        <p:cNvPr id="193" name="Shape 193"/>
+        <p:cNvPr id="194" name="Shape 194"/>
         <p:cNvGrpSpPr/>
         <p:nvPr/>
       </p:nvGrpSpPr>
@@ -2622,7 +2604,7 @@
       </p:grpSpPr>
       <p:sp>
         <p:nvSpPr>
-          <p:cNvPr id="194" name="Google Shape;194;g86d56b4ac2_0_96:notes"/>
+          <p:cNvPr id="195" name="Google Shape;195;g8d56607851_1_911:notes"/>
           <p:cNvSpPr/>
           <p:nvPr>
             <p:ph idx="2" type="sldImg"/>
@@ -2657,7 +2639,7 @@
       </p:sp>
       <p:sp>
         <p:nvSpPr>
-          <p:cNvPr id="195" name="Google Shape;195;g86d56b4ac2_0_96:notes"/>
+          <p:cNvPr id="196" name="Google Shape;196;g8d56607851_1_911:notes"/>
           <p:cNvSpPr txBox="1"/>
           <p:nvPr>
             <p:ph idx="1" type="body"/>
@@ -2689,7 +2671,7 @@
             </a:pPr>
             <a:r>
               <a:rPr lang="cs"/>
-              <a:t>[0:30; 10-11]</a:t>
+              <a:t>[1:30; 11-12]</a:t>
             </a:r>
             <a:endParaRPr/>
           </a:p>
@@ -2706,7 +2688,7 @@
             </a:pPr>
             <a:r>
               <a:rPr lang="cs"/>
-              <a:t>any variable name is ok. Let’s stick with i.</a:t>
+              <a:t>the 5 is not among the values</a:t>
             </a:r>
             <a:endParaRPr/>
           </a:p>
@@ -2723,7 +2705,24 @@
             </a:pPr>
             <a:r>
               <a:rPr lang="cs"/>
-              <a:t>what is the value of the variable?</a:t>
+              <a:t>it starts from zero</a:t>
+            </a:r>
+            <a:endParaRPr/>
+          </a:p>
+          <a:p>
+            <a:pPr indent="-298450" lvl="0" marL="457200" rtl="0" algn="l">
+              <a:spcBef>
+                <a:spcPts val="0"/>
+              </a:spcBef>
+              <a:spcAft>
+                <a:spcPts val="0"/>
+              </a:spcAft>
+              <a:buSzPts val="1100"/>
+              <a:buChar char="-"/>
+            </a:pPr>
+            <a:r>
+              <a:rPr lang="cs"/>
+              <a:t>ends before 5</a:t>
             </a:r>
             <a:endParaRPr/>
           </a:p>
@@ -2742,7 +2741,7 @@
   <p:cSld>
     <p:spTree>
       <p:nvGrpSpPr>
-        <p:cNvPr id="201" name="Shape 201"/>
+        <p:cNvPr id="200" name="Shape 200"/>
         <p:cNvGrpSpPr/>
         <p:nvPr/>
       </p:nvGrpSpPr>
@@ -2756,7 +2755,7 @@
       </p:grpSpPr>
       <p:sp>
         <p:nvSpPr>
-          <p:cNvPr id="202" name="Google Shape;202;g8d56607851_1_911:notes"/>
+          <p:cNvPr id="201" name="Google Shape;201;g86d56b4ac2_0_103:notes"/>
           <p:cNvSpPr/>
           <p:nvPr>
             <p:ph idx="2" type="sldImg"/>
@@ -2791,7 +2790,7 @@
       </p:sp>
       <p:sp>
         <p:nvSpPr>
-          <p:cNvPr id="203" name="Google Shape;203;g8d56607851_1_911:notes"/>
+          <p:cNvPr id="202" name="Google Shape;202;g86d56b4ac2_0_103:notes"/>
           <p:cNvSpPr txBox="1"/>
           <p:nvPr>
             <p:ph idx="1" type="body"/>
@@ -2907,7 +2906,7 @@
       </p:grpSpPr>
       <p:sp>
         <p:nvSpPr>
-          <p:cNvPr id="208" name="Google Shape;208;g86d56b4ac2_0_103:notes"/>
+          <p:cNvPr id="208" name="Google Shape;208;g8d56607851_1_979:notes"/>
           <p:cNvSpPr/>
           <p:nvPr>
             <p:ph idx="2" type="sldImg"/>
@@ -2942,7 +2941,7 @@
       </p:sp>
       <p:sp>
         <p:nvSpPr>
-          <p:cNvPr id="209" name="Google Shape;209;g86d56b4ac2_0_103:notes"/>
+          <p:cNvPr id="209" name="Google Shape;209;g8d56607851_1_979:notes"/>
           <p:cNvSpPr txBox="1"/>
           <p:nvPr>
             <p:ph idx="1" type="body"/>
@@ -2974,7 +2973,7 @@
             </a:pPr>
             <a:r>
               <a:rPr lang="cs"/>
-              <a:t>[1:30; 11-12]</a:t>
+              <a:t>[1:0; 12-13]</a:t>
             </a:r>
             <a:endParaRPr/>
           </a:p>
@@ -2991,7 +2990,7 @@
             </a:pPr>
             <a:r>
               <a:rPr lang="cs"/>
-              <a:t>the 5 is not among the values</a:t>
+              <a:t>the range can also contain a variable</a:t>
             </a:r>
             <a:endParaRPr/>
           </a:p>
@@ -3008,24 +3007,7 @@
             </a:pPr>
             <a:r>
               <a:rPr lang="cs"/>
-              <a:t>it starts from zero</a:t>
-            </a:r>
-            <a:endParaRPr/>
-          </a:p>
-          <a:p>
-            <a:pPr indent="-298450" lvl="0" marL="457200" rtl="0" algn="l">
-              <a:spcBef>
-                <a:spcPts val="0"/>
-              </a:spcBef>
-              <a:spcAft>
-                <a:spcPts val="0"/>
-              </a:spcAft>
-              <a:buSzPts val="1100"/>
-              <a:buChar char="-"/>
-            </a:pPr>
-            <a:r>
-              <a:rPr lang="cs"/>
-              <a:t>ends before 5</a:t>
+              <a:t>we can ask the user to enter the upper bound</a:t>
             </a:r>
             <a:endParaRPr/>
           </a:p>
@@ -3044,7 +3026,7 @@
   <p:cSld>
     <p:spTree>
       <p:nvGrpSpPr>
-        <p:cNvPr id="214" name="Shape 214"/>
+        <p:cNvPr id="213" name="Shape 213"/>
         <p:cNvGrpSpPr/>
         <p:nvPr/>
       </p:nvGrpSpPr>
@@ -3058,7 +3040,7 @@
       </p:grpSpPr>
       <p:sp>
         <p:nvSpPr>
-          <p:cNvPr id="215" name="Google Shape;215;g8d56607851_1_979:notes"/>
+          <p:cNvPr id="214" name="Google Shape;214;g8d56607851_1_927:notes"/>
           <p:cNvSpPr/>
           <p:nvPr>
             <p:ph idx="2" type="sldImg"/>
@@ -3093,7 +3075,7 @@
       </p:sp>
       <p:sp>
         <p:nvSpPr>
-          <p:cNvPr id="216" name="Google Shape;216;g8d56607851_1_979:notes"/>
+          <p:cNvPr id="215" name="Google Shape;215;g8d56607851_1_927:notes"/>
           <p:cNvSpPr txBox="1"/>
           <p:nvPr>
             <p:ph idx="1" type="body"/>
@@ -3125,7 +3107,7 @@
             </a:pPr>
             <a:r>
               <a:rPr lang="cs"/>
-              <a:t>[1:0; 12-13]</a:t>
+              <a:t>[1:0; 13-14]</a:t>
             </a:r>
             <a:endParaRPr/>
           </a:p>
@@ -3142,7 +3124,7 @@
             </a:pPr>
             <a:r>
               <a:rPr lang="cs"/>
-              <a:t>the range can also contain a variable</a:t>
+              <a:t>print the numbers between 10 and 15</a:t>
             </a:r>
             <a:endParaRPr/>
           </a:p>
@@ -3159,7 +3141,58 @@
             </a:pPr>
             <a:r>
               <a:rPr lang="cs"/>
-              <a:t>we can ask the user to enter the upper bound</a:t>
+              <a:t>we need to start from 10, not from 0</a:t>
+            </a:r>
+            <a:endParaRPr/>
+          </a:p>
+          <a:p>
+            <a:pPr indent="-298450" lvl="0" marL="457200" rtl="0" algn="l">
+              <a:spcBef>
+                <a:spcPts val="0"/>
+              </a:spcBef>
+              <a:spcAft>
+                <a:spcPts val="0"/>
+              </a:spcAft>
+              <a:buSzPts val="1100"/>
+              <a:buChar char="-"/>
+            </a:pPr>
+            <a:r>
+              <a:rPr lang="cs"/>
+              <a:t>range: two arguments</a:t>
+            </a:r>
+            <a:endParaRPr/>
+          </a:p>
+          <a:p>
+            <a:pPr indent="-298450" lvl="0" marL="457200" rtl="0" algn="l">
+              <a:spcBef>
+                <a:spcPts val="0"/>
+              </a:spcBef>
+              <a:spcAft>
+                <a:spcPts val="0"/>
+              </a:spcAft>
+              <a:buSzPts val="1100"/>
+              <a:buChar char="-"/>
+            </a:pPr>
+            <a:r>
+              <a:rPr lang="cs"/>
+              <a:t>comma</a:t>
+            </a:r>
+            <a:endParaRPr/>
+          </a:p>
+          <a:p>
+            <a:pPr indent="-298450" lvl="0" marL="457200" rtl="0" algn="l">
+              <a:spcBef>
+                <a:spcPts val="0"/>
+              </a:spcBef>
+              <a:spcAft>
+                <a:spcPts val="0"/>
+              </a:spcAft>
+              <a:buSzPts val="1100"/>
+              <a:buChar char="-"/>
+            </a:pPr>
+            <a:r>
+              <a:rPr lang="cs"/>
+              <a:t>16 not 15</a:t>
             </a:r>
             <a:endParaRPr/>
           </a:p>
@@ -3178,7 +3211,7 @@
   <p:cSld>
     <p:spTree>
       <p:nvGrpSpPr>
-        <p:cNvPr id="220" name="Shape 220"/>
+        <p:cNvPr id="222" name="Shape 222"/>
         <p:cNvGrpSpPr/>
         <p:nvPr/>
       </p:nvGrpSpPr>
@@ -3192,7 +3225,7 @@
       </p:grpSpPr>
       <p:sp>
         <p:nvSpPr>
-          <p:cNvPr id="221" name="Google Shape;221;g8d56607851_1_927:notes"/>
+          <p:cNvPr id="223" name="Google Shape;223;g8d56607851_1_1024:notes"/>
           <p:cNvSpPr/>
           <p:nvPr>
             <p:ph idx="2" type="sldImg"/>
@@ -3227,7 +3260,7 @@
       </p:sp>
       <p:sp>
         <p:nvSpPr>
-          <p:cNvPr id="222" name="Google Shape;222;g8d56607851_1_927:notes"/>
+          <p:cNvPr id="224" name="Google Shape;224;g8d56607851_1_1024:notes"/>
           <p:cNvSpPr txBox="1"/>
           <p:nvPr>
             <p:ph idx="1" type="body"/>
@@ -3259,7 +3292,7 @@
             </a:pPr>
             <a:r>
               <a:rPr lang="cs"/>
-              <a:t>[1:0; 13-14]</a:t>
+              <a:t>[1:0; 14-15]</a:t>
             </a:r>
             <a:endParaRPr/>
           </a:p>
@@ -3276,75 +3309,7 @@
             </a:pPr>
             <a:r>
               <a:rPr lang="cs"/>
-              <a:t>print the numbers between 10 and 15</a:t>
-            </a:r>
-            <a:endParaRPr/>
-          </a:p>
-          <a:p>
-            <a:pPr indent="-298450" lvl="0" marL="457200" rtl="0" algn="l">
-              <a:spcBef>
-                <a:spcPts val="0"/>
-              </a:spcBef>
-              <a:spcAft>
-                <a:spcPts val="0"/>
-              </a:spcAft>
-              <a:buSzPts val="1100"/>
-              <a:buChar char="-"/>
-            </a:pPr>
-            <a:r>
-              <a:rPr lang="cs"/>
-              <a:t>we need to start from 10, not from 0</a:t>
-            </a:r>
-            <a:endParaRPr/>
-          </a:p>
-          <a:p>
-            <a:pPr indent="-298450" lvl="0" marL="457200" rtl="0" algn="l">
-              <a:spcBef>
-                <a:spcPts val="0"/>
-              </a:spcBef>
-              <a:spcAft>
-                <a:spcPts val="0"/>
-              </a:spcAft>
-              <a:buSzPts val="1100"/>
-              <a:buChar char="-"/>
-            </a:pPr>
-            <a:r>
-              <a:rPr lang="cs"/>
-              <a:t>range: two arguments</a:t>
-            </a:r>
-            <a:endParaRPr/>
-          </a:p>
-          <a:p>
-            <a:pPr indent="-298450" lvl="0" marL="457200" rtl="0" algn="l">
-              <a:spcBef>
-                <a:spcPts val="0"/>
-              </a:spcBef>
-              <a:spcAft>
-                <a:spcPts val="0"/>
-              </a:spcAft>
-              <a:buSzPts val="1100"/>
-              <a:buChar char="-"/>
-            </a:pPr>
-            <a:r>
-              <a:rPr lang="cs"/>
-              <a:t>comma</a:t>
-            </a:r>
-            <a:endParaRPr/>
-          </a:p>
-          <a:p>
-            <a:pPr indent="-298450" lvl="0" marL="457200" rtl="0" algn="l">
-              <a:spcBef>
-                <a:spcPts val="0"/>
-              </a:spcBef>
-              <a:spcAft>
-                <a:spcPts val="0"/>
-              </a:spcAft>
-              <a:buSzPts val="1100"/>
-              <a:buChar char="-"/>
-            </a:pPr>
-            <a:r>
-              <a:rPr lang="cs"/>
-              <a:t>16 not 15</a:t>
+              <a:t>let’s trace it</a:t>
             </a:r>
             <a:endParaRPr/>
           </a:p>
@@ -3377,7 +3342,7 @@
       </p:grpSpPr>
       <p:sp>
         <p:nvSpPr>
-          <p:cNvPr id="230" name="Google Shape;230;g8d56607851_1_1024:notes"/>
+          <p:cNvPr id="230" name="Google Shape;230;g8d56607851_1_984:notes"/>
           <p:cNvSpPr/>
           <p:nvPr>
             <p:ph idx="2" type="sldImg"/>
@@ -3412,7 +3377,7 @@
       </p:sp>
       <p:sp>
         <p:nvSpPr>
-          <p:cNvPr id="231" name="Google Shape;231;g8d56607851_1_1024:notes"/>
+          <p:cNvPr id="231" name="Google Shape;231;g8d56607851_1_984:notes"/>
           <p:cNvSpPr txBox="1"/>
           <p:nvPr>
             <p:ph idx="1" type="body"/>
@@ -3444,24 +3409,7 @@
             </a:pPr>
             <a:r>
               <a:rPr lang="cs"/>
-              <a:t>[1:0; 14-15]</a:t>
-            </a:r>
-            <a:endParaRPr/>
-          </a:p>
-          <a:p>
-            <a:pPr indent="-298450" lvl="0" marL="457200" rtl="0" algn="l">
-              <a:spcBef>
-                <a:spcPts val="0"/>
-              </a:spcBef>
-              <a:spcAft>
-                <a:spcPts val="0"/>
-              </a:spcAft>
-              <a:buSzPts val="1100"/>
-              <a:buChar char="-"/>
-            </a:pPr>
-            <a:r>
-              <a:rPr lang="cs"/>
-              <a:t>let’s trace it</a:t>
+              <a:t>[0:15; 15-16]</a:t>
             </a:r>
             <a:endParaRPr/>
           </a:p>
@@ -3480,7 +3428,7 @@
   <p:cSld>
     <p:spTree>
       <p:nvGrpSpPr>
-        <p:cNvPr id="236" name="Shape 236"/>
+        <p:cNvPr id="234" name="Shape 234"/>
         <p:cNvGrpSpPr/>
         <p:nvPr/>
       </p:nvGrpSpPr>
@@ -3494,7 +3442,7 @@
       </p:grpSpPr>
       <p:sp>
         <p:nvSpPr>
-          <p:cNvPr id="237" name="Google Shape;237;g8d56607851_1_984:notes"/>
+          <p:cNvPr id="235" name="Google Shape;235;g8d56607851_1_1031:notes"/>
           <p:cNvSpPr/>
           <p:nvPr>
             <p:ph idx="2" type="sldImg"/>
@@ -3529,7 +3477,7 @@
       </p:sp>
       <p:sp>
         <p:nvSpPr>
-          <p:cNvPr id="238" name="Google Shape;238;g8d56607851_1_984:notes"/>
+          <p:cNvPr id="236" name="Google Shape;236;g8d56607851_1_1031:notes"/>
           <p:cNvSpPr txBox="1"/>
           <p:nvPr>
             <p:ph idx="1" type="body"/>
@@ -3580,7 +3528,7 @@
   <p:cSld>
     <p:spTree>
       <p:nvGrpSpPr>
-        <p:cNvPr id="62" name="Shape 62"/>
+        <p:cNvPr id="60" name="Shape 60"/>
         <p:cNvGrpSpPr/>
         <p:nvPr/>
       </p:nvGrpSpPr>
@@ -3594,7 +3542,7 @@
       </p:grpSpPr>
       <p:sp>
         <p:nvSpPr>
-          <p:cNvPr id="63" name="Google Shape;63;g8d56607851_1_113:notes"/>
+          <p:cNvPr id="61" name="Google Shape;61;g86d56b4ac2_0_0:notes"/>
           <p:cNvSpPr/>
           <p:nvPr>
             <p:ph idx="2" type="sldImg"/>
@@ -3629,7 +3577,7 @@
       </p:sp>
       <p:sp>
         <p:nvSpPr>
-          <p:cNvPr id="64" name="Google Shape;64;g8d56607851_1_113:notes"/>
+          <p:cNvPr id="62" name="Google Shape;62;g86d56b4ac2_0_0:notes"/>
           <p:cNvSpPr txBox="1"/>
           <p:nvPr>
             <p:ph idx="1" type="body"/>
@@ -3660,8 +3608,7 @@
               <a:buNone/>
             </a:pPr>
             <a:r>
-              <a:rPr lang="cs"/>
-              <a:t>[0:20; 1-2]</a:t>
+              <a:t/>
             </a:r>
             <a:endParaRPr/>
           </a:p>
@@ -3694,7 +3641,7 @@
       </p:grpSpPr>
       <p:sp>
         <p:nvSpPr>
-          <p:cNvPr id="242" name="Google Shape;242;g8d56607851_1_1031:notes"/>
+          <p:cNvPr id="242" name="Google Shape;242;g8d56607851_1_1035:notes"/>
           <p:cNvSpPr/>
           <p:nvPr>
             <p:ph idx="2" type="sldImg"/>
@@ -3729,7 +3676,7 @@
       </p:sp>
       <p:sp>
         <p:nvSpPr>
-          <p:cNvPr id="243" name="Google Shape;243;g8d56607851_1_1031:notes"/>
+          <p:cNvPr id="243" name="Google Shape;243;g8d56607851_1_1035:notes"/>
           <p:cNvSpPr txBox="1"/>
           <p:nvPr>
             <p:ph idx="1" type="body"/>
@@ -3794,7 +3741,7 @@
       </p:grpSpPr>
       <p:sp>
         <p:nvSpPr>
-          <p:cNvPr id="249" name="Google Shape;249;g8d56607851_1_1035:notes"/>
+          <p:cNvPr id="249" name="Google Shape;249;g8d56607851_1_1039:notes"/>
           <p:cNvSpPr/>
           <p:nvPr>
             <p:ph idx="2" type="sldImg"/>
@@ -3829,7 +3776,7 @@
       </p:sp>
       <p:sp>
         <p:nvSpPr>
-          <p:cNvPr id="250" name="Google Shape;250;g8d56607851_1_1035:notes"/>
+          <p:cNvPr id="250" name="Google Shape;250;g8d56607851_1_1039:notes"/>
           <p:cNvSpPr txBox="1"/>
           <p:nvPr>
             <p:ph idx="1" type="body"/>
@@ -3861,7 +3808,7 @@
             </a:pPr>
             <a:r>
               <a:rPr lang="cs"/>
-              <a:t>[0:15; 15-16]</a:t>
+              <a:t>[0:15; 16-17]</a:t>
             </a:r>
             <a:endParaRPr/>
           </a:p>
@@ -3880,7 +3827,7 @@
   <p:cSld>
     <p:spTree>
       <p:nvGrpSpPr>
-        <p:cNvPr id="255" name="Shape 255"/>
+        <p:cNvPr id="256" name="Shape 256"/>
         <p:cNvGrpSpPr/>
         <p:nvPr/>
       </p:nvGrpSpPr>
@@ -3894,7 +3841,7 @@
       </p:grpSpPr>
       <p:sp>
         <p:nvSpPr>
-          <p:cNvPr id="256" name="Google Shape;256;g8d56607851_1_1039:notes"/>
+          <p:cNvPr id="257" name="Google Shape;257;g8d56607851_1_1043:notes"/>
           <p:cNvSpPr/>
           <p:nvPr>
             <p:ph idx="2" type="sldImg"/>
@@ -3929,7 +3876,7 @@
       </p:sp>
       <p:sp>
         <p:nvSpPr>
-          <p:cNvPr id="257" name="Google Shape;257;g8d56607851_1_1039:notes"/>
+          <p:cNvPr id="258" name="Google Shape;258;g8d56607851_1_1043:notes"/>
           <p:cNvSpPr txBox="1"/>
           <p:nvPr>
             <p:ph idx="1" type="body"/>
@@ -3980,7 +3927,7 @@
   <p:cSld>
     <p:spTree>
       <p:nvGrpSpPr>
-        <p:cNvPr id="263" name="Shape 263"/>
+        <p:cNvPr id="262" name="Shape 262"/>
         <p:cNvGrpSpPr/>
         <p:nvPr/>
       </p:nvGrpSpPr>
@@ -3994,7 +3941,7 @@
       </p:grpSpPr>
       <p:sp>
         <p:nvSpPr>
-          <p:cNvPr id="264" name="Google Shape;264;g8d56607851_1_1043:notes"/>
+          <p:cNvPr id="263" name="Google Shape;263;g8d56607851_1_1047:notes"/>
           <p:cNvSpPr/>
           <p:nvPr>
             <p:ph idx="2" type="sldImg"/>
@@ -4029,7 +3976,7 @@
       </p:sp>
       <p:sp>
         <p:nvSpPr>
-          <p:cNvPr id="265" name="Google Shape;265;g8d56607851_1_1043:notes"/>
+          <p:cNvPr id="264" name="Google Shape;264;g8d56607851_1_1047:notes"/>
           <p:cNvSpPr txBox="1"/>
           <p:nvPr>
             <p:ph idx="1" type="body"/>
@@ -4080,7 +4027,7 @@
   <p:cSld>
     <p:spTree>
       <p:nvGrpSpPr>
-        <p:cNvPr id="269" name="Shape 269"/>
+        <p:cNvPr id="270" name="Shape 270"/>
         <p:cNvGrpSpPr/>
         <p:nvPr/>
       </p:nvGrpSpPr>
@@ -4094,7 +4041,7 @@
       </p:grpSpPr>
       <p:sp>
         <p:nvSpPr>
-          <p:cNvPr id="270" name="Google Shape;270;g8d56607851_1_1047:notes"/>
+          <p:cNvPr id="271" name="Google Shape;271;g8d56607851_1_1051:notes"/>
           <p:cNvSpPr/>
           <p:nvPr>
             <p:ph idx="2" type="sldImg"/>
@@ -4129,7 +4076,7 @@
       </p:sp>
       <p:sp>
         <p:nvSpPr>
-          <p:cNvPr id="271" name="Google Shape;271;g8d56607851_1_1047:notes"/>
+          <p:cNvPr id="272" name="Google Shape;272;g8d56607851_1_1051:notes"/>
           <p:cNvSpPr txBox="1"/>
           <p:nvPr>
             <p:ph idx="1" type="body"/>
@@ -4161,7 +4108,7 @@
             </a:pPr>
             <a:r>
               <a:rPr lang="cs"/>
-              <a:t>[0:15; 16-17]</a:t>
+              <a:t>[0:15; 17-18]</a:t>
             </a:r>
             <a:endParaRPr/>
           </a:p>
@@ -4180,7 +4127,7 @@
   <p:cSld>
     <p:spTree>
       <p:nvGrpSpPr>
-        <p:cNvPr id="277" name="Shape 277"/>
+        <p:cNvPr id="276" name="Shape 276"/>
         <p:cNvGrpSpPr/>
         <p:nvPr/>
       </p:nvGrpSpPr>
@@ -4194,7 +4141,7 @@
       </p:grpSpPr>
       <p:sp>
         <p:nvSpPr>
-          <p:cNvPr id="278" name="Google Shape;278;g8d56607851_1_1051:notes"/>
+          <p:cNvPr id="277" name="Google Shape;277;g8d56607851_1_1055:notes"/>
           <p:cNvSpPr/>
           <p:nvPr>
             <p:ph idx="2" type="sldImg"/>
@@ -4229,7 +4176,7 @@
       </p:sp>
       <p:sp>
         <p:nvSpPr>
-          <p:cNvPr id="279" name="Google Shape;279;g8d56607851_1_1051:notes"/>
+          <p:cNvPr id="278" name="Google Shape;278;g8d56607851_1_1055:notes"/>
           <p:cNvSpPr txBox="1"/>
           <p:nvPr>
             <p:ph idx="1" type="body"/>
@@ -4260,7 +4207,11 @@
               <a:buNone/>
             </a:pPr>
             <a:r>
-              <a:rPr lang="cs"/>
+              <a:rPr lang="cs">
+                <a:solidFill>
+                  <a:schemeClr val="dk1"/>
+                </a:solidFill>
+              </a:rPr>
               <a:t>[0:15; 17-18]</a:t>
             </a:r>
             <a:endParaRPr/>
@@ -4280,7 +4231,7 @@
   <p:cSld>
     <p:spTree>
       <p:nvGrpSpPr>
-        <p:cNvPr id="283" name="Shape 283"/>
+        <p:cNvPr id="285" name="Shape 285"/>
         <p:cNvGrpSpPr/>
         <p:nvPr/>
       </p:nvGrpSpPr>
@@ -4294,7 +4245,7 @@
       </p:grpSpPr>
       <p:sp>
         <p:nvSpPr>
-          <p:cNvPr id="284" name="Google Shape;284;g8d56607851_1_1055:notes"/>
+          <p:cNvPr id="286" name="Google Shape;286;g8d56607851_1_1080:notes"/>
           <p:cNvSpPr/>
           <p:nvPr>
             <p:ph idx="2" type="sldImg"/>
@@ -4329,7 +4280,7 @@
       </p:sp>
       <p:sp>
         <p:nvSpPr>
-          <p:cNvPr id="285" name="Google Shape;285;g8d56607851_1_1055:notes"/>
+          <p:cNvPr id="287" name="Google Shape;287;g8d56607851_1_1080:notes"/>
           <p:cNvSpPr txBox="1"/>
           <p:nvPr>
             <p:ph idx="1" type="body"/>
@@ -4357,6 +4308,11 @@
               <a:spcAft>
                 <a:spcPts val="0"/>
               </a:spcAft>
+              <a:buClr>
+                <a:schemeClr val="dk1"/>
+              </a:buClr>
+              <a:buSzPts val="1100"/>
+              <a:buFont typeface="Arial"/>
               <a:buNone/>
             </a:pPr>
             <a:r>
@@ -4365,7 +4321,26 @@
                   <a:schemeClr val="dk1"/>
                 </a:solidFill>
               </a:rPr>
-              <a:t>[0:15; 17-18]</a:t>
+              <a:t>[0:15; 18-19]</a:t>
+            </a:r>
+            <a:endParaRPr>
+              <a:solidFill>
+                <a:schemeClr val="dk1"/>
+              </a:solidFill>
+            </a:endParaRPr>
+          </a:p>
+          <a:p>
+            <a:pPr indent="0" lvl="0" marL="0" rtl="0" algn="l">
+              <a:spcBef>
+                <a:spcPts val="0"/>
+              </a:spcBef>
+              <a:spcAft>
+                <a:spcPts val="0"/>
+              </a:spcAft>
+              <a:buNone/>
+            </a:pPr>
+            <a:r>
+              <a:t/>
             </a:r>
             <a:endParaRPr/>
           </a:p>
@@ -4398,7 +4373,7 @@
       </p:grpSpPr>
       <p:sp>
         <p:nvSpPr>
-          <p:cNvPr id="293" name="Google Shape;293;g8d56607851_1_1080:notes"/>
+          <p:cNvPr id="293" name="Google Shape;293;g8d56607851_1_952:notes"/>
           <p:cNvSpPr/>
           <p:nvPr>
             <p:ph idx="2" type="sldImg"/>
@@ -4433,7 +4408,7 @@
       </p:sp>
       <p:sp>
         <p:nvSpPr>
-          <p:cNvPr id="294" name="Google Shape;294;g8d56607851_1_1080:notes"/>
+          <p:cNvPr id="294" name="Google Shape;294;g8d56607851_1_952:notes"/>
           <p:cNvSpPr txBox="1"/>
           <p:nvPr>
             <p:ph idx="1" type="body"/>
@@ -4461,39 +4436,11 @@
               <a:spcAft>
                 <a:spcPts val="0"/>
               </a:spcAft>
-              <a:buClr>
-                <a:schemeClr val="dk1"/>
-              </a:buClr>
-              <a:buSzPts val="1100"/>
-              <a:buFont typeface="Arial"/>
               <a:buNone/>
             </a:pPr>
             <a:r>
-              <a:rPr lang="cs">
-                <a:solidFill>
-                  <a:schemeClr val="dk1"/>
-                </a:solidFill>
-              </a:rPr>
-              <a:t>[0:15; 18-19]</a:t>
-            </a:r>
-            <a:endParaRPr>
-              <a:solidFill>
-                <a:schemeClr val="dk1"/>
-              </a:solidFill>
-            </a:endParaRPr>
-          </a:p>
-          <a:p>
-            <a:pPr indent="0" lvl="0" marL="0" rtl="0" algn="l">
-              <a:spcBef>
-                <a:spcPts val="0"/>
-              </a:spcBef>
-              <a:spcAft>
-                <a:spcPts val="0"/>
-              </a:spcAft>
-              <a:buNone/>
-            </a:pPr>
-            <a:r>
-              <a:t/>
+              <a:rPr lang="cs"/>
+              <a:t>[1:0; 19-20]</a:t>
             </a:r>
             <a:endParaRPr/>
           </a:p>
@@ -4526,7 +4473,7 @@
       </p:grpSpPr>
       <p:sp>
         <p:nvSpPr>
-          <p:cNvPr id="300" name="Google Shape;300;g8d56607851_1_952:notes"/>
+          <p:cNvPr id="300" name="Google Shape;300;g8d56607851_1_960:notes"/>
           <p:cNvSpPr/>
           <p:nvPr>
             <p:ph idx="2" type="sldImg"/>
@@ -4561,7 +4508,7 @@
       </p:sp>
       <p:sp>
         <p:nvSpPr>
-          <p:cNvPr id="301" name="Google Shape;301;g8d56607851_1_952:notes"/>
+          <p:cNvPr id="301" name="Google Shape;301;g8d56607851_1_960:notes"/>
           <p:cNvSpPr txBox="1"/>
           <p:nvPr>
             <p:ph idx="1" type="body"/>
@@ -4593,7 +4540,41 @@
             </a:pPr>
             <a:r>
               <a:rPr lang="cs"/>
-              <a:t>[1:0; 19-20]</a:t>
+              <a:t>[2:0; 20-22]</a:t>
+            </a:r>
+            <a:endParaRPr/>
+          </a:p>
+          <a:p>
+            <a:pPr indent="-298450" lvl="0" marL="457200" rtl="0" algn="l">
+              <a:spcBef>
+                <a:spcPts val="0"/>
+              </a:spcBef>
+              <a:spcAft>
+                <a:spcPts val="0"/>
+              </a:spcAft>
+              <a:buSzPts val="1100"/>
+              <a:buChar char="-"/>
+            </a:pPr>
+            <a:r>
+              <a:rPr lang="cs"/>
+              <a:t>More complex program</a:t>
+            </a:r>
+            <a:endParaRPr/>
+          </a:p>
+          <a:p>
+            <a:pPr indent="-298450" lvl="0" marL="457200" rtl="0" algn="l">
+              <a:spcBef>
+                <a:spcPts val="0"/>
+              </a:spcBef>
+              <a:spcAft>
+                <a:spcPts val="0"/>
+              </a:spcAft>
+              <a:buSzPts val="1100"/>
+              <a:buChar char="-"/>
+            </a:pPr>
+            <a:r>
+              <a:rPr lang="cs"/>
+              <a:t>think about it for 1 minute</a:t>
             </a:r>
             <a:endParaRPr/>
           </a:p>
@@ -4612,7 +4593,7 @@
   <p:cSld>
     <p:spTree>
       <p:nvGrpSpPr>
-        <p:cNvPr id="306" name="Shape 306"/>
+        <p:cNvPr id="305" name="Shape 305"/>
         <p:cNvGrpSpPr/>
         <p:nvPr/>
       </p:nvGrpSpPr>
@@ -4626,7 +4607,7 @@
       </p:grpSpPr>
       <p:sp>
         <p:nvSpPr>
-          <p:cNvPr id="307" name="Google Shape;307;g8d56607851_1_960:notes"/>
+          <p:cNvPr id="306" name="Google Shape;306;g8d56607851_1_973:notes"/>
           <p:cNvSpPr/>
           <p:nvPr>
             <p:ph idx="2" type="sldImg"/>
@@ -4661,7 +4642,7 @@
       </p:sp>
       <p:sp>
         <p:nvSpPr>
-          <p:cNvPr id="308" name="Google Shape;308;g8d56607851_1_960:notes"/>
+          <p:cNvPr id="307" name="Google Shape;307;g8d56607851_1_973:notes"/>
           <p:cNvSpPr txBox="1"/>
           <p:nvPr>
             <p:ph idx="1" type="body"/>
@@ -4693,41 +4674,7 @@
             </a:pPr>
             <a:r>
               <a:rPr lang="cs"/>
-              <a:t>[2:0; 20-22]</a:t>
-            </a:r>
-            <a:endParaRPr/>
-          </a:p>
-          <a:p>
-            <a:pPr indent="-298450" lvl="0" marL="457200" rtl="0" algn="l">
-              <a:spcBef>
-                <a:spcPts val="0"/>
-              </a:spcBef>
-              <a:spcAft>
-                <a:spcPts val="0"/>
-              </a:spcAft>
-              <a:buSzPts val="1100"/>
-              <a:buChar char="-"/>
-            </a:pPr>
-            <a:r>
-              <a:rPr lang="cs"/>
-              <a:t>More complex program</a:t>
-            </a:r>
-            <a:endParaRPr/>
-          </a:p>
-          <a:p>
-            <a:pPr indent="-298450" lvl="0" marL="457200" rtl="0" algn="l">
-              <a:spcBef>
-                <a:spcPts val="0"/>
-              </a:spcBef>
-              <a:spcAft>
-                <a:spcPts val="0"/>
-              </a:spcAft>
-              <a:buSzPts val="1100"/>
-              <a:buChar char="-"/>
-            </a:pPr>
-            <a:r>
-              <a:rPr lang="cs"/>
-              <a:t>think about it for 1 minute</a:t>
+              <a:t>[1:0; 22-23]</a:t>
             </a:r>
             <a:endParaRPr/>
           </a:p>
@@ -4760,7 +4707,7 @@
       </p:grpSpPr>
       <p:sp>
         <p:nvSpPr>
-          <p:cNvPr id="68" name="Google Shape;68;g86d56b4ac2_0_0:notes"/>
+          <p:cNvPr id="68" name="Google Shape;68;g86d56b4ac2_0_10:notes"/>
           <p:cNvSpPr/>
           <p:nvPr>
             <p:ph idx="2" type="sldImg"/>
@@ -4795,7 +4742,7 @@
       </p:sp>
       <p:sp>
         <p:nvSpPr>
-          <p:cNvPr id="69" name="Google Shape;69;g86d56b4ac2_0_0:notes"/>
+          <p:cNvPr id="69" name="Google Shape;69;g86d56b4ac2_0_10:notes"/>
           <p:cNvSpPr txBox="1"/>
           <p:nvPr>
             <p:ph idx="1" type="body"/>
@@ -4859,7 +4806,7 @@
       </p:grpSpPr>
       <p:sp>
         <p:nvSpPr>
-          <p:cNvPr id="313" name="Google Shape;313;g8d56607851_1_973:notes"/>
+          <p:cNvPr id="313" name="Google Shape;313;g8d56607851_1_1089:notes"/>
           <p:cNvSpPr/>
           <p:nvPr>
             <p:ph idx="2" type="sldImg"/>
@@ -4894,7 +4841,7 @@
       </p:sp>
       <p:sp>
         <p:nvSpPr>
-          <p:cNvPr id="314" name="Google Shape;314;g8d56607851_1_973:notes"/>
+          <p:cNvPr id="314" name="Google Shape;314;g8d56607851_1_1089:notes"/>
           <p:cNvSpPr txBox="1"/>
           <p:nvPr>
             <p:ph idx="1" type="body"/>
@@ -4926,7 +4873,7 @@
             </a:pPr>
             <a:r>
               <a:rPr lang="cs"/>
-              <a:t>[1:0; 22-23]</a:t>
+              <a:t>[1:0; 23-24]</a:t>
             </a:r>
             <a:endParaRPr/>
           </a:p>
@@ -4945,7 +4892,7 @@
   <p:cSld>
     <p:spTree>
       <p:nvGrpSpPr>
-        <p:cNvPr id="319" name="Shape 319"/>
+        <p:cNvPr id="321" name="Shape 321"/>
         <p:cNvGrpSpPr/>
         <p:nvPr/>
       </p:nvGrpSpPr>
@@ -4959,7 +4906,7 @@
       </p:grpSpPr>
       <p:sp>
         <p:nvSpPr>
-          <p:cNvPr id="320" name="Google Shape;320;g8d56607851_1_1089:notes"/>
+          <p:cNvPr id="322" name="Google Shape;322;g8d56607851_1_1097:notes"/>
           <p:cNvSpPr/>
           <p:nvPr>
             <p:ph idx="2" type="sldImg"/>
@@ -4994,7 +4941,7 @@
       </p:sp>
       <p:sp>
         <p:nvSpPr>
-          <p:cNvPr id="321" name="Google Shape;321;g8d56607851_1_1089:notes"/>
+          <p:cNvPr id="323" name="Google Shape;323;g8d56607851_1_1097:notes"/>
           <p:cNvSpPr txBox="1"/>
           <p:nvPr>
             <p:ph idx="1" type="body"/>
@@ -5026,7 +4973,7 @@
             </a:pPr>
             <a:r>
               <a:rPr lang="cs"/>
-              <a:t>[1:0; 23-24]</a:t>
+              <a:t>[0:30; 24-25]</a:t>
             </a:r>
             <a:endParaRPr/>
           </a:p>
@@ -5059,7 +5006,7 @@
       </p:grpSpPr>
       <p:sp>
         <p:nvSpPr>
-          <p:cNvPr id="329" name="Google Shape;329;g8d56607851_1_1097:notes"/>
+          <p:cNvPr id="329" name="Google Shape;329;g8d56607851_1_1102:notes"/>
           <p:cNvSpPr/>
           <p:nvPr>
             <p:ph idx="2" type="sldImg"/>
@@ -5094,7 +5041,7 @@
       </p:sp>
       <p:sp>
         <p:nvSpPr>
-          <p:cNvPr id="330" name="Google Shape;330;g8d56607851_1_1097:notes"/>
+          <p:cNvPr id="330" name="Google Shape;330;g8d56607851_1_1102:notes"/>
           <p:cNvSpPr txBox="1"/>
           <p:nvPr>
             <p:ph idx="1" type="body"/>
@@ -5126,7 +5073,7 @@
             </a:pPr>
             <a:r>
               <a:rPr lang="cs"/>
-              <a:t>[0:30; 24-25]</a:t>
+              <a:t>[1:0; 25-26]</a:t>
             </a:r>
             <a:endParaRPr/>
           </a:p>
@@ -5145,7 +5092,7 @@
   <p:cSld>
     <p:spTree>
       <p:nvGrpSpPr>
-        <p:cNvPr id="335" name="Shape 335"/>
+        <p:cNvPr id="334" name="Shape 334"/>
         <p:cNvGrpSpPr/>
         <p:nvPr/>
       </p:nvGrpSpPr>
@@ -5159,7 +5106,7 @@
       </p:grpSpPr>
       <p:sp>
         <p:nvSpPr>
-          <p:cNvPr id="336" name="Google Shape;336;g8d56607851_1_1102:notes"/>
+          <p:cNvPr id="335" name="Google Shape;335;g86d56b4ac2_0_90:notes"/>
           <p:cNvSpPr/>
           <p:nvPr>
             <p:ph idx="2" type="sldImg"/>
@@ -5194,107 +5141,7 @@
       </p:sp>
       <p:sp>
         <p:nvSpPr>
-          <p:cNvPr id="337" name="Google Shape;337;g8d56607851_1_1102:notes"/>
-          <p:cNvSpPr txBox="1"/>
-          <p:nvPr>
-            <p:ph idx="1" type="body"/>
-          </p:nvPr>
-        </p:nvSpPr>
-        <p:spPr>
-          <a:xfrm>
-            <a:off x="685800" y="4343400"/>
-            <a:ext cx="5486400" cy="4114800"/>
-          </a:xfrm>
-          <a:prstGeom prst="rect">
-            <a:avLst/>
-          </a:prstGeom>
-        </p:spPr>
-        <p:txBody>
-          <a:bodyPr anchorCtr="0" anchor="t" bIns="91425" lIns="91425" spcFirstLastPara="1" rIns="91425" wrap="square" tIns="91425">
-            <a:noAutofit/>
-          </a:bodyPr>
-          <a:lstStyle/>
-          <a:p>
-            <a:pPr indent="0" lvl="0" marL="0" rtl="0" algn="l">
-              <a:spcBef>
-                <a:spcPts val="0"/>
-              </a:spcBef>
-              <a:spcAft>
-                <a:spcPts val="0"/>
-              </a:spcAft>
-              <a:buNone/>
-            </a:pPr>
-            <a:r>
-              <a:rPr lang="cs"/>
-              <a:t>[1:0; 25-26]</a:t>
-            </a:r>
-            <a:endParaRPr/>
-          </a:p>
-        </p:txBody>
-      </p:sp>
-    </p:spTree>
-  </p:cSld>
-  <p:clrMapOvr>
-    <a:masterClrMapping/>
-  </p:clrMapOvr>
-</p:notes>
-</file>
-
-<file path=ppt/notesSlides/notesSlide44.xml><?xml version="1.0" encoding="utf-8"?>
-<p:notes xmlns:a="http://schemas.openxmlformats.org/drawingml/2006/main" xmlns:r="http://schemas.openxmlformats.org/officeDocument/2006/relationships" xmlns:mc="http://schemas.openxmlformats.org/markup-compatibility/2006" xmlns:mv="urn:schemas-microsoft-com:mac:vml" xmlns:p="http://schemas.openxmlformats.org/presentationml/2006/main" xmlns:c="http://schemas.openxmlformats.org/drawingml/2006/chart" xmlns:dgm="http://schemas.openxmlformats.org/drawingml/2006/diagram" xmlns:o="urn:schemas-microsoft-com:office:office" xmlns:v="urn:schemas-microsoft-com:vml" xmlns:pvml="urn:schemas-microsoft-com:office:powerpoint" xmlns:com="http://schemas.openxmlformats.org/drawingml/2006/compatibility" xmlns:p14="http://schemas.microsoft.com/office/powerpoint/2010/main" xmlns:p15="http://schemas.microsoft.com/office/powerpoint/2012/main" xmlns:ahyp="http://schemas.microsoft.com/office/drawing/2018/hyperlinkcolor" showMasterPhAnim="0" showMasterSp="0">
-  <p:cSld>
-    <p:spTree>
-      <p:nvGrpSpPr>
-        <p:cNvPr id="341" name="Shape 341"/>
-        <p:cNvGrpSpPr/>
-        <p:nvPr/>
-      </p:nvGrpSpPr>
-      <p:grpSpPr>
-        <a:xfrm>
-          <a:off x="0" y="0"/>
-          <a:ext cx="0" cy="0"/>
-          <a:chOff x="0" y="0"/>
-          <a:chExt cx="0" cy="0"/>
-        </a:xfrm>
-      </p:grpSpPr>
-      <p:sp>
-        <p:nvSpPr>
-          <p:cNvPr id="342" name="Google Shape;342;g86d56b4ac2_0_90:notes"/>
-          <p:cNvSpPr/>
-          <p:nvPr>
-            <p:ph idx="2" type="sldImg"/>
-          </p:nvPr>
-        </p:nvSpPr>
-        <p:spPr>
-          <a:xfrm>
-            <a:off x="1143309" y="685800"/>
-            <a:ext cx="4572000" cy="3429000"/>
-          </a:xfrm>
-          <a:custGeom>
-            <a:rect b="b" l="l" r="r" t="t"/>
-            <a:pathLst>
-              <a:path extrusionOk="0" h="120000" w="120000">
-                <a:moveTo>
-                  <a:pt x="0" y="0"/>
-                </a:moveTo>
-                <a:lnTo>
-                  <a:pt x="120000" y="0"/>
-                </a:lnTo>
-                <a:lnTo>
-                  <a:pt x="120000" y="120000"/>
-                </a:lnTo>
-                <a:lnTo>
-                  <a:pt x="0" y="120000"/>
-                </a:lnTo>
-                <a:close/>
-              </a:path>
-            </a:pathLst>
-          </a:custGeom>
-        </p:spPr>
-      </p:sp>
-      <p:sp>
-        <p:nvSpPr>
-          <p:cNvPr id="343" name="Google Shape;343;g86d56b4ac2_0_90:notes"/>
+          <p:cNvPr id="336" name="Google Shape;336;g86d56b4ac2_0_90:notes"/>
           <p:cNvSpPr txBox="1"/>
           <p:nvPr>
             <p:ph idx="1" type="body"/>
@@ -5358,7 +5205,7 @@
       </p:grpSpPr>
       <p:sp>
         <p:nvSpPr>
-          <p:cNvPr id="75" name="Google Shape;75;g86d56b4ac2_0_10:notes"/>
+          <p:cNvPr id="75" name="Google Shape;75;g86d56b4ac2_0_17:notes"/>
           <p:cNvSpPr/>
           <p:nvPr>
             <p:ph idx="2" type="sldImg"/>
@@ -5393,7 +5240,7 @@
       </p:sp>
       <p:sp>
         <p:nvSpPr>
-          <p:cNvPr id="76" name="Google Shape;76;g86d56b4ac2_0_10:notes"/>
+          <p:cNvPr id="76" name="Google Shape;76;g86d56b4ac2_0_17:notes"/>
           <p:cNvSpPr txBox="1"/>
           <p:nvPr>
             <p:ph idx="1" type="body"/>
@@ -5457,7 +5304,7 @@
       </p:grpSpPr>
       <p:sp>
         <p:nvSpPr>
-          <p:cNvPr id="82" name="Google Shape;82;g86d56b4ac2_0_17:notes"/>
+          <p:cNvPr id="82" name="Google Shape;82;g86d56b4ac2_0_34:notes"/>
           <p:cNvSpPr/>
           <p:nvPr>
             <p:ph idx="2" type="sldImg"/>
@@ -5492,7 +5339,7 @@
       </p:sp>
       <p:sp>
         <p:nvSpPr>
-          <p:cNvPr id="83" name="Google Shape;83;g86d56b4ac2_0_17:notes"/>
+          <p:cNvPr id="83" name="Google Shape;83;g86d56b4ac2_0_34:notes"/>
           <p:cNvSpPr txBox="1"/>
           <p:nvPr>
             <p:ph idx="1" type="body"/>
@@ -5556,7 +5403,7 @@
       </p:grpSpPr>
       <p:sp>
         <p:nvSpPr>
-          <p:cNvPr id="89" name="Google Shape;89;g86d56b4ac2_0_34:notes"/>
+          <p:cNvPr id="89" name="Google Shape;89;g86d56b4ac2_0_40:notes"/>
           <p:cNvSpPr/>
           <p:nvPr>
             <p:ph idx="2" type="sldImg"/>
@@ -5591,7 +5438,7 @@
       </p:sp>
       <p:sp>
         <p:nvSpPr>
-          <p:cNvPr id="90" name="Google Shape;90;g86d56b4ac2_0_34:notes"/>
+          <p:cNvPr id="90" name="Google Shape;90;g86d56b4ac2_0_40:notes"/>
           <p:cNvSpPr txBox="1"/>
           <p:nvPr>
             <p:ph idx="1" type="body"/>
@@ -5641,7 +5488,7 @@
   <p:cSld>
     <p:spTree>
       <p:nvGrpSpPr>
-        <p:cNvPr id="95" name="Shape 95"/>
+        <p:cNvPr id="97" name="Shape 97"/>
         <p:cNvGrpSpPr/>
         <p:nvPr/>
       </p:nvGrpSpPr>
@@ -5655,7 +5502,7 @@
       </p:grpSpPr>
       <p:sp>
         <p:nvSpPr>
-          <p:cNvPr id="96" name="Google Shape;96;g86d56b4ac2_0_40:notes"/>
+          <p:cNvPr id="98" name="Google Shape;98;g86d56b4ac2_0_29:notes"/>
           <p:cNvSpPr/>
           <p:nvPr>
             <p:ph idx="2" type="sldImg"/>
@@ -5690,7 +5537,7 @@
       </p:sp>
       <p:sp>
         <p:nvSpPr>
-          <p:cNvPr id="97" name="Google Shape;97;g86d56b4ac2_0_40:notes"/>
+          <p:cNvPr id="99" name="Google Shape;99;g86d56b4ac2_0_29:notes"/>
           <p:cNvSpPr txBox="1"/>
           <p:nvPr>
             <p:ph idx="1" type="body"/>
@@ -5721,7 +5568,8 @@
               <a:buNone/>
             </a:pPr>
             <a:r>
-              <a:t/>
+              <a:rPr lang="cs"/>
+              <a:t>udělat komplikovanou složenou podmínku</a:t>
             </a:r>
             <a:endParaRPr/>
           </a:p>
@@ -5740,7 +5588,7 @@
   <p:cSld>
     <p:spTree>
       <p:nvGrpSpPr>
-        <p:cNvPr id="104" name="Shape 104"/>
+        <p:cNvPr id="102" name="Shape 102"/>
         <p:cNvGrpSpPr/>
         <p:nvPr/>
       </p:nvGrpSpPr>
@@ -5754,7 +5602,7 @@
       </p:grpSpPr>
       <p:sp>
         <p:nvSpPr>
-          <p:cNvPr id="105" name="Google Shape;105;g86d56b4ac2_0_29:notes"/>
+          <p:cNvPr id="103" name="Google Shape;103;g86d56b4ac2_0_48:notes"/>
           <p:cNvSpPr/>
           <p:nvPr>
             <p:ph idx="2" type="sldImg"/>
@@ -5789,7 +5637,7 @@
       </p:sp>
       <p:sp>
         <p:nvSpPr>
-          <p:cNvPr id="106" name="Google Shape;106;g86d56b4ac2_0_29:notes"/>
+          <p:cNvPr id="104" name="Google Shape;104;g86d56b4ac2_0_48:notes"/>
           <p:cNvSpPr txBox="1"/>
           <p:nvPr>
             <p:ph idx="1" type="body"/>
@@ -5810,18 +5658,70 @@
           </a:bodyPr>
           <a:lstStyle/>
           <a:p>
-            <a:pPr indent="0" lvl="0" marL="0" rtl="0" algn="l">
-              <a:spcBef>
-                <a:spcPts val="0"/>
-              </a:spcBef>
-              <a:spcAft>
-                <a:spcPts val="0"/>
-              </a:spcAft>
-              <a:buNone/>
+            <a:pPr indent="-298450" lvl="0" marL="457200" rtl="0" algn="l">
+              <a:spcBef>
+                <a:spcPts val="0"/>
+              </a:spcBef>
+              <a:spcAft>
+                <a:spcPts val="0"/>
+              </a:spcAft>
+              <a:buSzPts val="1100"/>
+              <a:buChar char="-"/>
             </a:pPr>
             <a:r>
               <a:rPr lang="cs"/>
-              <a:t>udělat komplikovanou složenou podmínku</a:t>
+              <a:t>2021?</a:t>
+            </a:r>
+            <a:endParaRPr/>
+          </a:p>
+          <a:p>
+            <a:pPr indent="-298450" lvl="0" marL="457200" rtl="0" algn="l">
+              <a:spcBef>
+                <a:spcPts val="0"/>
+              </a:spcBef>
+              <a:spcAft>
+                <a:spcPts val="0"/>
+              </a:spcAft>
+              <a:buSzPts val="1100"/>
+              <a:buChar char="-"/>
+            </a:pPr>
+            <a:r>
+              <a:rPr lang="cs"/>
+              <a:t>-5?</a:t>
+            </a:r>
+            <a:endParaRPr/>
+          </a:p>
+          <a:p>
+            <a:pPr indent="-298450" lvl="0" marL="457200" rtl="0" algn="l">
+              <a:spcBef>
+                <a:spcPts val="0"/>
+              </a:spcBef>
+              <a:spcAft>
+                <a:spcPts val="0"/>
+              </a:spcAft>
+              <a:buSzPts val="1100"/>
+              <a:buChar char="-"/>
+            </a:pPr>
+            <a:r>
+              <a:rPr lang="cs"/>
+              <a:t>2020?</a:t>
+            </a:r>
+            <a:endParaRPr/>
+          </a:p>
+          <a:p>
+            <a:pPr indent="-298450" lvl="0" marL="457200" rtl="0" algn="l">
+              <a:spcBef>
+                <a:spcPts val="0"/>
+              </a:spcBef>
+              <a:spcAft>
+                <a:spcPts val="0"/>
+              </a:spcAft>
+              <a:buSzPts val="1100"/>
+              <a:buChar char="-"/>
+            </a:pPr>
+            <a:r>
+              <a:rPr lang="cs"/>
+              <a:t>15?</a:t>
             </a:r>
             <a:endParaRPr/>
           </a:p>
@@ -10570,7 +10470,7 @@
   <p:cSld>
     <p:spTree>
       <p:nvGrpSpPr>
-        <p:cNvPr id="112" name="Shape 112"/>
+        <p:cNvPr id="110" name="Shape 110"/>
         <p:cNvGrpSpPr/>
         <p:nvPr/>
       </p:nvGrpSpPr>
@@ -10584,7 +10484,7 @@
       </p:grpSpPr>
       <p:pic>
         <p:nvPicPr>
-          <p:cNvPr id="113" name="Google Shape;113;p22"/>
+          <p:cNvPr id="111" name="Google Shape;111;p22"/>
           <p:cNvPicPr preferRelativeResize="0"/>
           <p:nvPr/>
         </p:nvPicPr>
@@ -10610,6 +10510,54 @@
           </a:ln>
         </p:spPr>
       </p:pic>
+      <p:sp>
+        <p:nvSpPr>
+          <p:cNvPr id="112" name="Google Shape;112;p22"/>
+          <p:cNvSpPr txBox="1"/>
+          <p:nvPr/>
+        </p:nvSpPr>
+        <p:spPr>
+          <a:xfrm>
+            <a:off x="1204175" y="699550"/>
+            <a:ext cx="1445100" cy="412800"/>
+          </a:xfrm>
+          <a:prstGeom prst="rect">
+            <a:avLst/>
+          </a:prstGeom>
+          <a:noFill/>
+          <a:ln cap="flat" cmpd="sng" w="9525">
+            <a:solidFill>
+              <a:srgbClr val="000000"/>
+            </a:solidFill>
+            <a:prstDash val="solid"/>
+            <a:round/>
+            <a:headEnd len="sm" w="sm" type="none"/>
+            <a:tailEnd len="sm" w="sm" type="none"/>
+          </a:ln>
+        </p:spPr>
+        <p:txBody>
+          <a:bodyPr anchorCtr="0" anchor="t" bIns="91425" lIns="91425" spcFirstLastPara="1" rIns="91425" wrap="square" tIns="91425">
+            <a:noAutofit/>
+          </a:bodyPr>
+          <a:lstStyle/>
+          <a:p>
+            <a:pPr indent="0" lvl="0" marL="0" rtl="0" algn="l">
+              <a:spcBef>
+                <a:spcPts val="0"/>
+              </a:spcBef>
+              <a:spcAft>
+                <a:spcPts val="0"/>
+              </a:spcAft>
+              <a:buNone/>
+            </a:pPr>
+            <a:r>
+              <a:rPr lang="cs"/>
+              <a:t>number = 2021</a:t>
+            </a:r>
+            <a:endParaRPr/>
+          </a:p>
+        </p:txBody>
+      </p:sp>
     </p:spTree>
   </p:cSld>
   <p:clrMapOvr>
@@ -10623,7 +10571,7 @@
   <p:cSld>
     <p:spTree>
       <p:nvGrpSpPr>
-        <p:cNvPr id="117" name="Shape 117"/>
+        <p:cNvPr id="116" name="Shape 116"/>
         <p:cNvGrpSpPr/>
         <p:nvPr/>
       </p:nvGrpSpPr>
@@ -10637,7 +10585,7 @@
       </p:grpSpPr>
       <p:pic>
         <p:nvPicPr>
-          <p:cNvPr id="118" name="Google Shape;118;p23"/>
+          <p:cNvPr id="117" name="Google Shape;117;p23"/>
           <p:cNvPicPr preferRelativeResize="0"/>
           <p:nvPr/>
         </p:nvPicPr>
@@ -10665,7 +10613,7 @@
       </p:pic>
       <p:sp>
         <p:nvSpPr>
-          <p:cNvPr id="119" name="Google Shape;119;p23"/>
+          <p:cNvPr id="118" name="Google Shape;118;p23"/>
           <p:cNvSpPr txBox="1"/>
           <p:nvPr/>
         </p:nvSpPr>
@@ -10705,7 +10653,7 @@
             </a:pPr>
             <a:r>
               <a:rPr lang="cs"/>
-              <a:t>number = 2021</a:t>
+              <a:t>number = -5</a:t>
             </a:r>
             <a:endParaRPr/>
           </a:p>
@@ -10724,7 +10672,7 @@
   <p:cSld>
     <p:spTree>
       <p:nvGrpSpPr>
-        <p:cNvPr id="123" name="Shape 123"/>
+        <p:cNvPr id="122" name="Shape 122"/>
         <p:cNvGrpSpPr/>
         <p:nvPr/>
       </p:nvGrpSpPr>
@@ -10738,7 +10686,7 @@
       </p:grpSpPr>
       <p:pic>
         <p:nvPicPr>
-          <p:cNvPr id="124" name="Google Shape;124;p24"/>
+          <p:cNvPr id="123" name="Google Shape;123;p24"/>
           <p:cNvPicPr preferRelativeResize="0"/>
           <p:nvPr/>
         </p:nvPicPr>
@@ -10766,7 +10714,7 @@
       </p:pic>
       <p:sp>
         <p:nvSpPr>
-          <p:cNvPr id="125" name="Google Shape;125;p24"/>
+          <p:cNvPr id="124" name="Google Shape;124;p24"/>
           <p:cNvSpPr txBox="1"/>
           <p:nvPr/>
         </p:nvSpPr>
@@ -10806,7 +10754,7 @@
             </a:pPr>
             <a:r>
               <a:rPr lang="cs"/>
-              <a:t>number = -5</a:t>
+              <a:t>number = 2020</a:t>
             </a:r>
             <a:endParaRPr/>
           </a:p>
@@ -10825,7 +10773,7 @@
   <p:cSld>
     <p:spTree>
       <p:nvGrpSpPr>
-        <p:cNvPr id="129" name="Shape 129"/>
+        <p:cNvPr id="128" name="Shape 128"/>
         <p:cNvGrpSpPr/>
         <p:nvPr/>
       </p:nvGrpSpPr>
@@ -10839,7 +10787,7 @@
       </p:grpSpPr>
       <p:pic>
         <p:nvPicPr>
-          <p:cNvPr id="130" name="Google Shape;130;p25"/>
+          <p:cNvPr id="129" name="Google Shape;129;p25"/>
           <p:cNvPicPr preferRelativeResize="0"/>
           <p:nvPr/>
         </p:nvPicPr>
@@ -10867,7 +10815,7 @@
       </p:pic>
       <p:sp>
         <p:nvSpPr>
-          <p:cNvPr id="131" name="Google Shape;131;p25"/>
+          <p:cNvPr id="130" name="Google Shape;130;p25"/>
           <p:cNvSpPr txBox="1"/>
           <p:nvPr/>
         </p:nvSpPr>
@@ -10907,7 +10855,7 @@
             </a:pPr>
             <a:r>
               <a:rPr lang="cs"/>
-              <a:t>number = 2020</a:t>
+              <a:t>number = 15</a:t>
             </a:r>
             <a:endParaRPr/>
           </a:p>
@@ -10926,7 +10874,7 @@
   <p:cSld>
     <p:spTree>
       <p:nvGrpSpPr>
-        <p:cNvPr id="135" name="Shape 135"/>
+        <p:cNvPr id="134" name="Shape 134"/>
         <p:cNvGrpSpPr/>
         <p:nvPr/>
       </p:nvGrpSpPr>
@@ -10940,7 +10888,7 @@
       </p:grpSpPr>
       <p:pic>
         <p:nvPicPr>
-          <p:cNvPr id="136" name="Google Shape;136;p26"/>
+          <p:cNvPr id="135" name="Google Shape;135;p26"/>
           <p:cNvPicPr preferRelativeResize="0"/>
           <p:nvPr/>
         </p:nvPicPr>
@@ -10968,22 +10916,24 @@
       </p:pic>
       <p:sp>
         <p:nvSpPr>
-          <p:cNvPr id="137" name="Google Shape;137;p26"/>
-          <p:cNvSpPr txBox="1"/>
+          <p:cNvPr id="136" name="Google Shape;136;p26"/>
+          <p:cNvSpPr/>
           <p:nvPr/>
         </p:nvSpPr>
         <p:spPr>
           <a:xfrm>
-            <a:off x="1204175" y="699550"/>
-            <a:ext cx="1445100" cy="412800"/>
-          </a:xfrm>
-          <a:prstGeom prst="rect">
-            <a:avLst/>
+            <a:off x="1547775" y="3359800"/>
+            <a:ext cx="3624000" cy="352200"/>
+          </a:xfrm>
+          <a:prstGeom prst="roundRect">
+            <a:avLst>
+              <a:gd fmla="val 16667" name="adj"/>
+            </a:avLst>
           </a:prstGeom>
           <a:noFill/>
-          <a:ln cap="flat" cmpd="sng" w="9525">
+          <a:ln cap="flat" cmpd="sng" w="38100">
             <a:solidFill>
-              <a:srgbClr val="000000"/>
+              <a:srgbClr val="00FF00"/>
             </a:solidFill>
             <a:prstDash val="solid"/>
             <a:round/>
@@ -10992,7 +10942,7 @@
           </a:ln>
         </p:spPr>
         <p:txBody>
-          <a:bodyPr anchorCtr="0" anchor="t" bIns="91425" lIns="91425" spcFirstLastPara="1" rIns="91425" wrap="square" tIns="91425">
+          <a:bodyPr anchorCtr="0" anchor="ctr" bIns="91425" lIns="91425" spcFirstLastPara="1" rIns="91425" wrap="square" tIns="91425">
             <a:noAutofit/>
           </a:bodyPr>
           <a:lstStyle/>
@@ -11007,8 +10957,105 @@
               <a:buNone/>
             </a:pPr>
             <a:r>
-              <a:rPr lang="cs"/>
-              <a:t>number = 15</a:t>
+              <a:t/>
+            </a:r>
+            <a:endParaRPr/>
+          </a:p>
+        </p:txBody>
+      </p:sp>
+      <p:sp>
+        <p:nvSpPr>
+          <p:cNvPr id="137" name="Google Shape;137;p26"/>
+          <p:cNvSpPr/>
+          <p:nvPr/>
+        </p:nvSpPr>
+        <p:spPr>
+          <a:xfrm>
+            <a:off x="1623275" y="3410125"/>
+            <a:ext cx="1509300" cy="239100"/>
+          </a:xfrm>
+          <a:prstGeom prst="roundRect">
+            <a:avLst>
+              <a:gd fmla="val 16667" name="adj"/>
+            </a:avLst>
+          </a:prstGeom>
+          <a:noFill/>
+          <a:ln cap="flat" cmpd="sng" w="38100">
+            <a:solidFill>
+              <a:srgbClr val="FF9900"/>
+            </a:solidFill>
+            <a:prstDash val="solid"/>
+            <a:round/>
+            <a:headEnd len="sm" w="sm" type="none"/>
+            <a:tailEnd len="sm" w="sm" type="none"/>
+          </a:ln>
+        </p:spPr>
+        <p:txBody>
+          <a:bodyPr anchorCtr="0" anchor="ctr" bIns="91425" lIns="91425" spcFirstLastPara="1" rIns="91425" wrap="square" tIns="91425">
+            <a:noAutofit/>
+          </a:bodyPr>
+          <a:lstStyle/>
+          <a:p>
+            <a:pPr indent="0" lvl="0" marL="0" rtl="0" algn="l">
+              <a:spcBef>
+                <a:spcPts val="0"/>
+              </a:spcBef>
+              <a:spcAft>
+                <a:spcPts val="0"/>
+              </a:spcAft>
+              <a:buNone/>
+            </a:pPr>
+            <a:r>
+              <a:t/>
+            </a:r>
+            <a:endParaRPr/>
+          </a:p>
+        </p:txBody>
+      </p:sp>
+      <p:sp>
+        <p:nvSpPr>
+          <p:cNvPr id="138" name="Google Shape;138;p26"/>
+          <p:cNvSpPr/>
+          <p:nvPr/>
+        </p:nvSpPr>
+        <p:spPr>
+          <a:xfrm>
+            <a:off x="5498975" y="3422700"/>
+            <a:ext cx="3435300" cy="239100"/>
+          </a:xfrm>
+          <a:prstGeom prst="roundRect">
+            <a:avLst>
+              <a:gd fmla="val 16667" name="adj"/>
+            </a:avLst>
+          </a:prstGeom>
+          <a:noFill/>
+          <a:ln cap="flat" cmpd="sng" w="38100">
+            <a:solidFill>
+              <a:srgbClr val="00FFFF"/>
+            </a:solidFill>
+            <a:prstDash val="solid"/>
+            <a:round/>
+            <a:headEnd len="sm" w="sm" type="none"/>
+            <a:tailEnd len="sm" w="sm" type="none"/>
+          </a:ln>
+        </p:spPr>
+        <p:txBody>
+          <a:bodyPr anchorCtr="0" anchor="ctr" bIns="91425" lIns="91425" spcFirstLastPara="1" rIns="91425" wrap="square" tIns="91425">
+            <a:noAutofit/>
+          </a:bodyPr>
+          <a:lstStyle/>
+          <a:p>
+            <a:pPr indent="0" lvl="0" marL="0" rtl="0" algn="l">
+              <a:spcBef>
+                <a:spcPts val="0"/>
+              </a:spcBef>
+              <a:spcAft>
+                <a:spcPts val="0"/>
+              </a:spcAft>
+              <a:buNone/>
+            </a:pPr>
+            <a:r>
+              <a:t/>
             </a:r>
             <a:endParaRPr/>
           </a:p>
@@ -11027,7 +11074,7 @@
   <p:cSld>
     <p:spTree>
       <p:nvGrpSpPr>
-        <p:cNvPr id="141" name="Shape 141"/>
+        <p:cNvPr id="142" name="Shape 142"/>
         <p:cNvGrpSpPr/>
         <p:nvPr/>
       </p:nvGrpSpPr>
@@ -11041,7 +11088,7 @@
       </p:grpSpPr>
       <p:pic>
         <p:nvPicPr>
-          <p:cNvPr id="142" name="Google Shape;142;p27"/>
+          <p:cNvPr id="143" name="Google Shape;143;p27"/>
           <p:cNvPicPr preferRelativeResize="0"/>
           <p:nvPr/>
         </p:nvPicPr>
@@ -11055,8 +11102,8 @@
         </p:blipFill>
         <p:spPr>
           <a:xfrm>
-            <a:off x="152400" y="2580462"/>
-            <a:ext cx="8839201" cy="1697074"/>
+            <a:off x="-12" y="-12"/>
+            <a:ext cx="5019675" cy="4791075"/>
           </a:xfrm>
           <a:prstGeom prst="rect">
             <a:avLst/>
@@ -11067,16 +11114,125 @@
           </a:ln>
         </p:spPr>
       </p:pic>
+    </p:spTree>
+  </p:cSld>
+  <p:clrMapOvr>
+    <a:masterClrMapping/>
+  </p:clrMapOvr>
+</p:sld>
+</file>
+
+<file path=ppt/slides/slide16.xml><?xml version="1.0" encoding="utf-8"?>
+<p:sld xmlns:a="http://schemas.openxmlformats.org/drawingml/2006/main" xmlns:r="http://schemas.openxmlformats.org/officeDocument/2006/relationships" xmlns:mc="http://schemas.openxmlformats.org/markup-compatibility/2006" xmlns:mv="urn:schemas-microsoft-com:mac:vml" xmlns:p="http://schemas.openxmlformats.org/presentationml/2006/main" xmlns:c="http://schemas.openxmlformats.org/drawingml/2006/chart" xmlns:dgm="http://schemas.openxmlformats.org/drawingml/2006/diagram" xmlns:o="urn:schemas-microsoft-com:office:office" xmlns:v="urn:schemas-microsoft-com:vml" xmlns:pvml="urn:schemas-microsoft-com:office:powerpoint" xmlns:com="http://schemas.openxmlformats.org/drawingml/2006/compatibility" xmlns:p14="http://schemas.microsoft.com/office/powerpoint/2010/main" xmlns:p15="http://schemas.microsoft.com/office/powerpoint/2012/main" xmlns:ahyp="http://schemas.microsoft.com/office/drawing/2018/hyperlinkcolor">
+  <p:cSld>
+    <p:spTree>
+      <p:nvGrpSpPr>
+        <p:cNvPr id="147" name="Shape 147"/>
+        <p:cNvGrpSpPr/>
+        <p:nvPr/>
+      </p:nvGrpSpPr>
+      <p:grpSpPr>
+        <a:xfrm>
+          <a:off x="0" y="0"/>
+          <a:ext cx="0" cy="0"/>
+          <a:chOff x="0" y="0"/>
+          <a:chExt cx="0" cy="0"/>
+        </a:xfrm>
+      </p:grpSpPr>
+      <p:pic>
+        <p:nvPicPr>
+          <p:cNvPr id="148" name="Google Shape;148;p28"/>
+          <p:cNvPicPr preferRelativeResize="0"/>
+          <p:nvPr/>
+        </p:nvPicPr>
+        <p:blipFill>
+          <a:blip r:embed="rId3">
+            <a:alphaModFix/>
+          </a:blip>
+          <a:stretch>
+            <a:fillRect/>
+          </a:stretch>
+        </p:blipFill>
+        <p:spPr>
+          <a:xfrm>
+            <a:off x="-12" y="-12"/>
+            <a:ext cx="5019675" cy="4791075"/>
+          </a:xfrm>
+          <a:prstGeom prst="rect">
+            <a:avLst/>
+          </a:prstGeom>
+          <a:noFill/>
+          <a:ln>
+            <a:noFill/>
+          </a:ln>
+        </p:spPr>
+      </p:pic>
+      <p:pic>
+        <p:nvPicPr>
+          <p:cNvPr id="149" name="Google Shape;149;p28"/>
+          <p:cNvPicPr preferRelativeResize="0"/>
+          <p:nvPr/>
+        </p:nvPicPr>
+        <p:blipFill>
+          <a:blip r:embed="rId4">
+            <a:alphaModFix/>
+          </a:blip>
+          <a:stretch>
+            <a:fillRect/>
+          </a:stretch>
+        </p:blipFill>
+        <p:spPr>
+          <a:xfrm>
+            <a:off x="6286038" y="390525"/>
+            <a:ext cx="504825" cy="6467475"/>
+          </a:xfrm>
+          <a:prstGeom prst="rect">
+            <a:avLst/>
+          </a:prstGeom>
+          <a:noFill/>
+          <a:ln>
+            <a:noFill/>
+          </a:ln>
+        </p:spPr>
+      </p:pic>
+      <p:pic>
+        <p:nvPicPr>
+          <p:cNvPr id="150" name="Google Shape;150;p28"/>
+          <p:cNvPicPr preferRelativeResize="0"/>
+          <p:nvPr/>
+        </p:nvPicPr>
+        <p:blipFill>
+          <a:blip r:embed="rId5">
+            <a:alphaModFix/>
+          </a:blip>
+          <a:stretch>
+            <a:fillRect/>
+          </a:stretch>
+        </p:blipFill>
+        <p:spPr>
+          <a:xfrm>
+            <a:off x="7399338" y="5143425"/>
+            <a:ext cx="1524000" cy="1524000"/>
+          </a:xfrm>
+          <a:prstGeom prst="rect">
+            <a:avLst/>
+          </a:prstGeom>
+          <a:noFill/>
+          <a:ln>
+            <a:noFill/>
+          </a:ln>
+        </p:spPr>
+      </p:pic>
       <p:sp>
         <p:nvSpPr>
-          <p:cNvPr id="143" name="Google Shape;143;p27"/>
+          <p:cNvPr id="151" name="Google Shape;151;p28"/>
           <p:cNvSpPr/>
           <p:nvPr/>
         </p:nvSpPr>
         <p:spPr>
           <a:xfrm>
-            <a:off x="1623275" y="3410125"/>
-            <a:ext cx="1119900" cy="239100"/>
+            <a:off x="2101450" y="4391625"/>
+            <a:ext cx="1648500" cy="399600"/>
           </a:xfrm>
           <a:prstGeom prst="roundRect">
             <a:avLst>
@@ -11087,104 +11243,6 @@
           <a:ln cap="flat" cmpd="sng" w="38100">
             <a:solidFill>
               <a:srgbClr val="FF9900"/>
-            </a:solidFill>
-            <a:prstDash val="solid"/>
-            <a:round/>
-            <a:headEnd len="sm" w="sm" type="none"/>
-            <a:tailEnd len="sm" w="sm" type="none"/>
-          </a:ln>
-        </p:spPr>
-        <p:txBody>
-          <a:bodyPr anchorCtr="0" anchor="ctr" bIns="91425" lIns="91425" spcFirstLastPara="1" rIns="91425" wrap="square" tIns="91425">
-            <a:noAutofit/>
-          </a:bodyPr>
-          <a:lstStyle/>
-          <a:p>
-            <a:pPr indent="0" lvl="0" marL="0" rtl="0" algn="l">
-              <a:spcBef>
-                <a:spcPts val="0"/>
-              </a:spcBef>
-              <a:spcAft>
-                <a:spcPts val="0"/>
-              </a:spcAft>
-              <a:buNone/>
-            </a:pPr>
-            <a:r>
-              <a:t/>
-            </a:r>
-            <a:endParaRPr/>
-          </a:p>
-        </p:txBody>
-      </p:sp>
-      <p:sp>
-        <p:nvSpPr>
-          <p:cNvPr id="144" name="Google Shape;144;p27"/>
-          <p:cNvSpPr/>
-          <p:nvPr/>
-        </p:nvSpPr>
-        <p:spPr>
-          <a:xfrm>
-            <a:off x="1547775" y="3359800"/>
-            <a:ext cx="3624000" cy="352200"/>
-          </a:xfrm>
-          <a:prstGeom prst="roundRect">
-            <a:avLst>
-              <a:gd fmla="val 16667" name="adj"/>
-            </a:avLst>
-          </a:prstGeom>
-          <a:noFill/>
-          <a:ln cap="flat" cmpd="sng" w="38100">
-            <a:solidFill>
-              <a:srgbClr val="00FF00"/>
-            </a:solidFill>
-            <a:prstDash val="solid"/>
-            <a:round/>
-            <a:headEnd len="sm" w="sm" type="none"/>
-            <a:tailEnd len="sm" w="sm" type="none"/>
-          </a:ln>
-        </p:spPr>
-        <p:txBody>
-          <a:bodyPr anchorCtr="0" anchor="ctr" bIns="91425" lIns="91425" spcFirstLastPara="1" rIns="91425" wrap="square" tIns="91425">
-            <a:noAutofit/>
-          </a:bodyPr>
-          <a:lstStyle/>
-          <a:p>
-            <a:pPr indent="0" lvl="0" marL="0" rtl="0" algn="l">
-              <a:spcBef>
-                <a:spcPts val="0"/>
-              </a:spcBef>
-              <a:spcAft>
-                <a:spcPts val="0"/>
-              </a:spcAft>
-              <a:buNone/>
-            </a:pPr>
-            <a:r>
-              <a:t/>
-            </a:r>
-            <a:endParaRPr/>
-          </a:p>
-        </p:txBody>
-      </p:sp>
-      <p:sp>
-        <p:nvSpPr>
-          <p:cNvPr id="145" name="Google Shape;145;p27"/>
-          <p:cNvSpPr/>
-          <p:nvPr/>
-        </p:nvSpPr>
-        <p:spPr>
-          <a:xfrm>
-            <a:off x="5498975" y="3422700"/>
-            <a:ext cx="3435300" cy="239100"/>
-          </a:xfrm>
-          <a:prstGeom prst="roundRect">
-            <a:avLst>
-              <a:gd fmla="val 16667" name="adj"/>
-            </a:avLst>
-          </a:prstGeom>
-          <a:noFill/>
-          <a:ln cap="flat" cmpd="sng" w="38100">
-            <a:solidFill>
-              <a:srgbClr val="00FFFF"/>
             </a:solidFill>
             <a:prstDash val="solid"/>
             <a:round/>
@@ -11222,12 +11280,12 @@
 </p:sld>
 </file>
 
-<file path=ppt/slides/slide16.xml><?xml version="1.0" encoding="utf-8"?>
+<file path=ppt/slides/slide17.xml><?xml version="1.0" encoding="utf-8"?>
 <p:sld xmlns:a="http://schemas.openxmlformats.org/drawingml/2006/main" xmlns:r="http://schemas.openxmlformats.org/officeDocument/2006/relationships" xmlns:mc="http://schemas.openxmlformats.org/markup-compatibility/2006" xmlns:mv="urn:schemas-microsoft-com:mac:vml" xmlns:p="http://schemas.openxmlformats.org/presentationml/2006/main" xmlns:c="http://schemas.openxmlformats.org/drawingml/2006/chart" xmlns:dgm="http://schemas.openxmlformats.org/drawingml/2006/diagram" xmlns:o="urn:schemas-microsoft-com:office:office" xmlns:v="urn:schemas-microsoft-com:vml" xmlns:pvml="urn:schemas-microsoft-com:office:powerpoint" xmlns:com="http://schemas.openxmlformats.org/drawingml/2006/compatibility" xmlns:p14="http://schemas.microsoft.com/office/powerpoint/2010/main" xmlns:p15="http://schemas.microsoft.com/office/powerpoint/2012/main" xmlns:ahyp="http://schemas.microsoft.com/office/drawing/2018/hyperlinkcolor">
   <p:cSld>
     <p:spTree>
       <p:nvGrpSpPr>
-        <p:cNvPr id="149" name="Shape 149"/>
+        <p:cNvPr id="155" name="Shape 155"/>
         <p:cNvGrpSpPr/>
         <p:nvPr/>
       </p:nvGrpSpPr>
@@ -11241,7 +11299,7 @@
       </p:grpSpPr>
       <p:pic>
         <p:nvPicPr>
-          <p:cNvPr id="150" name="Google Shape;150;p28"/>
+          <p:cNvPr id="156" name="Google Shape;156;p29"/>
           <p:cNvPicPr preferRelativeResize="0"/>
           <p:nvPr/>
         </p:nvPicPr>
@@ -11255,8 +11313,8 @@
         </p:blipFill>
         <p:spPr>
           <a:xfrm>
-            <a:off x="-12" y="-12"/>
-            <a:ext cx="5019675" cy="4791075"/>
+            <a:off x="8048625" y="2143125"/>
+            <a:ext cx="1095375" cy="4714875"/>
           </a:xfrm>
           <a:prstGeom prst="rect">
             <a:avLst/>
@@ -11267,62 +11325,9 @@
           </a:ln>
         </p:spPr>
       </p:pic>
-    </p:spTree>
-  </p:cSld>
-  <p:clrMapOvr>
-    <a:masterClrMapping/>
-  </p:clrMapOvr>
-</p:sld>
-</file>
-
-<file path=ppt/slides/slide17.xml><?xml version="1.0" encoding="utf-8"?>
-<p:sld xmlns:a="http://schemas.openxmlformats.org/drawingml/2006/main" xmlns:r="http://schemas.openxmlformats.org/officeDocument/2006/relationships" xmlns:mc="http://schemas.openxmlformats.org/markup-compatibility/2006" xmlns:mv="urn:schemas-microsoft-com:mac:vml" xmlns:p="http://schemas.openxmlformats.org/presentationml/2006/main" xmlns:c="http://schemas.openxmlformats.org/drawingml/2006/chart" xmlns:dgm="http://schemas.openxmlformats.org/drawingml/2006/diagram" xmlns:o="urn:schemas-microsoft-com:office:office" xmlns:v="urn:schemas-microsoft-com:vml" xmlns:pvml="urn:schemas-microsoft-com:office:powerpoint" xmlns:com="http://schemas.openxmlformats.org/drawingml/2006/compatibility" xmlns:p14="http://schemas.microsoft.com/office/powerpoint/2010/main" xmlns:p15="http://schemas.microsoft.com/office/powerpoint/2012/main" xmlns:ahyp="http://schemas.microsoft.com/office/drawing/2018/hyperlinkcolor">
-  <p:cSld>
-    <p:spTree>
-      <p:nvGrpSpPr>
-        <p:cNvPr id="154" name="Shape 154"/>
-        <p:cNvGrpSpPr/>
-        <p:nvPr/>
-      </p:nvGrpSpPr>
-      <p:grpSpPr>
-        <a:xfrm>
-          <a:off x="0" y="0"/>
-          <a:ext cx="0" cy="0"/>
-          <a:chOff x="0" y="0"/>
-          <a:chExt cx="0" cy="0"/>
-        </a:xfrm>
-      </p:grpSpPr>
       <p:pic>
         <p:nvPicPr>
-          <p:cNvPr id="155" name="Google Shape;155;p29"/>
-          <p:cNvPicPr preferRelativeResize="0"/>
-          <p:nvPr/>
-        </p:nvPicPr>
-        <p:blipFill>
-          <a:blip r:embed="rId3">
-            <a:alphaModFix/>
-          </a:blip>
-          <a:stretch>
-            <a:fillRect/>
-          </a:stretch>
-        </p:blipFill>
-        <p:spPr>
-          <a:xfrm>
-            <a:off x="-12" y="-12"/>
-            <a:ext cx="5019675" cy="4791075"/>
-          </a:xfrm>
-          <a:prstGeom prst="rect">
-            <a:avLst/>
-          </a:prstGeom>
-          <a:noFill/>
-          <a:ln>
-            <a:noFill/>
-          </a:ln>
-        </p:spPr>
-      </p:pic>
-      <p:pic>
-        <p:nvPicPr>
-          <p:cNvPr id="156" name="Google Shape;156;p29"/>
+          <p:cNvPr id="157" name="Google Shape;157;p29"/>
           <p:cNvPicPr preferRelativeResize="0"/>
           <p:nvPr/>
         </p:nvPicPr>
@@ -11336,36 +11341,8 @@
         </p:blipFill>
         <p:spPr>
           <a:xfrm>
-            <a:off x="6286038" y="390525"/>
-            <a:ext cx="504825" cy="6467475"/>
-          </a:xfrm>
-          <a:prstGeom prst="rect">
-            <a:avLst/>
-          </a:prstGeom>
-          <a:noFill/>
-          <a:ln>
-            <a:noFill/>
-          </a:ln>
-        </p:spPr>
-      </p:pic>
-      <p:pic>
-        <p:nvPicPr>
-          <p:cNvPr id="157" name="Google Shape;157;p29"/>
-          <p:cNvPicPr preferRelativeResize="0"/>
-          <p:nvPr/>
-        </p:nvPicPr>
-        <p:blipFill>
-          <a:blip r:embed="rId5">
-            <a:alphaModFix/>
-          </a:blip>
-          <a:stretch>
-            <a:fillRect/>
-          </a:stretch>
-        </p:blipFill>
-        <p:spPr>
-          <a:xfrm>
-            <a:off x="7399338" y="5143425"/>
-            <a:ext cx="1524000" cy="1524000"/>
+            <a:off x="0" y="0"/>
+            <a:ext cx="5019675" cy="5172075"/>
           </a:xfrm>
           <a:prstGeom prst="rect">
             <a:avLst/>
@@ -11384,8 +11361,8 @@
         </p:nvSpPr>
         <p:spPr>
           <a:xfrm>
-            <a:off x="2101450" y="4391625"/>
-            <a:ext cx="1648500" cy="399600"/>
+            <a:off x="1194725" y="4755150"/>
+            <a:ext cx="1938000" cy="390000"/>
           </a:xfrm>
           <a:prstGeom prst="roundRect">
             <a:avLst>
@@ -11450,88 +11427,22 @@
           <a:chExt cx="0" cy="0"/>
         </a:xfrm>
       </p:grpSpPr>
-      <p:pic>
-        <p:nvPicPr>
+      <p:sp>
+        <p:nvSpPr>
           <p:cNvPr id="163" name="Google Shape;163;p30"/>
-          <p:cNvPicPr preferRelativeResize="0"/>
-          <p:nvPr/>
-        </p:nvPicPr>
-        <p:blipFill>
-          <a:blip r:embed="rId3">
-            <a:alphaModFix/>
-          </a:blip>
-          <a:stretch>
-            <a:fillRect/>
-          </a:stretch>
-        </p:blipFill>
-        <p:spPr>
-          <a:xfrm>
-            <a:off x="8048625" y="2143125"/>
-            <a:ext cx="1095375" cy="4714875"/>
+          <p:cNvSpPr txBox="1"/>
+          <p:nvPr>
+            <p:ph type="title"/>
+          </p:nvPr>
+        </p:nvSpPr>
+        <p:spPr>
+          <a:xfrm>
+            <a:off x="311700" y="2867800"/>
+            <a:ext cx="8520600" cy="1122300"/>
           </a:xfrm>
           <a:prstGeom prst="rect">
             <a:avLst/>
           </a:prstGeom>
-          <a:noFill/>
-          <a:ln>
-            <a:noFill/>
-          </a:ln>
-        </p:spPr>
-      </p:pic>
-      <p:pic>
-        <p:nvPicPr>
-          <p:cNvPr id="164" name="Google Shape;164;p30"/>
-          <p:cNvPicPr preferRelativeResize="0"/>
-          <p:nvPr/>
-        </p:nvPicPr>
-        <p:blipFill>
-          <a:blip r:embed="rId4">
-            <a:alphaModFix/>
-          </a:blip>
-          <a:stretch>
-            <a:fillRect/>
-          </a:stretch>
-        </p:blipFill>
-        <p:spPr>
-          <a:xfrm>
-            <a:off x="152400" y="152400"/>
-            <a:ext cx="5019675" cy="5172075"/>
-          </a:xfrm>
-          <a:prstGeom prst="rect">
-            <a:avLst/>
-          </a:prstGeom>
-          <a:noFill/>
-          <a:ln>
-            <a:noFill/>
-          </a:ln>
-        </p:spPr>
-      </p:pic>
-      <p:sp>
-        <p:nvSpPr>
-          <p:cNvPr id="165" name="Google Shape;165;p30"/>
-          <p:cNvSpPr/>
-          <p:nvPr/>
-        </p:nvSpPr>
-        <p:spPr>
-          <a:xfrm>
-            <a:off x="1270925" y="4907550"/>
-            <a:ext cx="1938000" cy="390000"/>
-          </a:xfrm>
-          <a:prstGeom prst="roundRect">
-            <a:avLst>
-              <a:gd fmla="val 16667" name="adj"/>
-            </a:avLst>
-          </a:prstGeom>
-          <a:noFill/>
-          <a:ln cap="flat" cmpd="sng" w="38100">
-            <a:solidFill>
-              <a:srgbClr val="FF9900"/>
-            </a:solidFill>
-            <a:prstDash val="solid"/>
-            <a:round/>
-            <a:headEnd len="sm" w="sm" type="none"/>
-            <a:tailEnd len="sm" w="sm" type="none"/>
-          </a:ln>
         </p:spPr>
         <p:txBody>
           <a:bodyPr anchorCtr="0" anchor="ctr" bIns="91425" lIns="91425" spcFirstLastPara="1" rIns="91425" wrap="square" tIns="91425">
@@ -11539,7 +11450,7 @@
           </a:bodyPr>
           <a:lstStyle/>
           <a:p>
-            <a:pPr indent="0" lvl="0" marL="0" rtl="0" algn="l">
+            <a:pPr indent="0" lvl="0" marL="0" rtl="0" algn="ctr">
               <a:spcBef>
                 <a:spcPts val="0"/>
               </a:spcBef>
@@ -11549,7 +11460,8 @@
               <a:buNone/>
             </a:pPr>
             <a:r>
-              <a:t/>
+              <a:rPr lang="cs"/>
+              <a:t>For Loops</a:t>
             </a:r>
             <a:endParaRPr/>
           </a:p>
@@ -11568,7 +11480,7 @@
   <p:cSld>
     <p:spTree>
       <p:nvGrpSpPr>
-        <p:cNvPr id="169" name="Shape 169"/>
+        <p:cNvPr id="167" name="Shape 167"/>
         <p:cNvGrpSpPr/>
         <p:nvPr/>
       </p:nvGrpSpPr>
@@ -11580,46 +11492,62 @@
           <a:chExt cx="0" cy="0"/>
         </a:xfrm>
       </p:grpSpPr>
-      <p:sp>
-        <p:nvSpPr>
-          <p:cNvPr id="170" name="Google Shape;170;p31"/>
-          <p:cNvSpPr txBox="1"/>
-          <p:nvPr>
-            <p:ph type="title"/>
-          </p:nvPr>
-        </p:nvSpPr>
-        <p:spPr>
-          <a:xfrm>
-            <a:off x="311700" y="2867800"/>
-            <a:ext cx="8520600" cy="1122300"/>
+      <p:pic>
+        <p:nvPicPr>
+          <p:cNvPr id="168" name="Google Shape;168;p31"/>
+          <p:cNvPicPr preferRelativeResize="0"/>
+          <p:nvPr/>
+        </p:nvPicPr>
+        <p:blipFill>
+          <a:blip r:embed="rId3">
+            <a:alphaModFix/>
+          </a:blip>
+          <a:stretch>
+            <a:fillRect/>
+          </a:stretch>
+        </p:blipFill>
+        <p:spPr>
+          <a:xfrm>
+            <a:off x="1919288" y="-12"/>
+            <a:ext cx="5305425" cy="904875"/>
           </a:xfrm>
           <a:prstGeom prst="rect">
             <a:avLst/>
           </a:prstGeom>
-        </p:spPr>
-        <p:txBody>
-          <a:bodyPr anchorCtr="0" anchor="ctr" bIns="91425" lIns="91425" spcFirstLastPara="1" rIns="91425" wrap="square" tIns="91425">
-            <a:noAutofit/>
-          </a:bodyPr>
-          <a:lstStyle/>
-          <a:p>
-            <a:pPr indent="0" lvl="0" marL="0" rtl="0" algn="ctr">
-              <a:spcBef>
-                <a:spcPts val="0"/>
-              </a:spcBef>
-              <a:spcAft>
-                <a:spcPts val="0"/>
-              </a:spcAft>
-              <a:buNone/>
-            </a:pPr>
-            <a:r>
-              <a:rPr lang="cs"/>
-              <a:t>For Loops</a:t>
-            </a:r>
-            <a:endParaRPr/>
-          </a:p>
-        </p:txBody>
-      </p:sp>
+          <a:noFill/>
+          <a:ln>
+            <a:noFill/>
+          </a:ln>
+        </p:spPr>
+      </p:pic>
+      <p:pic>
+        <p:nvPicPr>
+          <p:cNvPr id="169" name="Google Shape;169;p31"/>
+          <p:cNvPicPr preferRelativeResize="0"/>
+          <p:nvPr/>
+        </p:nvPicPr>
+        <p:blipFill>
+          <a:blip r:embed="rId4">
+            <a:alphaModFix/>
+          </a:blip>
+          <a:stretch>
+            <a:fillRect/>
+          </a:stretch>
+        </p:blipFill>
+        <p:spPr>
+          <a:xfrm>
+            <a:off x="2852738" y="4733913"/>
+            <a:ext cx="3438525" cy="2124075"/>
+          </a:xfrm>
+          <a:prstGeom prst="rect">
+            <a:avLst/>
+          </a:prstGeom>
+          <a:noFill/>
+          <a:ln>
+            <a:noFill/>
+          </a:ln>
+        </p:spPr>
+      </p:pic>
     </p:spTree>
   </p:cSld>
   <p:clrMapOvr>
@@ -11655,20 +11583,20 @@
         </p:nvSpPr>
         <p:spPr>
           <a:xfrm>
-            <a:off x="311700" y="593367"/>
-            <a:ext cx="8520600" cy="763500"/>
+            <a:off x="311700" y="2867800"/>
+            <a:ext cx="8520600" cy="1122300"/>
           </a:xfrm>
           <a:prstGeom prst="rect">
             <a:avLst/>
           </a:prstGeom>
         </p:spPr>
         <p:txBody>
-          <a:bodyPr anchorCtr="0" anchor="t" bIns="91425" lIns="91425" spcFirstLastPara="1" rIns="91425" wrap="square" tIns="91425">
+          <a:bodyPr anchorCtr="0" anchor="ctr" bIns="91425" lIns="91425" spcFirstLastPara="1" rIns="91425" wrap="square" tIns="91425">
             <a:noAutofit/>
           </a:bodyPr>
           <a:lstStyle/>
           <a:p>
-            <a:pPr indent="0" lvl="0" marL="0" rtl="0" algn="l">
+            <a:pPr indent="0" lvl="0" marL="0" rtl="0" algn="ctr">
               <a:spcBef>
                 <a:spcPts val="0"/>
               </a:spcBef>
@@ -11679,153 +11607,12 @@
             </a:pPr>
             <a:r>
               <a:rPr lang="cs"/>
-              <a:t>Chat Netiquette Experiment</a:t>
+              <a:t>Review</a:t>
             </a:r>
             <a:endParaRPr/>
           </a:p>
         </p:txBody>
       </p:sp>
-      <p:sp>
-        <p:nvSpPr>
-          <p:cNvPr id="60" name="Google Shape;60;p14"/>
-          <p:cNvSpPr txBox="1"/>
-          <p:nvPr>
-            <p:ph idx="1" type="body"/>
-          </p:nvPr>
-        </p:nvSpPr>
-        <p:spPr>
-          <a:xfrm>
-            <a:off x="311700" y="1536633"/>
-            <a:ext cx="8520600" cy="4555200"/>
-          </a:xfrm>
-          <a:prstGeom prst="rect">
-            <a:avLst/>
-          </a:prstGeom>
-        </p:spPr>
-        <p:txBody>
-          <a:bodyPr anchorCtr="0" anchor="t" bIns="91425" lIns="91425" spcFirstLastPara="1" rIns="91425" wrap="square" tIns="91425">
-            <a:noAutofit/>
-          </a:bodyPr>
-          <a:lstStyle/>
-          <a:p>
-            <a:pPr indent="-342900" lvl="0" marL="457200" rtl="0" algn="l">
-              <a:spcBef>
-                <a:spcPts val="0"/>
-              </a:spcBef>
-              <a:spcAft>
-                <a:spcPts val="0"/>
-              </a:spcAft>
-              <a:buSzPts val="1800"/>
-              <a:buChar char="●"/>
-            </a:pPr>
-            <a:r>
-              <a:rPr lang="cs"/>
-              <a:t>ask question with voice, or</a:t>
-            </a:r>
-            <a:endParaRPr/>
-          </a:p>
-          <a:p>
-            <a:pPr indent="-342900" lvl="0" marL="457200" rtl="0" algn="l">
-              <a:spcBef>
-                <a:spcPts val="0"/>
-              </a:spcBef>
-              <a:spcAft>
-                <a:spcPts val="0"/>
-              </a:spcAft>
-              <a:buSzPts val="1800"/>
-              <a:buChar char="●"/>
-            </a:pPr>
-            <a:r>
-              <a:rPr lang="cs"/>
-              <a:t>post question in the chat</a:t>
-            </a:r>
-            <a:endParaRPr/>
-          </a:p>
-          <a:p>
-            <a:pPr indent="-342900" lvl="0" marL="457200" rtl="0" algn="l">
-              <a:spcBef>
-                <a:spcPts val="0"/>
-              </a:spcBef>
-              <a:spcAft>
-                <a:spcPts val="0"/>
-              </a:spcAft>
-              <a:buSzPts val="1800"/>
-              <a:buChar char="●"/>
-            </a:pPr>
-            <a:r>
-              <a:rPr lang="cs"/>
-              <a:t>resist answering questions of other students (unless you are a SL)</a:t>
-            </a:r>
-            <a:endParaRPr/>
-          </a:p>
-          <a:p>
-            <a:pPr indent="-342900" lvl="0" marL="457200" rtl="0" algn="l">
-              <a:spcBef>
-                <a:spcPts val="0"/>
-              </a:spcBef>
-              <a:spcAft>
-                <a:spcPts val="0"/>
-              </a:spcAft>
-              <a:buSzPts val="1800"/>
-              <a:buChar char="●"/>
-            </a:pPr>
-            <a:r>
-              <a:rPr lang="cs"/>
-              <a:t>do answer my questions in the chat </a:t>
-            </a:r>
-            <a:endParaRPr/>
-          </a:p>
-          <a:p>
-            <a:pPr indent="-342900" lvl="0" marL="457200" rtl="0" algn="l">
-              <a:spcBef>
-                <a:spcPts val="0"/>
-              </a:spcBef>
-              <a:spcAft>
-                <a:spcPts val="0"/>
-              </a:spcAft>
-              <a:buSzPts val="1800"/>
-              <a:buChar char="●"/>
-            </a:pPr>
-            <a:r>
-              <a:rPr lang="cs"/>
-              <a:t>do not stop using chat </a:t>
-            </a:r>
-            <a:r>
-              <a:rPr lang="cs"/>
-              <a:t>😊</a:t>
-            </a:r>
-            <a:endParaRPr/>
-          </a:p>
-        </p:txBody>
-      </p:sp>
-      <p:pic>
-        <p:nvPicPr>
-          <p:cNvPr id="61" name="Google Shape;61;p14"/>
-          <p:cNvPicPr preferRelativeResize="0"/>
-          <p:nvPr/>
-        </p:nvPicPr>
-        <p:blipFill>
-          <a:blip r:embed="rId3">
-            <a:alphaModFix/>
-          </a:blip>
-          <a:stretch>
-            <a:fillRect/>
-          </a:stretch>
-        </p:blipFill>
-        <p:spPr>
-          <a:xfrm>
-            <a:off x="3179250" y="4341350"/>
-            <a:ext cx="1524000" cy="1524000"/>
-          </a:xfrm>
-          <a:prstGeom prst="rect">
-            <a:avLst/>
-          </a:prstGeom>
-          <a:noFill/>
-          <a:ln>
-            <a:noFill/>
-          </a:ln>
-        </p:spPr>
-      </p:pic>
     </p:spTree>
   </p:cSld>
   <p:clrMapOvr>
@@ -11839,7 +11626,7 @@
   <p:cSld>
     <p:spTree>
       <p:nvGrpSpPr>
-        <p:cNvPr id="174" name="Shape 174"/>
+        <p:cNvPr id="173" name="Shape 173"/>
         <p:cNvGrpSpPr/>
         <p:nvPr/>
       </p:nvGrpSpPr>
@@ -11853,7 +11640,7 @@
       </p:grpSpPr>
       <p:pic>
         <p:nvPicPr>
-          <p:cNvPr id="175" name="Google Shape;175;p32"/>
+          <p:cNvPr id="174" name="Google Shape;174;p32"/>
           <p:cNvPicPr preferRelativeResize="0"/>
           <p:nvPr/>
         </p:nvPicPr>
@@ -11881,7 +11668,7 @@
       </p:pic>
       <p:pic>
         <p:nvPicPr>
-          <p:cNvPr id="176" name="Google Shape;176;p32"/>
+          <p:cNvPr id="175" name="Google Shape;175;p32"/>
           <p:cNvPicPr preferRelativeResize="0"/>
           <p:nvPr/>
         </p:nvPicPr>
@@ -11895,7 +11682,7 @@
         </p:blipFill>
         <p:spPr>
           <a:xfrm>
-            <a:off x="2852738" y="4733913"/>
+            <a:off x="2852725" y="4733913"/>
             <a:ext cx="3438525" cy="2124075"/>
           </a:xfrm>
           <a:prstGeom prst="rect">
@@ -11907,6 +11694,124 @@
           </a:ln>
         </p:spPr>
       </p:pic>
+      <p:sp>
+        <p:nvSpPr>
+          <p:cNvPr id="176" name="Google Shape;176;p32"/>
+          <p:cNvSpPr/>
+          <p:nvPr/>
+        </p:nvSpPr>
+        <p:spPr>
+          <a:xfrm>
+            <a:off x="2445363" y="20375"/>
+            <a:ext cx="407400" cy="407400"/>
+          </a:xfrm>
+          <a:prstGeom prst="ellipse">
+            <a:avLst/>
+          </a:prstGeom>
+          <a:noFill/>
+          <a:ln cap="flat" cmpd="sng" w="38100">
+            <a:solidFill>
+              <a:srgbClr val="FF0000"/>
+            </a:solidFill>
+            <a:prstDash val="solid"/>
+            <a:round/>
+            <a:headEnd len="sm" w="sm" type="none"/>
+            <a:tailEnd len="sm" w="sm" type="none"/>
+          </a:ln>
+        </p:spPr>
+        <p:txBody>
+          <a:bodyPr anchorCtr="0" anchor="ctr" bIns="91425" lIns="91425" spcFirstLastPara="1" rIns="91425" wrap="square" tIns="91425">
+            <a:noAutofit/>
+          </a:bodyPr>
+          <a:lstStyle/>
+          <a:p>
+            <a:pPr indent="0" lvl="0" marL="0" rtl="0" algn="l">
+              <a:spcBef>
+                <a:spcPts val="0"/>
+              </a:spcBef>
+              <a:spcAft>
+                <a:spcPts val="0"/>
+              </a:spcAft>
+              <a:buNone/>
+            </a:pPr>
+            <a:r>
+              <a:t/>
+            </a:r>
+            <a:endParaRPr/>
+          </a:p>
+        </p:txBody>
+      </p:sp>
+      <p:sp>
+        <p:nvSpPr>
+          <p:cNvPr id="177" name="Google Shape;177;p32"/>
+          <p:cNvSpPr txBox="1"/>
+          <p:nvPr/>
+        </p:nvSpPr>
+        <p:spPr>
+          <a:xfrm>
+            <a:off x="163600" y="1610650"/>
+            <a:ext cx="3133200" cy="943800"/>
+          </a:xfrm>
+          <a:prstGeom prst="rect">
+            <a:avLst/>
+          </a:prstGeom>
+          <a:noFill/>
+          <a:ln>
+            <a:noFill/>
+          </a:ln>
+        </p:spPr>
+        <p:txBody>
+          <a:bodyPr anchorCtr="0" anchor="t" bIns="91425" lIns="91425" spcFirstLastPara="1" rIns="91425" wrap="square" tIns="91425">
+            <a:noAutofit/>
+          </a:bodyPr>
+          <a:lstStyle/>
+          <a:p>
+            <a:pPr indent="0" lvl="0" marL="0" rtl="0" algn="l">
+              <a:spcBef>
+                <a:spcPts val="0"/>
+              </a:spcBef>
+              <a:spcAft>
+                <a:spcPts val="0"/>
+              </a:spcAft>
+              <a:buNone/>
+            </a:pPr>
+            <a:r>
+              <a:rPr lang="cs" sz="3500"/>
+              <a:t>index variable</a:t>
+            </a:r>
+            <a:endParaRPr sz="3500"/>
+          </a:p>
+        </p:txBody>
+      </p:sp>
+      <p:cxnSp>
+        <p:nvCxnSpPr>
+          <p:cNvPr id="178" name="Google Shape;178;p32"/>
+          <p:cNvCxnSpPr>
+            <a:stCxn id="177" idx="0"/>
+            <a:endCxn id="176" idx="3"/>
+          </p:cNvCxnSpPr>
+          <p:nvPr/>
+        </p:nvCxnSpPr>
+        <p:spPr>
+          <a:xfrm flipH="1" rot="10800000">
+            <a:off x="1730200" y="368050"/>
+            <a:ext cx="774900" cy="1242600"/>
+          </a:xfrm>
+          <a:prstGeom prst="straightConnector1">
+            <a:avLst/>
+          </a:prstGeom>
+          <a:noFill/>
+          <a:ln cap="flat" cmpd="sng" w="9525">
+            <a:solidFill>
+              <a:schemeClr val="dk2"/>
+            </a:solidFill>
+            <a:prstDash val="solid"/>
+            <a:round/>
+            <a:headEnd len="med" w="med" type="none"/>
+            <a:tailEnd len="med" w="med" type="triangle"/>
+          </a:ln>
+        </p:spPr>
+      </p:cxnSp>
     </p:spTree>
   </p:cSld>
   <p:clrMapOvr>
@@ -11920,7 +11825,7 @@
   <p:cSld>
     <p:spTree>
       <p:nvGrpSpPr>
-        <p:cNvPr id="180" name="Shape 180"/>
+        <p:cNvPr id="182" name="Shape 182"/>
         <p:cNvGrpSpPr/>
         <p:nvPr/>
       </p:nvGrpSpPr>
@@ -11934,7 +11839,7 @@
       </p:grpSpPr>
       <p:pic>
         <p:nvPicPr>
-          <p:cNvPr id="181" name="Google Shape;181;p33"/>
+          <p:cNvPr id="183" name="Google Shape;183;p33"/>
           <p:cNvPicPr preferRelativeResize="0"/>
           <p:nvPr/>
         </p:nvPicPr>
@@ -11948,8 +11853,8 @@
         </p:blipFill>
         <p:spPr>
           <a:xfrm>
-            <a:off x="1919288" y="-12"/>
-            <a:ext cx="5305425" cy="904875"/>
+            <a:off x="1909763" y="0"/>
+            <a:ext cx="5324475" cy="923925"/>
           </a:xfrm>
           <a:prstGeom prst="rect">
             <a:avLst/>
@@ -11962,7 +11867,7 @@
       </p:pic>
       <p:pic>
         <p:nvPicPr>
-          <p:cNvPr id="182" name="Google Shape;182;p33"/>
+          <p:cNvPr id="184" name="Google Shape;184;p33"/>
           <p:cNvPicPr preferRelativeResize="0"/>
           <p:nvPr/>
         </p:nvPicPr>
@@ -11990,14 +11895,14 @@
       </p:pic>
       <p:sp>
         <p:nvSpPr>
-          <p:cNvPr id="183" name="Google Shape;183;p33"/>
+          <p:cNvPr id="185" name="Google Shape;185;p33"/>
           <p:cNvSpPr/>
           <p:nvPr/>
         </p:nvSpPr>
         <p:spPr>
           <a:xfrm>
-            <a:off x="2445363" y="20375"/>
-            <a:ext cx="407400" cy="407400"/>
+            <a:off x="2521538" y="0"/>
+            <a:ext cx="971700" cy="407400"/>
           </a:xfrm>
           <a:prstGeom prst="ellipse">
             <a:avLst/>
@@ -12035,77 +11940,6 @@
           </a:p>
         </p:txBody>
       </p:sp>
-      <p:sp>
-        <p:nvSpPr>
-          <p:cNvPr id="184" name="Google Shape;184;p33"/>
-          <p:cNvSpPr txBox="1"/>
-          <p:nvPr/>
-        </p:nvSpPr>
-        <p:spPr>
-          <a:xfrm>
-            <a:off x="163600" y="1610650"/>
-            <a:ext cx="3133200" cy="943800"/>
-          </a:xfrm>
-          <a:prstGeom prst="rect">
-            <a:avLst/>
-          </a:prstGeom>
-          <a:noFill/>
-          <a:ln>
-            <a:noFill/>
-          </a:ln>
-        </p:spPr>
-        <p:txBody>
-          <a:bodyPr anchorCtr="0" anchor="t" bIns="91425" lIns="91425" spcFirstLastPara="1" rIns="91425" wrap="square" tIns="91425">
-            <a:noAutofit/>
-          </a:bodyPr>
-          <a:lstStyle/>
-          <a:p>
-            <a:pPr indent="0" lvl="0" marL="0" rtl="0" algn="l">
-              <a:spcBef>
-                <a:spcPts val="0"/>
-              </a:spcBef>
-              <a:spcAft>
-                <a:spcPts val="0"/>
-              </a:spcAft>
-              <a:buNone/>
-            </a:pPr>
-            <a:r>
-              <a:rPr lang="cs" sz="3500"/>
-              <a:t>index variable</a:t>
-            </a:r>
-            <a:endParaRPr sz="3500"/>
-          </a:p>
-        </p:txBody>
-      </p:sp>
-      <p:cxnSp>
-        <p:nvCxnSpPr>
-          <p:cNvPr id="185" name="Google Shape;185;p33"/>
-          <p:cNvCxnSpPr>
-            <a:stCxn id="184" idx="0"/>
-            <a:endCxn id="183" idx="3"/>
-          </p:cNvCxnSpPr>
-          <p:nvPr/>
-        </p:nvCxnSpPr>
-        <p:spPr>
-          <a:xfrm flipH="1" rot="10800000">
-            <a:off x="1730200" y="368050"/>
-            <a:ext cx="774900" cy="1242600"/>
-          </a:xfrm>
-          <a:prstGeom prst="straightConnector1">
-            <a:avLst/>
-          </a:prstGeom>
-          <a:noFill/>
-          <a:ln cap="flat" cmpd="sng" w="9525">
-            <a:solidFill>
-              <a:schemeClr val="dk2"/>
-            </a:solidFill>
-            <a:prstDash val="solid"/>
-            <a:round/>
-            <a:headEnd len="med" w="med" type="none"/>
-            <a:tailEnd len="med" w="med" type="triangle"/>
-          </a:ln>
-        </p:spPr>
-      </p:cxnSp>
     </p:spTree>
   </p:cSld>
   <p:clrMapOvr>
@@ -12234,137 +12068,9 @@
           </a:p>
         </p:txBody>
       </p:sp>
-    </p:spTree>
-  </p:cSld>
-  <p:clrMapOvr>
-    <a:masterClrMapping/>
-  </p:clrMapOvr>
-</p:sld>
-</file>
-
-<file path=ppt/slides/slide23.xml><?xml version="1.0" encoding="utf-8"?>
-<p:sld xmlns:a="http://schemas.openxmlformats.org/drawingml/2006/main" xmlns:r="http://schemas.openxmlformats.org/officeDocument/2006/relationships" xmlns:mc="http://schemas.openxmlformats.org/markup-compatibility/2006" xmlns:mv="urn:schemas-microsoft-com:mac:vml" xmlns:p="http://schemas.openxmlformats.org/presentationml/2006/main" xmlns:c="http://schemas.openxmlformats.org/drawingml/2006/chart" xmlns:dgm="http://schemas.openxmlformats.org/drawingml/2006/diagram" xmlns:o="urn:schemas-microsoft-com:office:office" xmlns:v="urn:schemas-microsoft-com:vml" xmlns:pvml="urn:schemas-microsoft-com:office:powerpoint" xmlns:com="http://schemas.openxmlformats.org/drawingml/2006/compatibility" xmlns:p14="http://schemas.microsoft.com/office/powerpoint/2010/main" xmlns:p15="http://schemas.microsoft.com/office/powerpoint/2012/main" xmlns:ahyp="http://schemas.microsoft.com/office/drawing/2018/hyperlinkcolor">
-  <p:cSld>
-    <p:spTree>
-      <p:nvGrpSpPr>
-        <p:cNvPr id="196" name="Shape 196"/>
-        <p:cNvGrpSpPr/>
-        <p:nvPr/>
-      </p:nvGrpSpPr>
-      <p:grpSpPr>
-        <a:xfrm>
-          <a:off x="0" y="0"/>
-          <a:ext cx="0" cy="0"/>
-          <a:chOff x="0" y="0"/>
-          <a:chExt cx="0" cy="0"/>
-        </a:xfrm>
-      </p:grpSpPr>
-      <p:pic>
-        <p:nvPicPr>
-          <p:cNvPr id="197" name="Google Shape;197;p35"/>
-          <p:cNvPicPr preferRelativeResize="0"/>
-          <p:nvPr/>
-        </p:nvPicPr>
-        <p:blipFill>
-          <a:blip r:embed="rId3">
-            <a:alphaModFix/>
-          </a:blip>
-          <a:stretch>
-            <a:fillRect/>
-          </a:stretch>
-        </p:blipFill>
-        <p:spPr>
-          <a:xfrm>
-            <a:off x="1909763" y="0"/>
-            <a:ext cx="5324475" cy="923925"/>
-          </a:xfrm>
-          <a:prstGeom prst="rect">
-            <a:avLst/>
-          </a:prstGeom>
-          <a:noFill/>
-          <a:ln>
-            <a:noFill/>
-          </a:ln>
-        </p:spPr>
-      </p:pic>
-      <p:pic>
-        <p:nvPicPr>
-          <p:cNvPr id="198" name="Google Shape;198;p35"/>
-          <p:cNvPicPr preferRelativeResize="0"/>
-          <p:nvPr/>
-        </p:nvPicPr>
-        <p:blipFill>
-          <a:blip r:embed="rId4">
-            <a:alphaModFix/>
-          </a:blip>
-          <a:stretch>
-            <a:fillRect/>
-          </a:stretch>
-        </p:blipFill>
-        <p:spPr>
-          <a:xfrm>
-            <a:off x="2852725" y="4733913"/>
-            <a:ext cx="3438525" cy="2124075"/>
-          </a:xfrm>
-          <a:prstGeom prst="rect">
-            <a:avLst/>
-          </a:prstGeom>
-          <a:noFill/>
-          <a:ln>
-            <a:noFill/>
-          </a:ln>
-        </p:spPr>
-      </p:pic>
       <p:sp>
         <p:nvSpPr>
-          <p:cNvPr id="199" name="Google Shape;199;p35"/>
-          <p:cNvSpPr/>
-          <p:nvPr/>
-        </p:nvSpPr>
-        <p:spPr>
-          <a:xfrm>
-            <a:off x="2521538" y="0"/>
-            <a:ext cx="971700" cy="407400"/>
-          </a:xfrm>
-          <a:prstGeom prst="ellipse">
-            <a:avLst/>
-          </a:prstGeom>
-          <a:noFill/>
-          <a:ln cap="flat" cmpd="sng" w="38100">
-            <a:solidFill>
-              <a:srgbClr val="FF0000"/>
-            </a:solidFill>
-            <a:prstDash val="solid"/>
-            <a:round/>
-            <a:headEnd len="sm" w="sm" type="none"/>
-            <a:tailEnd len="sm" w="sm" type="none"/>
-          </a:ln>
-        </p:spPr>
-        <p:txBody>
-          <a:bodyPr anchorCtr="0" anchor="ctr" bIns="91425" lIns="91425" spcFirstLastPara="1" rIns="91425" wrap="square" tIns="91425">
-            <a:noAutofit/>
-          </a:bodyPr>
-          <a:lstStyle/>
-          <a:p>
-            <a:pPr indent="0" lvl="0" marL="0" rtl="0" algn="l">
-              <a:spcBef>
-                <a:spcPts val="0"/>
-              </a:spcBef>
-              <a:spcAft>
-                <a:spcPts val="0"/>
-              </a:spcAft>
-              <a:buNone/>
-            </a:pPr>
-            <a:r>
-              <a:t/>
-            </a:r>
-            <a:endParaRPr/>
-          </a:p>
-        </p:txBody>
-      </p:sp>
-      <p:sp>
-        <p:nvSpPr>
-          <p:cNvPr id="200" name="Google Shape;200;p35"/>
+          <p:cNvPr id="193" name="Google Shape;193;p34"/>
           <p:cNvSpPr txBox="1"/>
           <p:nvPr/>
         </p:nvSpPr>
@@ -12418,12 +12124,12 @@
 </p:sld>
 </file>
 
-<file path=ppt/slides/slide24.xml><?xml version="1.0" encoding="utf-8"?>
+<file path=ppt/slides/slide23.xml><?xml version="1.0" encoding="utf-8"?>
 <p:sld xmlns:a="http://schemas.openxmlformats.org/drawingml/2006/main" xmlns:r="http://schemas.openxmlformats.org/officeDocument/2006/relationships" xmlns:mc="http://schemas.openxmlformats.org/markup-compatibility/2006" xmlns:mv="urn:schemas-microsoft-com:mac:vml" xmlns:p="http://schemas.openxmlformats.org/presentationml/2006/main" xmlns:c="http://schemas.openxmlformats.org/drawingml/2006/chart" xmlns:dgm="http://schemas.openxmlformats.org/drawingml/2006/diagram" xmlns:o="urn:schemas-microsoft-com:office:office" xmlns:v="urn:schemas-microsoft-com:vml" xmlns:pvml="urn:schemas-microsoft-com:office:powerpoint" xmlns:com="http://schemas.openxmlformats.org/drawingml/2006/compatibility" xmlns:p14="http://schemas.microsoft.com/office/powerpoint/2010/main" xmlns:p15="http://schemas.microsoft.com/office/powerpoint/2012/main" xmlns:ahyp="http://schemas.microsoft.com/office/drawing/2018/hyperlinkcolor">
   <p:cSld>
     <p:spTree>
       <p:nvGrpSpPr>
-        <p:cNvPr id="204" name="Shape 204"/>
+        <p:cNvPr id="197" name="Shape 197"/>
         <p:cNvGrpSpPr/>
         <p:nvPr/>
       </p:nvGrpSpPr>
@@ -12437,7 +12143,7 @@
       </p:grpSpPr>
       <p:pic>
         <p:nvPicPr>
-          <p:cNvPr id="205" name="Google Shape;205;p36"/>
+          <p:cNvPr id="198" name="Google Shape;198;p35"/>
           <p:cNvPicPr preferRelativeResize="0"/>
           <p:nvPr/>
         </p:nvPicPr>
@@ -12465,7 +12171,7 @@
       </p:pic>
       <p:pic>
         <p:nvPicPr>
-          <p:cNvPr id="206" name="Google Shape;206;p36"/>
+          <p:cNvPr id="199" name="Google Shape;199;p35"/>
           <p:cNvPicPr preferRelativeResize="0"/>
           <p:nvPr/>
         </p:nvPicPr>
@@ -12491,6 +12197,135 @@
           </a:ln>
         </p:spPr>
       </p:pic>
+    </p:spTree>
+  </p:cSld>
+  <p:clrMapOvr>
+    <a:masterClrMapping/>
+  </p:clrMapOvr>
+</p:sld>
+</file>
+
+<file path=ppt/slides/slide24.xml><?xml version="1.0" encoding="utf-8"?>
+<p:sld xmlns:a="http://schemas.openxmlformats.org/drawingml/2006/main" xmlns:r="http://schemas.openxmlformats.org/officeDocument/2006/relationships" xmlns:mc="http://schemas.openxmlformats.org/markup-compatibility/2006" xmlns:mv="urn:schemas-microsoft-com:mac:vml" xmlns:p="http://schemas.openxmlformats.org/presentationml/2006/main" xmlns:c="http://schemas.openxmlformats.org/drawingml/2006/chart" xmlns:dgm="http://schemas.openxmlformats.org/drawingml/2006/diagram" xmlns:o="urn:schemas-microsoft-com:office:office" xmlns:v="urn:schemas-microsoft-com:vml" xmlns:pvml="urn:schemas-microsoft-com:office:powerpoint" xmlns:com="http://schemas.openxmlformats.org/drawingml/2006/compatibility" xmlns:p14="http://schemas.microsoft.com/office/powerpoint/2010/main" xmlns:p15="http://schemas.microsoft.com/office/powerpoint/2012/main" xmlns:ahyp="http://schemas.microsoft.com/office/drawing/2018/hyperlinkcolor">
+  <p:cSld>
+    <p:spTree>
+      <p:nvGrpSpPr>
+        <p:cNvPr id="203" name="Shape 203"/>
+        <p:cNvGrpSpPr/>
+        <p:nvPr/>
+      </p:nvGrpSpPr>
+      <p:grpSpPr>
+        <a:xfrm>
+          <a:off x="0" y="0"/>
+          <a:ext cx="0" cy="0"/>
+          <a:chOff x="0" y="0"/>
+          <a:chExt cx="0" cy="0"/>
+        </a:xfrm>
+      </p:grpSpPr>
+      <p:pic>
+        <p:nvPicPr>
+          <p:cNvPr id="204" name="Google Shape;204;p36"/>
+          <p:cNvPicPr preferRelativeResize="0"/>
+          <p:nvPr/>
+        </p:nvPicPr>
+        <p:blipFill>
+          <a:blip r:embed="rId3">
+            <a:alphaModFix/>
+          </a:blip>
+          <a:stretch>
+            <a:fillRect/>
+          </a:stretch>
+        </p:blipFill>
+        <p:spPr>
+          <a:xfrm>
+            <a:off x="2481250" y="0"/>
+            <a:ext cx="4181475" cy="923925"/>
+          </a:xfrm>
+          <a:prstGeom prst="rect">
+            <a:avLst/>
+          </a:prstGeom>
+          <a:noFill/>
+          <a:ln>
+            <a:noFill/>
+          </a:ln>
+        </p:spPr>
+      </p:pic>
+      <p:pic>
+        <p:nvPicPr>
+          <p:cNvPr id="205" name="Google Shape;205;p36"/>
+          <p:cNvPicPr preferRelativeResize="0"/>
+          <p:nvPr/>
+        </p:nvPicPr>
+        <p:blipFill>
+          <a:blip r:embed="rId4">
+            <a:alphaModFix/>
+          </a:blip>
+          <a:stretch>
+            <a:fillRect/>
+          </a:stretch>
+        </p:blipFill>
+        <p:spPr>
+          <a:xfrm>
+            <a:off x="4062400" y="4752975"/>
+            <a:ext cx="1019175" cy="2105025"/>
+          </a:xfrm>
+          <a:prstGeom prst="rect">
+            <a:avLst/>
+          </a:prstGeom>
+          <a:noFill/>
+          <a:ln>
+            <a:noFill/>
+          </a:ln>
+        </p:spPr>
+      </p:pic>
+      <p:sp>
+        <p:nvSpPr>
+          <p:cNvPr id="206" name="Google Shape;206;p36"/>
+          <p:cNvSpPr txBox="1"/>
+          <p:nvPr/>
+        </p:nvSpPr>
+        <p:spPr>
+          <a:xfrm>
+            <a:off x="1472275" y="2038525"/>
+            <a:ext cx="4064400" cy="503400"/>
+          </a:xfrm>
+          <a:prstGeom prst="rect">
+            <a:avLst/>
+          </a:prstGeom>
+          <a:noFill/>
+          <a:ln cap="flat" cmpd="sng" w="9525">
+            <a:solidFill>
+              <a:srgbClr val="000000"/>
+            </a:solidFill>
+            <a:prstDash val="solid"/>
+            <a:round/>
+            <a:headEnd len="sm" w="sm" type="none"/>
+            <a:tailEnd len="sm" w="sm" type="none"/>
+          </a:ln>
+        </p:spPr>
+        <p:txBody>
+          <a:bodyPr anchorCtr="0" anchor="t" bIns="91425" lIns="91425" spcFirstLastPara="1" rIns="91425" wrap="square" tIns="91425">
+            <a:noAutofit/>
+          </a:bodyPr>
+          <a:lstStyle/>
+          <a:p>
+            <a:pPr indent="0" lvl="0" marL="0" rtl="0" algn="l">
+              <a:spcBef>
+                <a:spcPts val="0"/>
+              </a:spcBef>
+              <a:spcAft>
+                <a:spcPts val="0"/>
+              </a:spcAft>
+              <a:buNone/>
+            </a:pPr>
+            <a:r>
+              <a:rPr lang="cs" sz="2000"/>
+              <a:t>Can the range be an expression?</a:t>
+            </a:r>
+            <a:endParaRPr sz="2000"/>
+          </a:p>
+        </p:txBody>
+      </p:sp>
     </p:spTree>
   </p:cSld>
   <p:clrMapOvr>
@@ -12532,8 +12367,8 @@
         </p:blipFill>
         <p:spPr>
           <a:xfrm>
-            <a:off x="2481250" y="0"/>
-            <a:ext cx="4181475" cy="923925"/>
+            <a:off x="642925" y="0"/>
+            <a:ext cx="7858125" cy="1209675"/>
           </a:xfrm>
           <a:prstGeom prst="rect">
             <a:avLst/>
@@ -12560,8 +12395,8 @@
         </p:blipFill>
         <p:spPr>
           <a:xfrm>
-            <a:off x="4062400" y="4752975"/>
-            <a:ext cx="1019175" cy="2105025"/>
+            <a:off x="2708538" y="5229225"/>
+            <a:ext cx="3800475" cy="1628775"/>
           </a:xfrm>
           <a:prstGeom prst="rect">
             <a:avLst/>
@@ -12572,54 +12407,6 @@
           </a:ln>
         </p:spPr>
       </p:pic>
-      <p:sp>
-        <p:nvSpPr>
-          <p:cNvPr id="213" name="Google Shape;213;p37"/>
-          <p:cNvSpPr txBox="1"/>
-          <p:nvPr/>
-        </p:nvSpPr>
-        <p:spPr>
-          <a:xfrm>
-            <a:off x="1472275" y="2038525"/>
-            <a:ext cx="4064400" cy="503400"/>
-          </a:xfrm>
-          <a:prstGeom prst="rect">
-            <a:avLst/>
-          </a:prstGeom>
-          <a:noFill/>
-          <a:ln cap="flat" cmpd="sng" w="9525">
-            <a:solidFill>
-              <a:srgbClr val="000000"/>
-            </a:solidFill>
-            <a:prstDash val="solid"/>
-            <a:round/>
-            <a:headEnd len="sm" w="sm" type="none"/>
-            <a:tailEnd len="sm" w="sm" type="none"/>
-          </a:ln>
-        </p:spPr>
-        <p:txBody>
-          <a:bodyPr anchorCtr="0" anchor="t" bIns="91425" lIns="91425" spcFirstLastPara="1" rIns="91425" wrap="square" tIns="91425">
-            <a:noAutofit/>
-          </a:bodyPr>
-          <a:lstStyle/>
-          <a:p>
-            <a:pPr indent="0" lvl="0" marL="0" rtl="0" algn="l">
-              <a:spcBef>
-                <a:spcPts val="0"/>
-              </a:spcBef>
-              <a:spcAft>
-                <a:spcPts val="0"/>
-              </a:spcAft>
-              <a:buNone/>
-            </a:pPr>
-            <a:r>
-              <a:rPr lang="cs" sz="2000"/>
-              <a:t>Can the range be an expression?</a:t>
-            </a:r>
-            <a:endParaRPr sz="2000"/>
-          </a:p>
-        </p:txBody>
-      </p:sp>
     </p:spTree>
   </p:cSld>
   <p:clrMapOvr>
@@ -12633,7 +12420,7 @@
   <p:cSld>
     <p:spTree>
       <p:nvGrpSpPr>
-        <p:cNvPr id="217" name="Shape 217"/>
+        <p:cNvPr id="216" name="Shape 216"/>
         <p:cNvGrpSpPr/>
         <p:nvPr/>
       </p:nvGrpSpPr>
@@ -12647,7 +12434,7 @@
       </p:grpSpPr>
       <p:pic>
         <p:nvPicPr>
-          <p:cNvPr id="218" name="Google Shape;218;p38"/>
+          <p:cNvPr id="217" name="Google Shape;217;p38"/>
           <p:cNvPicPr preferRelativeResize="0"/>
           <p:nvPr/>
         </p:nvPicPr>
@@ -12661,8 +12448,8 @@
         </p:blipFill>
         <p:spPr>
           <a:xfrm>
-            <a:off x="642925" y="0"/>
-            <a:ext cx="7858125" cy="1209675"/>
+            <a:off x="1538275" y="0"/>
+            <a:ext cx="6067425" cy="1343025"/>
           </a:xfrm>
           <a:prstGeom prst="rect">
             <a:avLst/>
@@ -12675,7 +12462,7 @@
       </p:pic>
       <p:pic>
         <p:nvPicPr>
-          <p:cNvPr id="219" name="Google Shape;219;p38"/>
+          <p:cNvPr id="218" name="Google Shape;218;p38"/>
           <p:cNvPicPr preferRelativeResize="0"/>
           <p:nvPr/>
         </p:nvPicPr>
@@ -12689,8 +12476,8 @@
         </p:blipFill>
         <p:spPr>
           <a:xfrm>
-            <a:off x="2708538" y="5229225"/>
-            <a:ext cx="3800475" cy="1628775"/>
+            <a:off x="2224075" y="4067175"/>
+            <a:ext cx="4695825" cy="2790825"/>
           </a:xfrm>
           <a:prstGeom prst="rect">
             <a:avLst/>
@@ -12701,6 +12488,145 @@
           </a:ln>
         </p:spPr>
       </p:pic>
+      <p:sp>
+        <p:nvSpPr>
+          <p:cNvPr id="219" name="Google Shape;219;p38"/>
+          <p:cNvSpPr/>
+          <p:nvPr/>
+        </p:nvSpPr>
+        <p:spPr>
+          <a:xfrm>
+            <a:off x="4454550" y="427850"/>
+            <a:ext cx="478200" cy="364800"/>
+          </a:xfrm>
+          <a:prstGeom prst="roundRect">
+            <a:avLst>
+              <a:gd fmla="val 16667" name="adj"/>
+            </a:avLst>
+          </a:prstGeom>
+          <a:noFill/>
+          <a:ln cap="flat" cmpd="sng" w="38100">
+            <a:solidFill>
+              <a:srgbClr val="FF9900"/>
+            </a:solidFill>
+            <a:prstDash val="solid"/>
+            <a:round/>
+            <a:headEnd len="sm" w="sm" type="none"/>
+            <a:tailEnd len="sm" w="sm" type="none"/>
+          </a:ln>
+        </p:spPr>
+        <p:txBody>
+          <a:bodyPr anchorCtr="0" anchor="ctr" bIns="91425" lIns="91425" spcFirstLastPara="1" rIns="91425" wrap="square" tIns="91425">
+            <a:noAutofit/>
+          </a:bodyPr>
+          <a:lstStyle/>
+          <a:p>
+            <a:pPr indent="0" lvl="0" marL="0" rtl="0" algn="l">
+              <a:spcBef>
+                <a:spcPts val="0"/>
+              </a:spcBef>
+              <a:spcAft>
+                <a:spcPts val="0"/>
+              </a:spcAft>
+              <a:buNone/>
+            </a:pPr>
+            <a:r>
+              <a:t/>
+            </a:r>
+            <a:endParaRPr/>
+          </a:p>
+        </p:txBody>
+      </p:sp>
+      <p:sp>
+        <p:nvSpPr>
+          <p:cNvPr id="220" name="Google Shape;220;p38"/>
+          <p:cNvSpPr txBox="1"/>
+          <p:nvPr/>
+        </p:nvSpPr>
+        <p:spPr>
+          <a:xfrm>
+            <a:off x="2302775" y="2076275"/>
+            <a:ext cx="7248000" cy="845700"/>
+          </a:xfrm>
+          <a:prstGeom prst="rect">
+            <a:avLst/>
+          </a:prstGeom>
+          <a:noFill/>
+          <a:ln>
+            <a:noFill/>
+          </a:ln>
+        </p:spPr>
+        <p:txBody>
+          <a:bodyPr anchorCtr="0" anchor="t" bIns="91425" lIns="91425" spcFirstLastPara="1" rIns="91425" wrap="square" tIns="91425">
+            <a:noAutofit/>
+          </a:bodyPr>
+          <a:lstStyle/>
+          <a:p>
+            <a:pPr indent="0" lvl="0" marL="0" rtl="0" algn="l">
+              <a:spcBef>
+                <a:spcPts val="0"/>
+              </a:spcBef>
+              <a:spcAft>
+                <a:spcPts val="0"/>
+              </a:spcAft>
+              <a:buNone/>
+            </a:pPr>
+            <a:r>
+              <a:t/>
+            </a:r>
+            <a:endParaRPr/>
+          </a:p>
+        </p:txBody>
+      </p:sp>
+      <p:sp>
+        <p:nvSpPr>
+          <p:cNvPr id="221" name="Google Shape;221;p38"/>
+          <p:cNvSpPr/>
+          <p:nvPr/>
+        </p:nvSpPr>
+        <p:spPr>
+          <a:xfrm>
+            <a:off x="4332888" y="6493200"/>
+            <a:ext cx="478200" cy="364800"/>
+          </a:xfrm>
+          <a:prstGeom prst="roundRect">
+            <a:avLst>
+              <a:gd fmla="val 16667" name="adj"/>
+            </a:avLst>
+          </a:prstGeom>
+          <a:noFill/>
+          <a:ln cap="flat" cmpd="sng" w="38100">
+            <a:solidFill>
+              <a:srgbClr val="FF9900"/>
+            </a:solidFill>
+            <a:prstDash val="solid"/>
+            <a:round/>
+            <a:headEnd len="sm" w="sm" type="none"/>
+            <a:tailEnd len="sm" w="sm" type="none"/>
+          </a:ln>
+        </p:spPr>
+        <p:txBody>
+          <a:bodyPr anchorCtr="0" anchor="ctr" bIns="91425" lIns="91425" spcFirstLastPara="1" rIns="91425" wrap="square" tIns="91425">
+            <a:noAutofit/>
+          </a:bodyPr>
+          <a:lstStyle/>
+          <a:p>
+            <a:pPr indent="0" lvl="0" marL="0" rtl="0" algn="l">
+              <a:spcBef>
+                <a:spcPts val="0"/>
+              </a:spcBef>
+              <a:spcAft>
+                <a:spcPts val="0"/>
+              </a:spcAft>
+              <a:buNone/>
+            </a:pPr>
+            <a:r>
+              <a:t/>
+            </a:r>
+            <a:endParaRPr/>
+          </a:p>
+        </p:txBody>
+      </p:sp>
     </p:spTree>
   </p:cSld>
   <p:clrMapOvr>
@@ -12714,7 +12640,7 @@
   <p:cSld>
     <p:spTree>
       <p:nvGrpSpPr>
-        <p:cNvPr id="223" name="Shape 223"/>
+        <p:cNvPr id="225" name="Shape 225"/>
         <p:cNvGrpSpPr/>
         <p:nvPr/>
       </p:nvGrpSpPr>
@@ -12728,7 +12654,7 @@
       </p:grpSpPr>
       <p:pic>
         <p:nvPicPr>
-          <p:cNvPr id="224" name="Google Shape;224;p39"/>
+          <p:cNvPr id="226" name="Google Shape;226;p39"/>
           <p:cNvPicPr preferRelativeResize="0"/>
           <p:nvPr/>
         </p:nvPicPr>
@@ -12742,8 +12668,8 @@
         </p:blipFill>
         <p:spPr>
           <a:xfrm>
-            <a:off x="1538275" y="0"/>
-            <a:ext cx="6067425" cy="1343025"/>
+            <a:off x="862013" y="0"/>
+            <a:ext cx="7419975" cy="1409700"/>
           </a:xfrm>
           <a:prstGeom prst="rect">
             <a:avLst/>
@@ -12754,44 +12680,16 @@
           </a:ln>
         </p:spPr>
       </p:pic>
-      <p:pic>
-        <p:nvPicPr>
-          <p:cNvPr id="225" name="Google Shape;225;p39"/>
-          <p:cNvPicPr preferRelativeResize="0"/>
-          <p:nvPr/>
-        </p:nvPicPr>
-        <p:blipFill>
-          <a:blip r:embed="rId4">
-            <a:alphaModFix/>
-          </a:blip>
-          <a:stretch>
-            <a:fillRect/>
-          </a:stretch>
-        </p:blipFill>
-        <p:spPr>
-          <a:xfrm>
-            <a:off x="2224075" y="4067175"/>
-            <a:ext cx="4695825" cy="2790825"/>
-          </a:xfrm>
-          <a:prstGeom prst="rect">
-            <a:avLst/>
-          </a:prstGeom>
-          <a:noFill/>
-          <a:ln>
-            <a:noFill/>
-          </a:ln>
-        </p:spPr>
-      </p:pic>
       <p:sp>
         <p:nvSpPr>
-          <p:cNvPr id="226" name="Google Shape;226;p39"/>
+          <p:cNvPr id="227" name="Google Shape;227;p39"/>
           <p:cNvSpPr/>
           <p:nvPr/>
         </p:nvSpPr>
         <p:spPr>
           <a:xfrm>
-            <a:off x="4454550" y="427850"/>
-            <a:ext cx="478200" cy="364800"/>
+            <a:off x="3171050" y="163575"/>
+            <a:ext cx="742500" cy="302100"/>
           </a:xfrm>
           <a:prstGeom prst="roundRect">
             <a:avLst>
@@ -12801,7 +12699,7 @@
           <a:noFill/>
           <a:ln cap="flat" cmpd="sng" w="38100">
             <a:solidFill>
-              <a:srgbClr val="FF9900"/>
+              <a:srgbClr val="4A86E8"/>
             </a:solidFill>
             <a:prstDash val="solid"/>
             <a:round/>
@@ -12811,47 +12709,6 @@
         </p:spPr>
         <p:txBody>
           <a:bodyPr anchorCtr="0" anchor="ctr" bIns="91425" lIns="91425" spcFirstLastPara="1" rIns="91425" wrap="square" tIns="91425">
-            <a:noAutofit/>
-          </a:bodyPr>
-          <a:lstStyle/>
-          <a:p>
-            <a:pPr indent="0" lvl="0" marL="0" rtl="0" algn="l">
-              <a:spcBef>
-                <a:spcPts val="0"/>
-              </a:spcBef>
-              <a:spcAft>
-                <a:spcPts val="0"/>
-              </a:spcAft>
-              <a:buNone/>
-            </a:pPr>
-            <a:r>
-              <a:t/>
-            </a:r>
-            <a:endParaRPr/>
-          </a:p>
-        </p:txBody>
-      </p:sp>
-      <p:sp>
-        <p:nvSpPr>
-          <p:cNvPr id="227" name="Google Shape;227;p39"/>
-          <p:cNvSpPr txBox="1"/>
-          <p:nvPr/>
-        </p:nvSpPr>
-        <p:spPr>
-          <a:xfrm>
-            <a:off x="2302775" y="2076275"/>
-            <a:ext cx="7248000" cy="845700"/>
-          </a:xfrm>
-          <a:prstGeom prst="rect">
-            <a:avLst/>
-          </a:prstGeom>
-          <a:noFill/>
-          <a:ln>
-            <a:noFill/>
-          </a:ln>
-        </p:spPr>
-        <p:txBody>
-          <a:bodyPr anchorCtr="0" anchor="t" bIns="91425" lIns="91425" spcFirstLastPara="1" rIns="91425" wrap="square" tIns="91425">
             <a:noAutofit/>
           </a:bodyPr>
           <a:lstStyle/>
@@ -12880,8 +12737,8 @@
         </p:nvSpPr>
         <p:spPr>
           <a:xfrm>
-            <a:off x="4332888" y="6493200"/>
-            <a:ext cx="478200" cy="364800"/>
+            <a:off x="4330125" y="553800"/>
+            <a:ext cx="351000" cy="302100"/>
           </a:xfrm>
           <a:prstGeom prst="roundRect">
             <a:avLst>
@@ -12963,7 +12820,7 @@
         <p:spPr>
           <a:xfrm>
             <a:off x="862013" y="0"/>
-            <a:ext cx="7419975" cy="1409700"/>
+            <a:ext cx="7419975" cy="1295400"/>
           </a:xfrm>
           <a:prstGeom prst="rect">
             <a:avLst/>
@@ -12974,75 +12831,105 @@
           </a:ln>
         </p:spPr>
       </p:pic>
+    </p:spTree>
+  </p:cSld>
+  <p:clrMapOvr>
+    <a:masterClrMapping/>
+  </p:clrMapOvr>
+</p:sld>
+</file>
+
+<file path=ppt/slides/slide29.xml><?xml version="1.0" encoding="utf-8"?>
+<p:sld xmlns:a="http://schemas.openxmlformats.org/drawingml/2006/main" xmlns:r="http://schemas.openxmlformats.org/officeDocument/2006/relationships" xmlns:mc="http://schemas.openxmlformats.org/markup-compatibility/2006" xmlns:mv="urn:schemas-microsoft-com:mac:vml" xmlns:p="http://schemas.openxmlformats.org/presentationml/2006/main" xmlns:c="http://schemas.openxmlformats.org/drawingml/2006/chart" xmlns:dgm="http://schemas.openxmlformats.org/drawingml/2006/diagram" xmlns:o="urn:schemas-microsoft-com:office:office" xmlns:v="urn:schemas-microsoft-com:vml" xmlns:pvml="urn:schemas-microsoft-com:office:powerpoint" xmlns:com="http://schemas.openxmlformats.org/drawingml/2006/compatibility" xmlns:p14="http://schemas.microsoft.com/office/powerpoint/2010/main" xmlns:p15="http://schemas.microsoft.com/office/powerpoint/2012/main" xmlns:ahyp="http://schemas.microsoft.com/office/drawing/2018/hyperlinkcolor">
+  <p:cSld>
+    <p:spTree>
+      <p:nvGrpSpPr>
+        <p:cNvPr id="237" name="Shape 237"/>
+        <p:cNvGrpSpPr/>
+        <p:nvPr/>
+      </p:nvGrpSpPr>
+      <p:grpSpPr>
+        <a:xfrm>
+          <a:off x="0" y="0"/>
+          <a:ext cx="0" cy="0"/>
+          <a:chOff x="0" y="0"/>
+          <a:chExt cx="0" cy="0"/>
+        </a:xfrm>
+      </p:grpSpPr>
+      <p:pic>
+        <p:nvPicPr>
+          <p:cNvPr id="238" name="Google Shape;238;p41"/>
+          <p:cNvPicPr preferRelativeResize="0"/>
+          <p:nvPr/>
+        </p:nvPicPr>
+        <p:blipFill>
+          <a:blip r:embed="rId3">
+            <a:alphaModFix/>
+          </a:blip>
+          <a:stretch>
+            <a:fillRect/>
+          </a:stretch>
+        </p:blipFill>
+        <p:spPr>
+          <a:xfrm>
+            <a:off x="862013" y="0"/>
+            <a:ext cx="7419975" cy="1295400"/>
+          </a:xfrm>
+          <a:prstGeom prst="rect">
+            <a:avLst/>
+          </a:prstGeom>
+          <a:noFill/>
+          <a:ln>
+            <a:noFill/>
+          </a:ln>
+        </p:spPr>
+      </p:pic>
+      <p:pic>
+        <p:nvPicPr>
+          <p:cNvPr id="239" name="Google Shape;239;p41"/>
+          <p:cNvPicPr preferRelativeResize="0"/>
+          <p:nvPr/>
+        </p:nvPicPr>
+        <p:blipFill>
+          <a:blip r:embed="rId4">
+            <a:alphaModFix/>
+          </a:blip>
+          <a:stretch>
+            <a:fillRect/>
+          </a:stretch>
+        </p:blipFill>
+        <p:spPr>
+          <a:xfrm>
+            <a:off x="1557338" y="6381750"/>
+            <a:ext cx="6029325" cy="476250"/>
+          </a:xfrm>
+          <a:prstGeom prst="rect">
+            <a:avLst/>
+          </a:prstGeom>
+          <a:noFill/>
+          <a:ln>
+            <a:noFill/>
+          </a:ln>
+        </p:spPr>
+      </p:pic>
       <p:sp>
         <p:nvSpPr>
-          <p:cNvPr id="234" name="Google Shape;234;p40"/>
+          <p:cNvPr id="240" name="Google Shape;240;p41"/>
           <p:cNvSpPr/>
           <p:nvPr/>
         </p:nvSpPr>
         <p:spPr>
           <a:xfrm>
-            <a:off x="3171050" y="163575"/>
-            <a:ext cx="742500" cy="302100"/>
-          </a:xfrm>
-          <a:prstGeom prst="roundRect">
-            <a:avLst>
-              <a:gd fmla="val 16667" name="adj"/>
-            </a:avLst>
+            <a:off x="3134825" y="496425"/>
+            <a:ext cx="386100" cy="386100"/>
+          </a:xfrm>
+          <a:prstGeom prst="ellipse">
+            <a:avLst/>
           </a:prstGeom>
           <a:noFill/>
           <a:ln cap="flat" cmpd="sng" w="38100">
             <a:solidFill>
-              <a:srgbClr val="4A86E8"/>
-            </a:solidFill>
-            <a:prstDash val="solid"/>
-            <a:round/>
-            <a:headEnd len="sm" w="sm" type="none"/>
-            <a:tailEnd len="sm" w="sm" type="none"/>
-          </a:ln>
-        </p:spPr>
-        <p:txBody>
-          <a:bodyPr anchorCtr="0" anchor="ctr" bIns="91425" lIns="91425" spcFirstLastPara="1" rIns="91425" wrap="square" tIns="91425">
-            <a:noAutofit/>
-          </a:bodyPr>
-          <a:lstStyle/>
-          <a:p>
-            <a:pPr indent="0" lvl="0" marL="0" rtl="0" algn="l">
-              <a:spcBef>
-                <a:spcPts val="0"/>
-              </a:spcBef>
-              <a:spcAft>
-                <a:spcPts val="0"/>
-              </a:spcAft>
-              <a:buNone/>
-            </a:pPr>
-            <a:r>
-              <a:t/>
-            </a:r>
-            <a:endParaRPr/>
-          </a:p>
-        </p:txBody>
-      </p:sp>
-      <p:sp>
-        <p:nvSpPr>
-          <p:cNvPr id="235" name="Google Shape;235;p40"/>
-          <p:cNvSpPr/>
-          <p:nvPr/>
-        </p:nvSpPr>
-        <p:spPr>
-          <a:xfrm>
-            <a:off x="4330125" y="553800"/>
-            <a:ext cx="351000" cy="302100"/>
-          </a:xfrm>
-          <a:prstGeom prst="roundRect">
-            <a:avLst>
-              <a:gd fmla="val 16667" name="adj"/>
-            </a:avLst>
-          </a:prstGeom>
-          <a:noFill/>
-          <a:ln cap="flat" cmpd="sng" w="38100">
-            <a:solidFill>
-              <a:srgbClr val="FF9900"/>
+              <a:srgbClr val="FF0000"/>
             </a:solidFill>
             <a:prstDash val="solid"/>
             <a:round/>
@@ -13080,12 +12967,12 @@
 </p:sld>
 </file>
 
-<file path=ppt/slides/slide29.xml><?xml version="1.0" encoding="utf-8"?>
+<file path=ppt/slides/slide3.xml><?xml version="1.0" encoding="utf-8"?>
 <p:sld xmlns:a="http://schemas.openxmlformats.org/drawingml/2006/main" xmlns:r="http://schemas.openxmlformats.org/officeDocument/2006/relationships" xmlns:mc="http://schemas.openxmlformats.org/markup-compatibility/2006" xmlns:mv="urn:schemas-microsoft-com:mac:vml" xmlns:p="http://schemas.openxmlformats.org/presentationml/2006/main" xmlns:c="http://schemas.openxmlformats.org/drawingml/2006/chart" xmlns:dgm="http://schemas.openxmlformats.org/drawingml/2006/diagram" xmlns:o="urn:schemas-microsoft-com:office:office" xmlns:v="urn:schemas-microsoft-com:vml" xmlns:pvml="urn:schemas-microsoft-com:office:powerpoint" xmlns:com="http://schemas.openxmlformats.org/drawingml/2006/compatibility" xmlns:p14="http://schemas.microsoft.com/office/powerpoint/2010/main" xmlns:p15="http://schemas.microsoft.com/office/powerpoint/2012/main" xmlns:ahyp="http://schemas.microsoft.com/office/drawing/2018/hyperlinkcolor">
   <p:cSld>
     <p:spTree>
       <p:nvGrpSpPr>
-        <p:cNvPr id="239" name="Shape 239"/>
+        <p:cNvPr id="63" name="Shape 63"/>
         <p:cNvGrpSpPr/>
         <p:nvPr/>
       </p:nvGrpSpPr>
@@ -13099,7 +12986,7 @@
       </p:grpSpPr>
       <p:pic>
         <p:nvPicPr>
-          <p:cNvPr id="240" name="Google Shape;240;p41"/>
+          <p:cNvPr id="64" name="Google Shape;64;p15"/>
           <p:cNvPicPr preferRelativeResize="0"/>
           <p:nvPr/>
         </p:nvPicPr>
@@ -13113,8 +13000,8 @@
         </p:blipFill>
         <p:spPr>
           <a:xfrm>
-            <a:off x="862013" y="0"/>
-            <a:ext cx="7419975" cy="1295400"/>
+            <a:off x="1759338" y="152400"/>
+            <a:ext cx="5625313" cy="6553200"/>
           </a:xfrm>
           <a:prstGeom prst="rect">
             <a:avLst/>
@@ -13125,47 +13012,32 @@
           </a:ln>
         </p:spPr>
       </p:pic>
-    </p:spTree>
-  </p:cSld>
-  <p:clrMapOvr>
-    <a:masterClrMapping/>
-  </p:clrMapOvr>
-</p:sld>
-</file>
-
-<file path=ppt/slides/slide3.xml><?xml version="1.0" encoding="utf-8"?>
-<p:sld xmlns:a="http://schemas.openxmlformats.org/drawingml/2006/main" xmlns:r="http://schemas.openxmlformats.org/officeDocument/2006/relationships" xmlns:mc="http://schemas.openxmlformats.org/markup-compatibility/2006" xmlns:mv="urn:schemas-microsoft-com:mac:vml" xmlns:p="http://schemas.openxmlformats.org/presentationml/2006/main" xmlns:c="http://schemas.openxmlformats.org/drawingml/2006/chart" xmlns:dgm="http://schemas.openxmlformats.org/drawingml/2006/diagram" xmlns:o="urn:schemas-microsoft-com:office:office" xmlns:v="urn:schemas-microsoft-com:vml" xmlns:pvml="urn:schemas-microsoft-com:office:powerpoint" xmlns:com="http://schemas.openxmlformats.org/drawingml/2006/compatibility" xmlns:p14="http://schemas.microsoft.com/office/powerpoint/2010/main" xmlns:p15="http://schemas.microsoft.com/office/powerpoint/2012/main" xmlns:ahyp="http://schemas.microsoft.com/office/drawing/2018/hyperlinkcolor">
-  <p:cSld>
-    <p:spTree>
-      <p:nvGrpSpPr>
-        <p:cNvPr id="65" name="Shape 65"/>
-        <p:cNvGrpSpPr/>
-        <p:nvPr/>
-      </p:nvGrpSpPr>
-      <p:grpSpPr>
-        <a:xfrm>
-          <a:off x="0" y="0"/>
-          <a:ext cx="0" cy="0"/>
-          <a:chOff x="0" y="0"/>
-          <a:chExt cx="0" cy="0"/>
-        </a:xfrm>
-      </p:grpSpPr>
       <p:sp>
         <p:nvSpPr>
-          <p:cNvPr id="66" name="Google Shape;66;p15"/>
-          <p:cNvSpPr txBox="1"/>
-          <p:nvPr>
-            <p:ph type="title"/>
-          </p:nvPr>
+          <p:cNvPr id="65" name="Google Shape;65;p15"/>
+          <p:cNvSpPr/>
+          <p:nvPr/>
         </p:nvSpPr>
         <p:spPr>
           <a:xfrm>
-            <a:off x="311700" y="2867800"/>
-            <a:ext cx="8520600" cy="1122300"/>
-          </a:xfrm>
-          <a:prstGeom prst="rect">
-            <a:avLst/>
-          </a:prstGeom>
+            <a:off x="1686175" y="125825"/>
+            <a:ext cx="969000" cy="327300"/>
+          </a:xfrm>
+          <a:prstGeom prst="roundRect">
+            <a:avLst>
+              <a:gd fmla="val 16667" name="adj"/>
+            </a:avLst>
+          </a:prstGeom>
+          <a:noFill/>
+          <a:ln cap="flat" cmpd="sng" w="38100">
+            <a:solidFill>
+              <a:srgbClr val="FF9900"/>
+            </a:solidFill>
+            <a:prstDash val="solid"/>
+            <a:round/>
+            <a:headEnd len="sm" w="sm" type="none"/>
+            <a:tailEnd len="sm" w="sm" type="none"/>
+          </a:ln>
         </p:spPr>
         <p:txBody>
           <a:bodyPr anchorCtr="0" anchor="ctr" bIns="91425" lIns="91425" spcFirstLastPara="1" rIns="91425" wrap="square" tIns="91425">
@@ -13173,7 +13045,7 @@
           </a:bodyPr>
           <a:lstStyle/>
           <a:p>
-            <a:pPr indent="0" lvl="0" marL="0" rtl="0" algn="ctr">
+            <a:pPr indent="0" lvl="0" marL="0" rtl="0" algn="l">
               <a:spcBef>
                 <a:spcPts val="0"/>
               </a:spcBef>
@@ -13183,8 +13055,56 @@
               <a:buNone/>
             </a:pPr>
             <a:r>
-              <a:rPr lang="cs"/>
-              <a:t>Review</a:t>
+              <a:t/>
+            </a:r>
+            <a:endParaRPr/>
+          </a:p>
+        </p:txBody>
+      </p:sp>
+      <p:sp>
+        <p:nvSpPr>
+          <p:cNvPr id="66" name="Google Shape;66;p15"/>
+          <p:cNvSpPr/>
+          <p:nvPr/>
+        </p:nvSpPr>
+        <p:spPr>
+          <a:xfrm>
+            <a:off x="3537325" y="3265350"/>
+            <a:ext cx="969000" cy="327300"/>
+          </a:xfrm>
+          <a:prstGeom prst="roundRect">
+            <a:avLst>
+              <a:gd fmla="val 16667" name="adj"/>
+            </a:avLst>
+          </a:prstGeom>
+          <a:noFill/>
+          <a:ln cap="flat" cmpd="sng" w="38100">
+            <a:solidFill>
+              <a:srgbClr val="FF9900"/>
+            </a:solidFill>
+            <a:prstDash val="solid"/>
+            <a:round/>
+            <a:headEnd len="sm" w="sm" type="none"/>
+            <a:tailEnd len="sm" w="sm" type="none"/>
+          </a:ln>
+        </p:spPr>
+        <p:txBody>
+          <a:bodyPr anchorCtr="0" anchor="ctr" bIns="91425" lIns="91425" spcFirstLastPara="1" rIns="91425" wrap="square" tIns="91425">
+            <a:noAutofit/>
+          </a:bodyPr>
+          <a:lstStyle/>
+          <a:p>
+            <a:pPr indent="0" lvl="0" marL="0" rtl="0" algn="l">
+              <a:spcBef>
+                <a:spcPts val="0"/>
+              </a:spcBef>
+              <a:spcAft>
+                <a:spcPts val="0"/>
+              </a:spcAft>
+              <a:buNone/>
+            </a:pPr>
+            <a:r>
+              <a:t/>
             </a:r>
             <a:endParaRPr/>
           </a:p>
@@ -13387,8 +13307,8 @@
         </p:blipFill>
         <p:spPr>
           <a:xfrm>
-            <a:off x="1557338" y="6381750"/>
-            <a:ext cx="6029325" cy="476250"/>
+            <a:off x="1557338" y="6019800"/>
+            <a:ext cx="6029325" cy="838200"/>
           </a:xfrm>
           <a:prstGeom prst="rect">
             <a:avLst/>
@@ -13407,8 +13327,55 @@
         </p:nvSpPr>
         <p:spPr>
           <a:xfrm>
-            <a:off x="3134825" y="496425"/>
-            <a:ext cx="386100" cy="386100"/>
+            <a:off x="4357500" y="533200"/>
+            <a:ext cx="266700" cy="266700"/>
+          </a:xfrm>
+          <a:prstGeom prst="ellipse">
+            <a:avLst/>
+          </a:prstGeom>
+          <a:noFill/>
+          <a:ln cap="flat" cmpd="sng" w="38100">
+            <a:solidFill>
+              <a:srgbClr val="FF0000"/>
+            </a:solidFill>
+            <a:prstDash val="solid"/>
+            <a:round/>
+            <a:headEnd len="sm" w="sm" type="none"/>
+            <a:tailEnd len="sm" w="sm" type="none"/>
+          </a:ln>
+        </p:spPr>
+        <p:txBody>
+          <a:bodyPr anchorCtr="0" anchor="ctr" bIns="91425" lIns="91425" spcFirstLastPara="1" rIns="91425" wrap="square" tIns="91425">
+            <a:noAutofit/>
+          </a:bodyPr>
+          <a:lstStyle/>
+          <a:p>
+            <a:pPr indent="0" lvl="0" marL="0" rtl="0" algn="l">
+              <a:spcBef>
+                <a:spcPts val="0"/>
+              </a:spcBef>
+              <a:spcAft>
+                <a:spcPts val="0"/>
+              </a:spcAft>
+              <a:buNone/>
+            </a:pPr>
+            <a:r>
+              <a:t/>
+            </a:r>
+            <a:endParaRPr/>
+          </a:p>
+        </p:txBody>
+      </p:sp>
+      <p:sp>
+        <p:nvSpPr>
+          <p:cNvPr id="255" name="Google Shape;255;p43"/>
+          <p:cNvSpPr/>
+          <p:nvPr/>
+        </p:nvSpPr>
+        <p:spPr>
+          <a:xfrm>
+            <a:off x="5622250" y="508300"/>
+            <a:ext cx="316500" cy="316500"/>
           </a:xfrm>
           <a:prstGeom prst="ellipse">
             <a:avLst/>
@@ -13459,7 +13426,7 @@
   <p:cSld>
     <p:spTree>
       <p:nvGrpSpPr>
-        <p:cNvPr id="258" name="Shape 258"/>
+        <p:cNvPr id="259" name="Shape 259"/>
         <p:cNvGrpSpPr/>
         <p:nvPr/>
       </p:nvGrpSpPr>
@@ -13473,7 +13440,7 @@
       </p:grpSpPr>
       <p:pic>
         <p:nvPicPr>
-          <p:cNvPr id="259" name="Google Shape;259;p44"/>
+          <p:cNvPr id="260" name="Google Shape;260;p44"/>
           <p:cNvPicPr preferRelativeResize="0"/>
           <p:nvPr/>
         </p:nvPicPr>
@@ -13501,7 +13468,7 @@
       </p:pic>
       <p:pic>
         <p:nvPicPr>
-          <p:cNvPr id="260" name="Google Shape;260;p44"/>
+          <p:cNvPr id="261" name="Google Shape;261;p44"/>
           <p:cNvPicPr preferRelativeResize="0"/>
           <p:nvPr/>
         </p:nvPicPr>
@@ -13527,9 +13494,90 @@
           </a:ln>
         </p:spPr>
       </p:pic>
+    </p:spTree>
+  </p:cSld>
+  <p:clrMapOvr>
+    <a:masterClrMapping/>
+  </p:clrMapOvr>
+</p:sld>
+</file>
+
+<file path=ppt/slides/slide33.xml><?xml version="1.0" encoding="utf-8"?>
+<p:sld xmlns:a="http://schemas.openxmlformats.org/drawingml/2006/main" xmlns:r="http://schemas.openxmlformats.org/officeDocument/2006/relationships" xmlns:mc="http://schemas.openxmlformats.org/markup-compatibility/2006" xmlns:mv="urn:schemas-microsoft-com:mac:vml" xmlns:p="http://schemas.openxmlformats.org/presentationml/2006/main" xmlns:c="http://schemas.openxmlformats.org/drawingml/2006/chart" xmlns:dgm="http://schemas.openxmlformats.org/drawingml/2006/diagram" xmlns:o="urn:schemas-microsoft-com:office:office" xmlns:v="urn:schemas-microsoft-com:vml" xmlns:pvml="urn:schemas-microsoft-com:office:powerpoint" xmlns:com="http://schemas.openxmlformats.org/drawingml/2006/compatibility" xmlns:p14="http://schemas.microsoft.com/office/powerpoint/2010/main" xmlns:p15="http://schemas.microsoft.com/office/powerpoint/2012/main" xmlns:ahyp="http://schemas.microsoft.com/office/drawing/2018/hyperlinkcolor">
+  <p:cSld>
+    <p:spTree>
+      <p:nvGrpSpPr>
+        <p:cNvPr id="265" name="Shape 265"/>
+        <p:cNvGrpSpPr/>
+        <p:nvPr/>
+      </p:nvGrpSpPr>
+      <p:grpSpPr>
+        <a:xfrm>
+          <a:off x="0" y="0"/>
+          <a:ext cx="0" cy="0"/>
+          <a:chOff x="0" y="0"/>
+          <a:chExt cx="0" cy="0"/>
+        </a:xfrm>
+      </p:grpSpPr>
+      <p:pic>
+        <p:nvPicPr>
+          <p:cNvPr id="266" name="Google Shape;266;p45"/>
+          <p:cNvPicPr preferRelativeResize="0"/>
+          <p:nvPr/>
+        </p:nvPicPr>
+        <p:blipFill>
+          <a:blip r:embed="rId3">
+            <a:alphaModFix/>
+          </a:blip>
+          <a:stretch>
+            <a:fillRect/>
+          </a:stretch>
+        </p:blipFill>
+        <p:spPr>
+          <a:xfrm>
+            <a:off x="862013" y="0"/>
+            <a:ext cx="7419975" cy="1295400"/>
+          </a:xfrm>
+          <a:prstGeom prst="rect">
+            <a:avLst/>
+          </a:prstGeom>
+          <a:noFill/>
+          <a:ln>
+            <a:noFill/>
+          </a:ln>
+        </p:spPr>
+      </p:pic>
+      <p:pic>
+        <p:nvPicPr>
+          <p:cNvPr id="267" name="Google Shape;267;p45"/>
+          <p:cNvPicPr preferRelativeResize="0"/>
+          <p:nvPr/>
+        </p:nvPicPr>
+        <p:blipFill>
+          <a:blip r:embed="rId4">
+            <a:alphaModFix/>
+          </a:blip>
+          <a:stretch>
+            <a:fillRect/>
+          </a:stretch>
+        </p:blipFill>
+        <p:spPr>
+          <a:xfrm>
+            <a:off x="1557338" y="5638800"/>
+            <a:ext cx="6029325" cy="1219200"/>
+          </a:xfrm>
+          <a:prstGeom prst="rect">
+            <a:avLst/>
+          </a:prstGeom>
+          <a:noFill/>
+          <a:ln>
+            <a:noFill/>
+          </a:ln>
+        </p:spPr>
+      </p:pic>
       <p:sp>
         <p:nvSpPr>
-          <p:cNvPr id="261" name="Google Shape;261;p44"/>
+          <p:cNvPr id="268" name="Google Shape;268;p45"/>
           <p:cNvSpPr/>
           <p:nvPr/>
         </p:nvSpPr>
@@ -13576,7 +13624,7 @@
       </p:sp>
       <p:sp>
         <p:nvSpPr>
-          <p:cNvPr id="262" name="Google Shape;262;p44"/>
+          <p:cNvPr id="269" name="Google Shape;269;p45"/>
           <p:cNvSpPr/>
           <p:nvPr/>
         </p:nvSpPr>
@@ -13629,12 +13677,12 @@
 </p:sld>
 </file>
 
-<file path=ppt/slides/slide33.xml><?xml version="1.0" encoding="utf-8"?>
+<file path=ppt/slides/slide34.xml><?xml version="1.0" encoding="utf-8"?>
 <p:sld xmlns:a="http://schemas.openxmlformats.org/drawingml/2006/main" xmlns:r="http://schemas.openxmlformats.org/officeDocument/2006/relationships" xmlns:mc="http://schemas.openxmlformats.org/markup-compatibility/2006" xmlns:mv="urn:schemas-microsoft-com:mac:vml" xmlns:p="http://schemas.openxmlformats.org/presentationml/2006/main" xmlns:c="http://schemas.openxmlformats.org/drawingml/2006/chart" xmlns:dgm="http://schemas.openxmlformats.org/drawingml/2006/diagram" xmlns:o="urn:schemas-microsoft-com:office:office" xmlns:v="urn:schemas-microsoft-com:vml" xmlns:pvml="urn:schemas-microsoft-com:office:powerpoint" xmlns:com="http://schemas.openxmlformats.org/drawingml/2006/compatibility" xmlns:p14="http://schemas.microsoft.com/office/powerpoint/2010/main" xmlns:p15="http://schemas.microsoft.com/office/powerpoint/2012/main" xmlns:ahyp="http://schemas.microsoft.com/office/drawing/2018/hyperlinkcolor">
   <p:cSld>
     <p:spTree>
       <p:nvGrpSpPr>
-        <p:cNvPr id="266" name="Shape 266"/>
+        <p:cNvPr id="273" name="Shape 273"/>
         <p:cNvGrpSpPr/>
         <p:nvPr/>
       </p:nvGrpSpPr>
@@ -13648,7 +13696,7 @@
       </p:grpSpPr>
       <p:pic>
         <p:nvPicPr>
-          <p:cNvPr id="267" name="Google Shape;267;p45"/>
+          <p:cNvPr id="274" name="Google Shape;274;p46"/>
           <p:cNvPicPr preferRelativeResize="0"/>
           <p:nvPr/>
         </p:nvPicPr>
@@ -13676,7 +13724,7 @@
       </p:pic>
       <p:pic>
         <p:nvPicPr>
-          <p:cNvPr id="268" name="Google Shape;268;p45"/>
+          <p:cNvPr id="275" name="Google Shape;275;p46"/>
           <p:cNvPicPr preferRelativeResize="0"/>
           <p:nvPr/>
         </p:nvPicPr>
@@ -13690,8 +13738,8 @@
         </p:blipFill>
         <p:spPr>
           <a:xfrm>
-            <a:off x="1557338" y="6019800"/>
-            <a:ext cx="6029325" cy="838200"/>
+            <a:off x="1557338" y="5638800"/>
+            <a:ext cx="6029325" cy="1219200"/>
           </a:xfrm>
           <a:prstGeom prst="rect">
             <a:avLst/>
@@ -13710,12 +13758,12 @@
 </p:sld>
 </file>
 
-<file path=ppt/slides/slide34.xml><?xml version="1.0" encoding="utf-8"?>
+<file path=ppt/slides/slide35.xml><?xml version="1.0" encoding="utf-8"?>
 <p:sld xmlns:a="http://schemas.openxmlformats.org/drawingml/2006/main" xmlns:r="http://schemas.openxmlformats.org/officeDocument/2006/relationships" xmlns:mc="http://schemas.openxmlformats.org/markup-compatibility/2006" xmlns:mv="urn:schemas-microsoft-com:mac:vml" xmlns:p="http://schemas.openxmlformats.org/presentationml/2006/main" xmlns:c="http://schemas.openxmlformats.org/drawingml/2006/chart" xmlns:dgm="http://schemas.openxmlformats.org/drawingml/2006/diagram" xmlns:o="urn:schemas-microsoft-com:office:office" xmlns:v="urn:schemas-microsoft-com:vml" xmlns:pvml="urn:schemas-microsoft-com:office:powerpoint" xmlns:com="http://schemas.openxmlformats.org/drawingml/2006/compatibility" xmlns:p14="http://schemas.microsoft.com/office/powerpoint/2010/main" xmlns:p15="http://schemas.microsoft.com/office/powerpoint/2012/main" xmlns:ahyp="http://schemas.microsoft.com/office/drawing/2018/hyperlinkcolor">
   <p:cSld>
     <p:spTree>
       <p:nvGrpSpPr>
-        <p:cNvPr id="272" name="Shape 272"/>
+        <p:cNvPr id="279" name="Shape 279"/>
         <p:cNvGrpSpPr/>
         <p:nvPr/>
       </p:nvGrpSpPr>
@@ -13729,7 +13777,7 @@
       </p:grpSpPr>
       <p:pic>
         <p:nvPicPr>
-          <p:cNvPr id="273" name="Google Shape;273;p46"/>
+          <p:cNvPr id="280" name="Google Shape;280;p47"/>
           <p:cNvPicPr preferRelativeResize="0"/>
           <p:nvPr/>
         </p:nvPicPr>
@@ -13757,7 +13805,7 @@
       </p:pic>
       <p:pic>
         <p:nvPicPr>
-          <p:cNvPr id="274" name="Google Shape;274;p46"/>
+          <p:cNvPr id="281" name="Google Shape;281;p47"/>
           <p:cNvPicPr preferRelativeResize="0"/>
           <p:nvPr/>
         </p:nvPicPr>
@@ -13771,8 +13819,8 @@
         </p:blipFill>
         <p:spPr>
           <a:xfrm>
-            <a:off x="1557338" y="5638800"/>
-            <a:ext cx="6029325" cy="1219200"/>
+            <a:off x="1557338" y="5257800"/>
+            <a:ext cx="6029325" cy="1600200"/>
           </a:xfrm>
           <a:prstGeom prst="rect">
             <a:avLst/>
@@ -13785,7 +13833,7 @@
       </p:pic>
       <p:sp>
         <p:nvSpPr>
-          <p:cNvPr id="275" name="Google Shape;275;p46"/>
+          <p:cNvPr id="282" name="Google Shape;282;p47"/>
           <p:cNvSpPr/>
           <p:nvPr/>
         </p:nvSpPr>
@@ -13832,13 +13880,60 @@
       </p:sp>
       <p:sp>
         <p:nvSpPr>
-          <p:cNvPr id="276" name="Google Shape;276;p46"/>
+          <p:cNvPr id="283" name="Google Shape;283;p47"/>
           <p:cNvSpPr/>
           <p:nvPr/>
         </p:nvSpPr>
         <p:spPr>
           <a:xfrm>
             <a:off x="5622250" y="508300"/>
+            <a:ext cx="316500" cy="316500"/>
+          </a:xfrm>
+          <a:prstGeom prst="ellipse">
+            <a:avLst/>
+          </a:prstGeom>
+          <a:noFill/>
+          <a:ln cap="flat" cmpd="sng" w="38100">
+            <a:solidFill>
+              <a:srgbClr val="FF0000"/>
+            </a:solidFill>
+            <a:prstDash val="solid"/>
+            <a:round/>
+            <a:headEnd len="sm" w="sm" type="none"/>
+            <a:tailEnd len="sm" w="sm" type="none"/>
+          </a:ln>
+        </p:spPr>
+        <p:txBody>
+          <a:bodyPr anchorCtr="0" anchor="ctr" bIns="91425" lIns="91425" spcFirstLastPara="1" rIns="91425" wrap="square" tIns="91425">
+            <a:noAutofit/>
+          </a:bodyPr>
+          <a:lstStyle/>
+          <a:p>
+            <a:pPr indent="0" lvl="0" marL="0" rtl="0" algn="l">
+              <a:spcBef>
+                <a:spcPts val="0"/>
+              </a:spcBef>
+              <a:spcAft>
+                <a:spcPts val="0"/>
+              </a:spcAft>
+              <a:buNone/>
+            </a:pPr>
+            <a:r>
+              <a:t/>
+            </a:r>
+            <a:endParaRPr/>
+          </a:p>
+        </p:txBody>
+      </p:sp>
+      <p:sp>
+        <p:nvSpPr>
+          <p:cNvPr id="284" name="Google Shape;284;p47"/>
+          <p:cNvSpPr/>
+          <p:nvPr/>
+        </p:nvSpPr>
+        <p:spPr>
+          <a:xfrm>
+            <a:off x="3798150" y="508300"/>
             <a:ext cx="316500" cy="316500"/>
           </a:xfrm>
           <a:prstGeom prst="ellipse">
@@ -13885,12 +13980,12 @@
 </p:sld>
 </file>
 
-<file path=ppt/slides/slide35.xml><?xml version="1.0" encoding="utf-8"?>
+<file path=ppt/slides/slide36.xml><?xml version="1.0" encoding="utf-8"?>
 <p:sld xmlns:a="http://schemas.openxmlformats.org/drawingml/2006/main" xmlns:r="http://schemas.openxmlformats.org/officeDocument/2006/relationships" xmlns:mc="http://schemas.openxmlformats.org/markup-compatibility/2006" xmlns:mv="urn:schemas-microsoft-com:mac:vml" xmlns:p="http://schemas.openxmlformats.org/presentationml/2006/main" xmlns:c="http://schemas.openxmlformats.org/drawingml/2006/chart" xmlns:dgm="http://schemas.openxmlformats.org/drawingml/2006/diagram" xmlns:o="urn:schemas-microsoft-com:office:office" xmlns:v="urn:schemas-microsoft-com:vml" xmlns:pvml="urn:schemas-microsoft-com:office:powerpoint" xmlns:com="http://schemas.openxmlformats.org/drawingml/2006/compatibility" xmlns:p14="http://schemas.microsoft.com/office/powerpoint/2010/main" xmlns:p15="http://schemas.microsoft.com/office/powerpoint/2012/main" xmlns:ahyp="http://schemas.microsoft.com/office/drawing/2018/hyperlinkcolor">
   <p:cSld>
     <p:spTree>
       <p:nvGrpSpPr>
-        <p:cNvPr id="280" name="Shape 280"/>
+        <p:cNvPr id="288" name="Shape 288"/>
         <p:cNvGrpSpPr/>
         <p:nvPr/>
       </p:nvGrpSpPr>
@@ -13904,7 +13999,7 @@
       </p:grpSpPr>
       <p:pic>
         <p:nvPicPr>
-          <p:cNvPr id="281" name="Google Shape;281;p47"/>
+          <p:cNvPr id="289" name="Google Shape;289;p48"/>
           <p:cNvPicPr preferRelativeResize="0"/>
           <p:nvPr/>
         </p:nvPicPr>
@@ -13919,7 +14014,7 @@
         <p:spPr>
           <a:xfrm>
             <a:off x="862013" y="0"/>
-            <a:ext cx="7419975" cy="1295400"/>
+            <a:ext cx="7419975" cy="1409700"/>
           </a:xfrm>
           <a:prstGeom prst="rect">
             <a:avLst/>
@@ -13932,7 +14027,7 @@
       </p:pic>
       <p:pic>
         <p:nvPicPr>
-          <p:cNvPr id="282" name="Google Shape;282;p47"/>
+          <p:cNvPr id="290" name="Google Shape;290;p48"/>
           <p:cNvPicPr preferRelativeResize="0"/>
           <p:nvPr/>
         </p:nvPicPr>
@@ -13946,8 +14041,8 @@
         </p:blipFill>
         <p:spPr>
           <a:xfrm>
-            <a:off x="1557338" y="5638800"/>
-            <a:ext cx="6029325" cy="1219200"/>
+            <a:off x="1557338" y="5257800"/>
+            <a:ext cx="6029325" cy="1600200"/>
           </a:xfrm>
           <a:prstGeom prst="rect">
             <a:avLst/>
@@ -13958,105 +14053,24 @@
           </a:ln>
         </p:spPr>
       </p:pic>
-    </p:spTree>
-  </p:cSld>
-  <p:clrMapOvr>
-    <a:masterClrMapping/>
-  </p:clrMapOvr>
-</p:sld>
-</file>
-
-<file path=ppt/slides/slide36.xml><?xml version="1.0" encoding="utf-8"?>
-<p:sld xmlns:a="http://schemas.openxmlformats.org/drawingml/2006/main" xmlns:r="http://schemas.openxmlformats.org/officeDocument/2006/relationships" xmlns:mc="http://schemas.openxmlformats.org/markup-compatibility/2006" xmlns:mv="urn:schemas-microsoft-com:mac:vml" xmlns:p="http://schemas.openxmlformats.org/presentationml/2006/main" xmlns:c="http://schemas.openxmlformats.org/drawingml/2006/chart" xmlns:dgm="http://schemas.openxmlformats.org/drawingml/2006/diagram" xmlns:o="urn:schemas-microsoft-com:office:office" xmlns:v="urn:schemas-microsoft-com:vml" xmlns:pvml="urn:schemas-microsoft-com:office:powerpoint" xmlns:com="http://schemas.openxmlformats.org/drawingml/2006/compatibility" xmlns:p14="http://schemas.microsoft.com/office/powerpoint/2010/main" xmlns:p15="http://schemas.microsoft.com/office/powerpoint/2012/main" xmlns:ahyp="http://schemas.microsoft.com/office/drawing/2018/hyperlinkcolor">
-  <p:cSld>
-    <p:spTree>
-      <p:nvGrpSpPr>
-        <p:cNvPr id="286" name="Shape 286"/>
-        <p:cNvGrpSpPr/>
-        <p:nvPr/>
-      </p:nvGrpSpPr>
-      <p:grpSpPr>
-        <a:xfrm>
-          <a:off x="0" y="0"/>
-          <a:ext cx="0" cy="0"/>
-          <a:chOff x="0" y="0"/>
-          <a:chExt cx="0" cy="0"/>
-        </a:xfrm>
-      </p:grpSpPr>
-      <p:pic>
-        <p:nvPicPr>
-          <p:cNvPr id="287" name="Google Shape;287;p48"/>
-          <p:cNvPicPr preferRelativeResize="0"/>
+      <p:sp>
+        <p:nvSpPr>
+          <p:cNvPr id="291" name="Google Shape;291;p48"/>
+          <p:cNvSpPr txBox="1"/>
           <p:nvPr/>
-        </p:nvPicPr>
-        <p:blipFill>
-          <a:blip r:embed="rId3">
-            <a:alphaModFix/>
-          </a:blip>
-          <a:stretch>
-            <a:fillRect/>
-          </a:stretch>
-        </p:blipFill>
-        <p:spPr>
-          <a:xfrm>
-            <a:off x="862013" y="0"/>
-            <a:ext cx="7419975" cy="1295400"/>
+        </p:nvSpPr>
+        <p:spPr>
+          <a:xfrm>
+            <a:off x="1296100" y="2139200"/>
+            <a:ext cx="6568500" cy="578700"/>
           </a:xfrm>
           <a:prstGeom prst="rect">
             <a:avLst/>
           </a:prstGeom>
           <a:noFill/>
-          <a:ln>
-            <a:noFill/>
-          </a:ln>
-        </p:spPr>
-      </p:pic>
-      <p:pic>
-        <p:nvPicPr>
-          <p:cNvPr id="288" name="Google Shape;288;p48"/>
-          <p:cNvPicPr preferRelativeResize="0"/>
-          <p:nvPr/>
-        </p:nvPicPr>
-        <p:blipFill>
-          <a:blip r:embed="rId4">
-            <a:alphaModFix/>
-          </a:blip>
-          <a:stretch>
-            <a:fillRect/>
-          </a:stretch>
-        </p:blipFill>
-        <p:spPr>
-          <a:xfrm>
-            <a:off x="1557338" y="5257800"/>
-            <a:ext cx="6029325" cy="1600200"/>
-          </a:xfrm>
-          <a:prstGeom prst="rect">
-            <a:avLst/>
-          </a:prstGeom>
-          <a:noFill/>
-          <a:ln>
-            <a:noFill/>
-          </a:ln>
-        </p:spPr>
-      </p:pic>
-      <p:sp>
-        <p:nvSpPr>
-          <p:cNvPr id="289" name="Google Shape;289;p48"/>
-          <p:cNvSpPr/>
-          <p:nvPr/>
-        </p:nvSpPr>
-        <p:spPr>
-          <a:xfrm>
-            <a:off x="4357500" y="533200"/>
-            <a:ext cx="266700" cy="266700"/>
-          </a:xfrm>
-          <a:prstGeom prst="ellipse">
-            <a:avLst/>
-          </a:prstGeom>
-          <a:noFill/>
-          <a:ln cap="flat" cmpd="sng" w="38100">
+          <a:ln cap="flat" cmpd="sng" w="9525">
             <a:solidFill>
-              <a:srgbClr val="FF0000"/>
+              <a:srgbClr val="000000"/>
             </a:solidFill>
             <a:prstDash val="solid"/>
             <a:round/>
@@ -14065,7 +14079,7 @@
           </a:ln>
         </p:spPr>
         <p:txBody>
-          <a:bodyPr anchorCtr="0" anchor="ctr" bIns="91425" lIns="91425" spcFirstLastPara="1" rIns="91425" wrap="square" tIns="91425">
+          <a:bodyPr anchorCtr="0" anchor="t" bIns="91425" lIns="91425" spcFirstLastPara="1" rIns="91425" wrap="square" tIns="91425">
             <a:noAutofit/>
           </a:bodyPr>
           <a:lstStyle/>
@@ -14080,103 +14094,10 @@
               <a:buNone/>
             </a:pPr>
             <a:r>
-              <a:t/>
+              <a:rPr lang="cs" sz="2200"/>
+              <a:t>What about the odd numbers between 10 and 14?</a:t>
             </a:r>
-            <a:endParaRPr/>
-          </a:p>
-        </p:txBody>
-      </p:sp>
-      <p:sp>
-        <p:nvSpPr>
-          <p:cNvPr id="290" name="Google Shape;290;p48"/>
-          <p:cNvSpPr/>
-          <p:nvPr/>
-        </p:nvSpPr>
-        <p:spPr>
-          <a:xfrm>
-            <a:off x="5622250" y="508300"/>
-            <a:ext cx="316500" cy="316500"/>
-          </a:xfrm>
-          <a:prstGeom prst="ellipse">
-            <a:avLst/>
-          </a:prstGeom>
-          <a:noFill/>
-          <a:ln cap="flat" cmpd="sng" w="38100">
-            <a:solidFill>
-              <a:srgbClr val="FF0000"/>
-            </a:solidFill>
-            <a:prstDash val="solid"/>
-            <a:round/>
-            <a:headEnd len="sm" w="sm" type="none"/>
-            <a:tailEnd len="sm" w="sm" type="none"/>
-          </a:ln>
-        </p:spPr>
-        <p:txBody>
-          <a:bodyPr anchorCtr="0" anchor="ctr" bIns="91425" lIns="91425" spcFirstLastPara="1" rIns="91425" wrap="square" tIns="91425">
-            <a:noAutofit/>
-          </a:bodyPr>
-          <a:lstStyle/>
-          <a:p>
-            <a:pPr indent="0" lvl="0" marL="0" rtl="0" algn="l">
-              <a:spcBef>
-                <a:spcPts val="0"/>
-              </a:spcBef>
-              <a:spcAft>
-                <a:spcPts val="0"/>
-              </a:spcAft>
-              <a:buNone/>
-            </a:pPr>
-            <a:r>
-              <a:t/>
-            </a:r>
-            <a:endParaRPr/>
-          </a:p>
-        </p:txBody>
-      </p:sp>
-      <p:sp>
-        <p:nvSpPr>
-          <p:cNvPr id="291" name="Google Shape;291;p48"/>
-          <p:cNvSpPr/>
-          <p:nvPr/>
-        </p:nvSpPr>
-        <p:spPr>
-          <a:xfrm>
-            <a:off x="3798150" y="508300"/>
-            <a:ext cx="316500" cy="316500"/>
-          </a:xfrm>
-          <a:prstGeom prst="ellipse">
-            <a:avLst/>
-          </a:prstGeom>
-          <a:noFill/>
-          <a:ln cap="flat" cmpd="sng" w="38100">
-            <a:solidFill>
-              <a:srgbClr val="FF0000"/>
-            </a:solidFill>
-            <a:prstDash val="solid"/>
-            <a:round/>
-            <a:headEnd len="sm" w="sm" type="none"/>
-            <a:tailEnd len="sm" w="sm" type="none"/>
-          </a:ln>
-        </p:spPr>
-        <p:txBody>
-          <a:bodyPr anchorCtr="0" anchor="ctr" bIns="91425" lIns="91425" spcFirstLastPara="1" rIns="91425" wrap="square" tIns="91425">
-            <a:noAutofit/>
-          </a:bodyPr>
-          <a:lstStyle/>
-          <a:p>
-            <a:pPr indent="0" lvl="0" marL="0" rtl="0" algn="l">
-              <a:spcBef>
-                <a:spcPts val="0"/>
-              </a:spcBef>
-              <a:spcAft>
-                <a:spcPts val="0"/>
-              </a:spcAft>
-              <a:buNone/>
-            </a:pPr>
-            <a:r>
-              <a:t/>
-            </a:r>
-            <a:endParaRPr/>
+            <a:endParaRPr sz="2200"/>
           </a:p>
         </p:txBody>
       </p:sp>
@@ -14221,8 +14142,8 @@
         </p:blipFill>
         <p:spPr>
           <a:xfrm>
-            <a:off x="862013" y="0"/>
-            <a:ext cx="7419975" cy="1409700"/>
+            <a:off x="833438" y="0"/>
+            <a:ext cx="7477125" cy="1400175"/>
           </a:xfrm>
           <a:prstGeom prst="rect">
             <a:avLst/>
@@ -14249,8 +14170,8 @@
         </p:blipFill>
         <p:spPr>
           <a:xfrm>
-            <a:off x="1557338" y="5257800"/>
-            <a:ext cx="6029325" cy="1600200"/>
+            <a:off x="1604963" y="4398550"/>
+            <a:ext cx="5934075" cy="2409825"/>
           </a:xfrm>
           <a:prstGeom prst="rect">
             <a:avLst/>
@@ -14264,21 +14185,21 @@
       <p:sp>
         <p:nvSpPr>
           <p:cNvPr id="298" name="Google Shape;298;p49"/>
-          <p:cNvSpPr txBox="1"/>
+          <p:cNvSpPr/>
           <p:nvPr/>
         </p:nvSpPr>
         <p:spPr>
           <a:xfrm>
-            <a:off x="1296100" y="2139200"/>
-            <a:ext cx="6568500" cy="578700"/>
-          </a:xfrm>
-          <a:prstGeom prst="rect">
+            <a:off x="3189975" y="426750"/>
+            <a:ext cx="386100" cy="386100"/>
+          </a:xfrm>
+          <a:prstGeom prst="ellipse">
             <a:avLst/>
           </a:prstGeom>
           <a:noFill/>
-          <a:ln cap="flat" cmpd="sng" w="9525">
+          <a:ln cap="flat" cmpd="sng" w="38100">
             <a:solidFill>
-              <a:srgbClr val="000000"/>
+              <a:srgbClr val="FF0000"/>
             </a:solidFill>
             <a:prstDash val="solid"/>
             <a:round/>
@@ -14287,7 +14208,7 @@
           </a:ln>
         </p:spPr>
         <p:txBody>
-          <a:bodyPr anchorCtr="0" anchor="t" bIns="91425" lIns="91425" spcFirstLastPara="1" rIns="91425" wrap="square" tIns="91425">
+          <a:bodyPr anchorCtr="0" anchor="ctr" bIns="91425" lIns="91425" spcFirstLastPara="1" rIns="91425" wrap="square" tIns="91425">
             <a:noAutofit/>
           </a:bodyPr>
           <a:lstStyle/>
@@ -14302,10 +14223,9 @@
               <a:buNone/>
             </a:pPr>
             <a:r>
-              <a:rPr lang="cs" sz="2200"/>
-              <a:t>What about the odd numbers between 10 and 14?</a:t>
+              <a:t/>
             </a:r>
-            <a:endParaRPr sz="2200"/>
+            <a:endParaRPr/>
           </a:p>
         </p:txBody>
       </p:sp>
@@ -14350,8 +14270,8 @@
         </p:blipFill>
         <p:spPr>
           <a:xfrm>
-            <a:off x="833438" y="0"/>
-            <a:ext cx="7477125" cy="1400175"/>
+            <a:off x="3138475" y="4029075"/>
+            <a:ext cx="2867025" cy="2828925"/>
           </a:xfrm>
           <a:prstGeom prst="rect">
             <a:avLst/>
@@ -14362,52 +14282,24 @@
           </a:ln>
         </p:spPr>
       </p:pic>
-      <p:pic>
-        <p:nvPicPr>
+      <p:sp>
+        <p:nvSpPr>
           <p:cNvPr id="304" name="Google Shape;304;p50"/>
-          <p:cNvPicPr preferRelativeResize="0"/>
+          <p:cNvSpPr txBox="1"/>
           <p:nvPr/>
-        </p:nvPicPr>
-        <p:blipFill>
-          <a:blip r:embed="rId4">
-            <a:alphaModFix/>
-          </a:blip>
-          <a:stretch>
-            <a:fillRect/>
-          </a:stretch>
-        </p:blipFill>
-        <p:spPr>
-          <a:xfrm>
-            <a:off x="1604963" y="4398550"/>
-            <a:ext cx="5934075" cy="2409825"/>
+        </p:nvSpPr>
+        <p:spPr>
+          <a:xfrm>
+            <a:off x="1994875" y="1158325"/>
+            <a:ext cx="4586400" cy="729300"/>
           </a:xfrm>
           <a:prstGeom prst="rect">
             <a:avLst/>
           </a:prstGeom>
           <a:noFill/>
-          <a:ln>
-            <a:noFill/>
-          </a:ln>
-        </p:spPr>
-      </p:pic>
-      <p:sp>
-        <p:nvSpPr>
-          <p:cNvPr id="305" name="Google Shape;305;p50"/>
-          <p:cNvSpPr/>
-          <p:nvPr/>
-        </p:nvSpPr>
-        <p:spPr>
-          <a:xfrm>
-            <a:off x="3189975" y="426750"/>
-            <a:ext cx="386100" cy="386100"/>
-          </a:xfrm>
-          <a:prstGeom prst="ellipse">
-            <a:avLst/>
-          </a:prstGeom>
-          <a:noFill/>
-          <a:ln cap="flat" cmpd="sng" w="38100">
+          <a:ln cap="flat" cmpd="sng" w="9525">
             <a:solidFill>
-              <a:srgbClr val="FF0000"/>
+              <a:srgbClr val="000000"/>
             </a:solidFill>
             <a:prstDash val="solid"/>
             <a:round/>
@@ -14416,7 +14308,7 @@
           </a:ln>
         </p:spPr>
         <p:txBody>
-          <a:bodyPr anchorCtr="0" anchor="ctr" bIns="91425" lIns="91425" spcFirstLastPara="1" rIns="91425" wrap="square" tIns="91425">
+          <a:bodyPr anchorCtr="0" anchor="t" bIns="91425" lIns="91425" spcFirstLastPara="1" rIns="91425" wrap="square" tIns="91425">
             <a:noAutofit/>
           </a:bodyPr>
           <a:lstStyle/>
@@ -14431,9 +14323,10 @@
               <a:buNone/>
             </a:pPr>
             <a:r>
-              <a:t/>
+              <a:rPr lang="cs" sz="3000"/>
+              <a:t>How to do a countdown?</a:t>
             </a:r>
-            <a:endParaRPr/>
+            <a:endParaRPr sz="3000"/>
           </a:p>
         </p:txBody>
       </p:sp>
@@ -14450,7 +14343,7 @@
   <p:cSld>
     <p:spTree>
       <p:nvGrpSpPr>
-        <p:cNvPr id="309" name="Shape 309"/>
+        <p:cNvPr id="308" name="Shape 308"/>
         <p:cNvGrpSpPr/>
         <p:nvPr/>
       </p:nvGrpSpPr>
@@ -14464,7 +14357,7 @@
       </p:grpSpPr>
       <p:pic>
         <p:nvPicPr>
-          <p:cNvPr id="310" name="Google Shape;310;p51"/>
+          <p:cNvPr id="309" name="Google Shape;309;p51"/>
           <p:cNvPicPr preferRelativeResize="0"/>
           <p:nvPr/>
         </p:nvPicPr>
@@ -14490,24 +14383,52 @@
           </a:ln>
         </p:spPr>
       </p:pic>
+      <p:pic>
+        <p:nvPicPr>
+          <p:cNvPr id="310" name="Google Shape;310;p51"/>
+          <p:cNvPicPr preferRelativeResize="0"/>
+          <p:nvPr/>
+        </p:nvPicPr>
+        <p:blipFill>
+          <a:blip r:embed="rId4">
+            <a:alphaModFix/>
+          </a:blip>
+          <a:stretch>
+            <a:fillRect/>
+          </a:stretch>
+        </p:blipFill>
+        <p:spPr>
+          <a:xfrm>
+            <a:off x="1576388" y="0"/>
+            <a:ext cx="5991225" cy="1647825"/>
+          </a:xfrm>
+          <a:prstGeom prst="rect">
+            <a:avLst/>
+          </a:prstGeom>
+          <a:noFill/>
+          <a:ln>
+            <a:noFill/>
+          </a:ln>
+        </p:spPr>
+      </p:pic>
       <p:sp>
         <p:nvSpPr>
           <p:cNvPr id="311" name="Google Shape;311;p51"/>
-          <p:cNvSpPr txBox="1"/>
+          <p:cNvSpPr/>
           <p:nvPr/>
         </p:nvSpPr>
         <p:spPr>
           <a:xfrm>
-            <a:off x="1994875" y="1158325"/>
-            <a:ext cx="4586400" cy="729300"/>
-          </a:xfrm>
-          <a:prstGeom prst="rect">
+            <a:off x="5433088" y="371600"/>
+            <a:ext cx="386100" cy="386100"/>
+          </a:xfrm>
+          <a:prstGeom prst="ellipse">
             <a:avLst/>
           </a:prstGeom>
           <a:noFill/>
-          <a:ln cap="flat" cmpd="sng" w="9525">
+          <a:ln cap="flat" cmpd="sng" w="38100">
             <a:solidFill>
-              <a:srgbClr val="000000"/>
+              <a:srgbClr val="FF0000"/>
             </a:solidFill>
             <a:prstDash val="solid"/>
             <a:round/>
@@ -14516,7 +14437,7 @@
           </a:ln>
         </p:spPr>
         <p:txBody>
-          <a:bodyPr anchorCtr="0" anchor="t" bIns="91425" lIns="91425" spcFirstLastPara="1" rIns="91425" wrap="square" tIns="91425">
+          <a:bodyPr anchorCtr="0" anchor="ctr" bIns="91425" lIns="91425" spcFirstLastPara="1" rIns="91425" wrap="square" tIns="91425">
             <a:noAutofit/>
           </a:bodyPr>
           <a:lstStyle/>
@@ -14531,10 +14452,9 @@
               <a:buNone/>
             </a:pPr>
             <a:r>
-              <a:rPr lang="cs" sz="3000"/>
-              <a:t>How to do a countdown?</a:t>
+              <a:t/>
             </a:r>
-            <a:endParaRPr sz="3000"/>
+            <a:endParaRPr/>
           </a:p>
         </p:txBody>
       </p:sp>
@@ -14599,8 +14519,8 @@
         </p:nvSpPr>
         <p:spPr>
           <a:xfrm>
-            <a:off x="1686175" y="125825"/>
-            <a:ext cx="969000" cy="327300"/>
+            <a:off x="3070350" y="2894200"/>
+            <a:ext cx="465600" cy="327300"/>
           </a:xfrm>
           <a:prstGeom prst="roundRect">
             <a:avLst>
@@ -14648,8 +14568,8 @@
         </p:nvSpPr>
         <p:spPr>
           <a:xfrm>
-            <a:off x="3537325" y="3265350"/>
-            <a:ext cx="969000" cy="327300"/>
+            <a:off x="3638025" y="4984475"/>
+            <a:ext cx="465600" cy="327300"/>
           </a:xfrm>
           <a:prstGeom prst="roundRect">
             <a:avLst>
@@ -14730,8 +14650,8 @@
         </p:blipFill>
         <p:spPr>
           <a:xfrm>
-            <a:off x="3138475" y="4029075"/>
-            <a:ext cx="2867025" cy="2828925"/>
+            <a:off x="3148013" y="3009900"/>
+            <a:ext cx="2847975" cy="838200"/>
           </a:xfrm>
           <a:prstGeom prst="rect">
             <a:avLst/>
@@ -14742,9 +14662,145 @@
           </a:ln>
         </p:spPr>
       </p:pic>
+      <p:sp>
+        <p:nvSpPr>
+          <p:cNvPr id="317" name="Google Shape;317;p52"/>
+          <p:cNvSpPr txBox="1"/>
+          <p:nvPr/>
+        </p:nvSpPr>
+        <p:spPr>
+          <a:xfrm>
+            <a:off x="3861075" y="4467800"/>
+            <a:ext cx="2914200" cy="928500"/>
+          </a:xfrm>
+          <a:prstGeom prst="rect">
+            <a:avLst/>
+          </a:prstGeom>
+          <a:noFill/>
+          <a:ln>
+            <a:noFill/>
+          </a:ln>
+        </p:spPr>
+        <p:txBody>
+          <a:bodyPr anchorCtr="0" anchor="t" bIns="91425" lIns="91425" spcFirstLastPara="1" rIns="91425" wrap="square" tIns="91425">
+            <a:noAutofit/>
+          </a:bodyPr>
+          <a:lstStyle/>
+          <a:p>
+            <a:pPr indent="0" lvl="0" marL="0" rtl="0" algn="l">
+              <a:spcBef>
+                <a:spcPts val="0"/>
+              </a:spcBef>
+              <a:spcAft>
+                <a:spcPts val="0"/>
+              </a:spcAft>
+              <a:buNone/>
+            </a:pPr>
+            <a:r>
+              <a:rPr lang="cs" sz="2600"/>
+              <a:t>i = 0, 1, 2, …, N−1</a:t>
+            </a:r>
+            <a:endParaRPr sz="2600"/>
+          </a:p>
+        </p:txBody>
+      </p:sp>
+      <p:sp>
+        <p:nvSpPr>
+          <p:cNvPr id="318" name="Google Shape;318;p52"/>
+          <p:cNvSpPr/>
+          <p:nvPr/>
+        </p:nvSpPr>
+        <p:spPr>
+          <a:xfrm>
+            <a:off x="4357500" y="4614900"/>
+            <a:ext cx="303300" cy="303300"/>
+          </a:xfrm>
+          <a:prstGeom prst="ellipse">
+            <a:avLst/>
+          </a:prstGeom>
+          <a:noFill/>
+          <a:ln cap="flat" cmpd="sng" w="19050">
+            <a:solidFill>
+              <a:srgbClr val="FF0000"/>
+            </a:solidFill>
+            <a:prstDash val="solid"/>
+            <a:round/>
+            <a:headEnd len="sm" w="sm" type="none"/>
+            <a:tailEnd len="sm" w="sm" type="none"/>
+          </a:ln>
+        </p:spPr>
+        <p:txBody>
+          <a:bodyPr anchorCtr="0" anchor="ctr" bIns="91425" lIns="91425" spcFirstLastPara="1" rIns="91425" wrap="square" tIns="91425">
+            <a:noAutofit/>
+          </a:bodyPr>
+          <a:lstStyle/>
+          <a:p>
+            <a:pPr indent="0" lvl="0" marL="0" rtl="0" algn="l">
+              <a:spcBef>
+                <a:spcPts val="0"/>
+              </a:spcBef>
+              <a:spcAft>
+                <a:spcPts val="0"/>
+              </a:spcAft>
+              <a:buNone/>
+            </a:pPr>
+            <a:r>
+              <a:t/>
+            </a:r>
+            <a:endParaRPr/>
+          </a:p>
+        </p:txBody>
+      </p:sp>
+      <p:sp>
+        <p:nvSpPr>
+          <p:cNvPr id="319" name="Google Shape;319;p52"/>
+          <p:cNvSpPr/>
+          <p:nvPr/>
+        </p:nvSpPr>
+        <p:spPr>
+          <a:xfrm>
+            <a:off x="5888875" y="4614900"/>
+            <a:ext cx="886500" cy="303300"/>
+          </a:xfrm>
+          <a:prstGeom prst="ellipse">
+            <a:avLst/>
+          </a:prstGeom>
+          <a:noFill/>
+          <a:ln cap="flat" cmpd="sng" w="19050">
+            <a:solidFill>
+              <a:srgbClr val="FF0000"/>
+            </a:solidFill>
+            <a:prstDash val="solid"/>
+            <a:round/>
+            <a:headEnd len="sm" w="sm" type="none"/>
+            <a:tailEnd len="sm" w="sm" type="none"/>
+          </a:ln>
+        </p:spPr>
+        <p:txBody>
+          <a:bodyPr anchorCtr="0" anchor="ctr" bIns="91425" lIns="91425" spcFirstLastPara="1" rIns="91425" wrap="square" tIns="91425">
+            <a:noAutofit/>
+          </a:bodyPr>
+          <a:lstStyle/>
+          <a:p>
+            <a:pPr indent="0" lvl="0" marL="0" rtl="0" algn="l">
+              <a:spcBef>
+                <a:spcPts val="0"/>
+              </a:spcBef>
+              <a:spcAft>
+                <a:spcPts val="0"/>
+              </a:spcAft>
+              <a:buNone/>
+            </a:pPr>
+            <a:r>
+              <a:t/>
+            </a:r>
+            <a:endParaRPr/>
+          </a:p>
+        </p:txBody>
+      </p:sp>
       <p:pic>
         <p:nvPicPr>
-          <p:cNvPr id="317" name="Google Shape;317;p52"/>
+          <p:cNvPr descr="i \in \mathbb{N}_0 \land i \in \left&lt;0; N\right)" id="320" name="Google Shape;320;p52" title="MathEquation,#000000"/>
           <p:cNvPicPr preferRelativeResize="0"/>
           <p:nvPr/>
         </p:nvPicPr>
@@ -14758,8 +14814,8 @@
         </p:blipFill>
         <p:spPr>
           <a:xfrm>
-            <a:off x="1576388" y="0"/>
-            <a:ext cx="5991225" cy="1647825"/>
+            <a:off x="3916250" y="5188149"/>
+            <a:ext cx="2691966" cy="393700"/>
           </a:xfrm>
           <a:prstGeom prst="rect">
             <a:avLst/>
@@ -14770,53 +14826,6 @@
           </a:ln>
         </p:spPr>
       </p:pic>
-      <p:sp>
-        <p:nvSpPr>
-          <p:cNvPr id="318" name="Google Shape;318;p52"/>
-          <p:cNvSpPr/>
-          <p:nvPr/>
-        </p:nvSpPr>
-        <p:spPr>
-          <a:xfrm>
-            <a:off x="5433088" y="371600"/>
-            <a:ext cx="386100" cy="386100"/>
-          </a:xfrm>
-          <a:prstGeom prst="ellipse">
-            <a:avLst/>
-          </a:prstGeom>
-          <a:noFill/>
-          <a:ln cap="flat" cmpd="sng" w="38100">
-            <a:solidFill>
-              <a:srgbClr val="FF0000"/>
-            </a:solidFill>
-            <a:prstDash val="solid"/>
-            <a:round/>
-            <a:headEnd len="sm" w="sm" type="none"/>
-            <a:tailEnd len="sm" w="sm" type="none"/>
-          </a:ln>
-        </p:spPr>
-        <p:txBody>
-          <a:bodyPr anchorCtr="0" anchor="ctr" bIns="91425" lIns="91425" spcFirstLastPara="1" rIns="91425" wrap="square" tIns="91425">
-            <a:noAutofit/>
-          </a:bodyPr>
-          <a:lstStyle/>
-          <a:p>
-            <a:pPr indent="0" lvl="0" marL="0" rtl="0" algn="l">
-              <a:spcBef>
-                <a:spcPts val="0"/>
-              </a:spcBef>
-              <a:spcAft>
-                <a:spcPts val="0"/>
-              </a:spcAft>
-              <a:buNone/>
-            </a:pPr>
-            <a:r>
-              <a:t/>
-            </a:r>
-            <a:endParaRPr/>
-          </a:p>
-        </p:txBody>
-      </p:sp>
     </p:spTree>
   </p:cSld>
   <p:clrMapOvr>
@@ -14830,7 +14839,7 @@
   <p:cSld>
     <p:spTree>
       <p:nvGrpSpPr>
-        <p:cNvPr id="322" name="Shape 322"/>
+        <p:cNvPr id="324" name="Shape 324"/>
         <p:cNvGrpSpPr/>
         <p:nvPr/>
       </p:nvGrpSpPr>
@@ -14844,7 +14853,7 @@
       </p:grpSpPr>
       <p:pic>
         <p:nvPicPr>
-          <p:cNvPr id="323" name="Google Shape;323;p53"/>
+          <p:cNvPr id="325" name="Google Shape;325;p53"/>
           <p:cNvPicPr preferRelativeResize="0"/>
           <p:nvPr/>
         </p:nvPicPr>
@@ -14858,8 +14867,8 @@
         </p:blipFill>
         <p:spPr>
           <a:xfrm>
-            <a:off x="3148013" y="3009900"/>
-            <a:ext cx="2847975" cy="838200"/>
+            <a:off x="2890838" y="2981325"/>
+            <a:ext cx="3362325" cy="895350"/>
           </a:xfrm>
           <a:prstGeom prst="rect">
             <a:avLst/>
@@ -14872,14 +14881,14 @@
       </p:pic>
       <p:sp>
         <p:nvSpPr>
-          <p:cNvPr id="324" name="Google Shape;324;p53"/>
+          <p:cNvPr id="326" name="Google Shape;326;p53"/>
           <p:cNvSpPr txBox="1"/>
           <p:nvPr/>
         </p:nvSpPr>
         <p:spPr>
           <a:xfrm>
             <a:off x="3861075" y="4467800"/>
-            <a:ext cx="2914200" cy="928500"/>
+            <a:ext cx="4403400" cy="928500"/>
           </a:xfrm>
           <a:prstGeom prst="rect">
             <a:avLst/>
@@ -14906,109 +14915,15 @@
             </a:pPr>
             <a:r>
               <a:rPr lang="cs" sz="2600"/>
-              <a:t>i = 0, 1, 2, …, N−1</a:t>
+              <a:t>i = M, M+1, M+2, …, N−1</a:t>
             </a:r>
             <a:endParaRPr sz="2600"/>
           </a:p>
         </p:txBody>
       </p:sp>
-      <p:sp>
-        <p:nvSpPr>
-          <p:cNvPr id="325" name="Google Shape;325;p53"/>
-          <p:cNvSpPr/>
-          <p:nvPr/>
-        </p:nvSpPr>
-        <p:spPr>
-          <a:xfrm>
-            <a:off x="4357500" y="4614900"/>
-            <a:ext cx="303300" cy="303300"/>
-          </a:xfrm>
-          <a:prstGeom prst="ellipse">
-            <a:avLst/>
-          </a:prstGeom>
-          <a:noFill/>
-          <a:ln cap="flat" cmpd="sng" w="19050">
-            <a:solidFill>
-              <a:srgbClr val="FF0000"/>
-            </a:solidFill>
-            <a:prstDash val="solid"/>
-            <a:round/>
-            <a:headEnd len="sm" w="sm" type="none"/>
-            <a:tailEnd len="sm" w="sm" type="none"/>
-          </a:ln>
-        </p:spPr>
-        <p:txBody>
-          <a:bodyPr anchorCtr="0" anchor="ctr" bIns="91425" lIns="91425" spcFirstLastPara="1" rIns="91425" wrap="square" tIns="91425">
-            <a:noAutofit/>
-          </a:bodyPr>
-          <a:lstStyle/>
-          <a:p>
-            <a:pPr indent="0" lvl="0" marL="0" rtl="0" algn="l">
-              <a:spcBef>
-                <a:spcPts val="0"/>
-              </a:spcBef>
-              <a:spcAft>
-                <a:spcPts val="0"/>
-              </a:spcAft>
-              <a:buNone/>
-            </a:pPr>
-            <a:r>
-              <a:t/>
-            </a:r>
-            <a:endParaRPr/>
-          </a:p>
-        </p:txBody>
-      </p:sp>
-      <p:sp>
-        <p:nvSpPr>
-          <p:cNvPr id="326" name="Google Shape;326;p53"/>
-          <p:cNvSpPr/>
-          <p:nvPr/>
-        </p:nvSpPr>
-        <p:spPr>
-          <a:xfrm>
-            <a:off x="5888875" y="4614900"/>
-            <a:ext cx="886500" cy="303300"/>
-          </a:xfrm>
-          <a:prstGeom prst="ellipse">
-            <a:avLst/>
-          </a:prstGeom>
-          <a:noFill/>
-          <a:ln cap="flat" cmpd="sng" w="19050">
-            <a:solidFill>
-              <a:srgbClr val="FF0000"/>
-            </a:solidFill>
-            <a:prstDash val="solid"/>
-            <a:round/>
-            <a:headEnd len="sm" w="sm" type="none"/>
-            <a:tailEnd len="sm" w="sm" type="none"/>
-          </a:ln>
-        </p:spPr>
-        <p:txBody>
-          <a:bodyPr anchorCtr="0" anchor="ctr" bIns="91425" lIns="91425" spcFirstLastPara="1" rIns="91425" wrap="square" tIns="91425">
-            <a:noAutofit/>
-          </a:bodyPr>
-          <a:lstStyle/>
-          <a:p>
-            <a:pPr indent="0" lvl="0" marL="0" rtl="0" algn="l">
-              <a:spcBef>
-                <a:spcPts val="0"/>
-              </a:spcBef>
-              <a:spcAft>
-                <a:spcPts val="0"/>
-              </a:spcAft>
-              <a:buNone/>
-            </a:pPr>
-            <a:r>
-              <a:t/>
-            </a:r>
-            <a:endParaRPr/>
-          </a:p>
-        </p:txBody>
-      </p:sp>
       <p:pic>
         <p:nvPicPr>
-          <p:cNvPr descr="i \in \mathbb{N}_0 \land i \in \left&lt;0; N\right)" id="327" name="Google Shape;327;p53" title="MathEquation,#000000"/>
+          <p:cNvPr descr="i \in \mathbb{Z} \land i \in \left&lt;M; N\right)" id="327" name="Google Shape;327;p53" title="MathEquation,#000000"/>
           <p:cNvPicPr preferRelativeResize="0"/>
           <p:nvPr/>
         </p:nvPicPr>
@@ -15022,8 +14937,8 @@
         </p:blipFill>
         <p:spPr>
           <a:xfrm>
-            <a:off x="3916250" y="5188149"/>
-            <a:ext cx="2691966" cy="393700"/>
+            <a:off x="3973571" y="5144978"/>
+            <a:ext cx="3503448" cy="508000"/>
           </a:xfrm>
           <a:prstGeom prst="rect">
             <a:avLst/>
@@ -15075,8 +14990,8 @@
         </p:blipFill>
         <p:spPr>
           <a:xfrm>
-            <a:off x="2890838" y="2981325"/>
-            <a:ext cx="3362325" cy="895350"/>
+            <a:off x="2671763" y="2962275"/>
+            <a:ext cx="3800475" cy="933450"/>
           </a:xfrm>
           <a:prstGeom prst="rect">
             <a:avLst/>
@@ -15090,129 +15005,6 @@
       <p:sp>
         <p:nvSpPr>
           <p:cNvPr id="333" name="Google Shape;333;p54"/>
-          <p:cNvSpPr txBox="1"/>
-          <p:nvPr/>
-        </p:nvSpPr>
-        <p:spPr>
-          <a:xfrm>
-            <a:off x="3861075" y="4467800"/>
-            <a:ext cx="4403400" cy="928500"/>
-          </a:xfrm>
-          <a:prstGeom prst="rect">
-            <a:avLst/>
-          </a:prstGeom>
-          <a:noFill/>
-          <a:ln>
-            <a:noFill/>
-          </a:ln>
-        </p:spPr>
-        <p:txBody>
-          <a:bodyPr anchorCtr="0" anchor="t" bIns="91425" lIns="91425" spcFirstLastPara="1" rIns="91425" wrap="square" tIns="91425">
-            <a:noAutofit/>
-          </a:bodyPr>
-          <a:lstStyle/>
-          <a:p>
-            <a:pPr indent="0" lvl="0" marL="0" rtl="0" algn="l">
-              <a:spcBef>
-                <a:spcPts val="0"/>
-              </a:spcBef>
-              <a:spcAft>
-                <a:spcPts val="0"/>
-              </a:spcAft>
-              <a:buNone/>
-            </a:pPr>
-            <a:r>
-              <a:rPr lang="cs" sz="2600"/>
-              <a:t>i = M, M+1, M+2, …, N−1</a:t>
-            </a:r>
-            <a:endParaRPr sz="2600"/>
-          </a:p>
-        </p:txBody>
-      </p:sp>
-      <p:pic>
-        <p:nvPicPr>
-          <p:cNvPr descr="i \in \mathbb{Z} \land i \in \left&lt;M; N\right)" id="334" name="Google Shape;334;p54" title="MathEquation,#000000"/>
-          <p:cNvPicPr preferRelativeResize="0"/>
-          <p:nvPr/>
-        </p:nvPicPr>
-        <p:blipFill>
-          <a:blip r:embed="rId4">
-            <a:alphaModFix/>
-          </a:blip>
-          <a:stretch>
-            <a:fillRect/>
-          </a:stretch>
-        </p:blipFill>
-        <p:spPr>
-          <a:xfrm>
-            <a:off x="3973571" y="5144978"/>
-            <a:ext cx="3503448" cy="508000"/>
-          </a:xfrm>
-          <a:prstGeom prst="rect">
-            <a:avLst/>
-          </a:prstGeom>
-          <a:noFill/>
-          <a:ln>
-            <a:noFill/>
-          </a:ln>
-        </p:spPr>
-      </p:pic>
-    </p:spTree>
-  </p:cSld>
-  <p:clrMapOvr>
-    <a:masterClrMapping/>
-  </p:clrMapOvr>
-</p:sld>
-</file>
-
-<file path=ppt/slides/slide43.xml><?xml version="1.0" encoding="utf-8"?>
-<p:sld xmlns:a="http://schemas.openxmlformats.org/drawingml/2006/main" xmlns:r="http://schemas.openxmlformats.org/officeDocument/2006/relationships" xmlns:mc="http://schemas.openxmlformats.org/markup-compatibility/2006" xmlns:mv="urn:schemas-microsoft-com:mac:vml" xmlns:p="http://schemas.openxmlformats.org/presentationml/2006/main" xmlns:c="http://schemas.openxmlformats.org/drawingml/2006/chart" xmlns:dgm="http://schemas.openxmlformats.org/drawingml/2006/diagram" xmlns:o="urn:schemas-microsoft-com:office:office" xmlns:v="urn:schemas-microsoft-com:vml" xmlns:pvml="urn:schemas-microsoft-com:office:powerpoint" xmlns:com="http://schemas.openxmlformats.org/drawingml/2006/compatibility" xmlns:p14="http://schemas.microsoft.com/office/powerpoint/2010/main" xmlns:p15="http://schemas.microsoft.com/office/powerpoint/2012/main" xmlns:ahyp="http://schemas.microsoft.com/office/drawing/2018/hyperlinkcolor">
-  <p:cSld>
-    <p:spTree>
-      <p:nvGrpSpPr>
-        <p:cNvPr id="338" name="Shape 338"/>
-        <p:cNvGrpSpPr/>
-        <p:nvPr/>
-      </p:nvGrpSpPr>
-      <p:grpSpPr>
-        <a:xfrm>
-          <a:off x="0" y="0"/>
-          <a:ext cx="0" cy="0"/>
-          <a:chOff x="0" y="0"/>
-          <a:chExt cx="0" cy="0"/>
-        </a:xfrm>
-      </p:grpSpPr>
-      <p:pic>
-        <p:nvPicPr>
-          <p:cNvPr id="339" name="Google Shape;339;p55"/>
-          <p:cNvPicPr preferRelativeResize="0"/>
-          <p:nvPr/>
-        </p:nvPicPr>
-        <p:blipFill>
-          <a:blip r:embed="rId3">
-            <a:alphaModFix/>
-          </a:blip>
-          <a:stretch>
-            <a:fillRect/>
-          </a:stretch>
-        </p:blipFill>
-        <p:spPr>
-          <a:xfrm>
-            <a:off x="2671763" y="2962275"/>
-            <a:ext cx="3800475" cy="933450"/>
-          </a:xfrm>
-          <a:prstGeom prst="rect">
-            <a:avLst/>
-          </a:prstGeom>
-          <a:noFill/>
-          <a:ln>
-            <a:noFill/>
-          </a:ln>
-        </p:spPr>
-      </p:pic>
-      <p:sp>
-        <p:nvSpPr>
-          <p:cNvPr id="340" name="Google Shape;340;p55"/>
           <p:cNvSpPr txBox="1"/>
           <p:nvPr/>
         </p:nvSpPr>
@@ -15276,12 +15068,12 @@
 </p:sld>
 </file>
 
-<file path=ppt/slides/slide44.xml><?xml version="1.0" encoding="utf-8"?>
+<file path=ppt/slides/slide43.xml><?xml version="1.0" encoding="utf-8"?>
 <p:sld xmlns:a="http://schemas.openxmlformats.org/drawingml/2006/main" xmlns:r="http://schemas.openxmlformats.org/officeDocument/2006/relationships" xmlns:mc="http://schemas.openxmlformats.org/markup-compatibility/2006" xmlns:mv="urn:schemas-microsoft-com:mac:vml" xmlns:p="http://schemas.openxmlformats.org/presentationml/2006/main" xmlns:c="http://schemas.openxmlformats.org/drawingml/2006/chart" xmlns:dgm="http://schemas.openxmlformats.org/drawingml/2006/diagram" xmlns:o="urn:schemas-microsoft-com:office:office" xmlns:v="urn:schemas-microsoft-com:vml" xmlns:pvml="urn:schemas-microsoft-com:office:powerpoint" xmlns:com="http://schemas.openxmlformats.org/drawingml/2006/compatibility" xmlns:p14="http://schemas.microsoft.com/office/powerpoint/2010/main" xmlns:p15="http://schemas.microsoft.com/office/powerpoint/2012/main" xmlns:ahyp="http://schemas.microsoft.com/office/drawing/2018/hyperlinkcolor">
   <p:cSld>
     <p:spTree>
       <p:nvGrpSpPr>
-        <p:cNvPr id="344" name="Shape 344"/>
+        <p:cNvPr id="337" name="Shape 337"/>
         <p:cNvGrpSpPr/>
         <p:nvPr/>
       </p:nvGrpSpPr>
@@ -15295,7 +15087,7 @@
       </p:grpSpPr>
       <p:pic>
         <p:nvPicPr>
-          <p:cNvPr id="345" name="Google Shape;345;p56"/>
+          <p:cNvPr id="338" name="Google Shape;338;p55"/>
           <p:cNvPicPr preferRelativeResize="0"/>
           <p:nvPr/>
         </p:nvPicPr>
@@ -15382,8 +15174,8 @@
         </p:nvSpPr>
         <p:spPr>
           <a:xfrm>
-            <a:off x="3070350" y="2894200"/>
-            <a:ext cx="465600" cy="327300"/>
+            <a:off x="2692850" y="3265350"/>
+            <a:ext cx="4165200" cy="327300"/>
           </a:xfrm>
           <a:prstGeom prst="roundRect">
             <a:avLst>
@@ -15431,8 +15223,8 @@
         </p:nvSpPr>
         <p:spPr>
           <a:xfrm>
-            <a:off x="3638025" y="4984475"/>
-            <a:ext cx="465600" cy="327300"/>
+            <a:off x="2895600" y="3971425"/>
+            <a:ext cx="4352400" cy="327300"/>
           </a:xfrm>
           <a:prstGeom prst="roundRect">
             <a:avLst>
@@ -15533,8 +15325,8 @@
         </p:nvSpPr>
         <p:spPr>
           <a:xfrm>
-            <a:off x="2692850" y="3265350"/>
-            <a:ext cx="4165200" cy="327300"/>
+            <a:off x="4467150" y="3265350"/>
+            <a:ext cx="616500" cy="327300"/>
           </a:xfrm>
           <a:prstGeom prst="roundRect">
             <a:avLst>
@@ -15582,8 +15374,8 @@
         </p:nvSpPr>
         <p:spPr>
           <a:xfrm>
-            <a:off x="2895600" y="3971425"/>
-            <a:ext cx="4352400" cy="327300"/>
+            <a:off x="5008225" y="3971425"/>
+            <a:ext cx="415200" cy="327300"/>
           </a:xfrm>
           <a:prstGeom prst="roundRect">
             <a:avLst>
@@ -15684,8 +15476,8 @@
         </p:nvSpPr>
         <p:spPr>
           <a:xfrm>
-            <a:off x="4467150" y="3265350"/>
-            <a:ext cx="616500" cy="327300"/>
+            <a:off x="3171050" y="3265350"/>
+            <a:ext cx="465600" cy="327300"/>
           </a:xfrm>
           <a:prstGeom prst="roundRect">
             <a:avLst>
@@ -15733,7 +15525,105 @@
         </p:nvSpPr>
         <p:spPr>
           <a:xfrm>
-            <a:off x="5008225" y="3971425"/>
+            <a:off x="3435275" y="3946250"/>
+            <a:ext cx="415200" cy="327300"/>
+          </a:xfrm>
+          <a:prstGeom prst="roundRect">
+            <a:avLst>
+              <a:gd fmla="val 16667" name="adj"/>
+            </a:avLst>
+          </a:prstGeom>
+          <a:noFill/>
+          <a:ln cap="flat" cmpd="sng" w="38100">
+            <a:solidFill>
+              <a:srgbClr val="FF9900"/>
+            </a:solidFill>
+            <a:prstDash val="solid"/>
+            <a:round/>
+            <a:headEnd len="sm" w="sm" type="none"/>
+            <a:tailEnd len="sm" w="sm" type="none"/>
+          </a:ln>
+        </p:spPr>
+        <p:txBody>
+          <a:bodyPr anchorCtr="0" anchor="ctr" bIns="91425" lIns="91425" spcFirstLastPara="1" rIns="91425" wrap="square" tIns="91425">
+            <a:noAutofit/>
+          </a:bodyPr>
+          <a:lstStyle/>
+          <a:p>
+            <a:pPr indent="0" lvl="0" marL="0" rtl="0" algn="l">
+              <a:spcBef>
+                <a:spcPts val="0"/>
+              </a:spcBef>
+              <a:spcAft>
+                <a:spcPts val="0"/>
+              </a:spcAft>
+              <a:buNone/>
+            </a:pPr>
+            <a:r>
+              <a:t/>
+            </a:r>
+            <a:endParaRPr/>
+          </a:p>
+        </p:txBody>
+      </p:sp>
+      <p:sp>
+        <p:nvSpPr>
+          <p:cNvPr id="95" name="Google Shape;95;p19"/>
+          <p:cNvSpPr/>
+          <p:nvPr/>
+        </p:nvSpPr>
+        <p:spPr>
+          <a:xfrm>
+            <a:off x="5940800" y="3946250"/>
+            <a:ext cx="415200" cy="327300"/>
+          </a:xfrm>
+          <a:prstGeom prst="roundRect">
+            <a:avLst>
+              <a:gd fmla="val 16667" name="adj"/>
+            </a:avLst>
+          </a:prstGeom>
+          <a:noFill/>
+          <a:ln cap="flat" cmpd="sng" w="38100">
+            <a:solidFill>
+              <a:srgbClr val="FF9900"/>
+            </a:solidFill>
+            <a:prstDash val="solid"/>
+            <a:round/>
+            <a:headEnd len="sm" w="sm" type="none"/>
+            <a:tailEnd len="sm" w="sm" type="none"/>
+          </a:ln>
+        </p:spPr>
+        <p:txBody>
+          <a:bodyPr anchorCtr="0" anchor="ctr" bIns="91425" lIns="91425" spcFirstLastPara="1" rIns="91425" wrap="square" tIns="91425">
+            <a:noAutofit/>
+          </a:bodyPr>
+          <a:lstStyle/>
+          <a:p>
+            <a:pPr indent="0" lvl="0" marL="0" rtl="0" algn="l">
+              <a:spcBef>
+                <a:spcPts val="0"/>
+              </a:spcBef>
+              <a:spcAft>
+                <a:spcPts val="0"/>
+              </a:spcAft>
+              <a:buNone/>
+            </a:pPr>
+            <a:r>
+              <a:t/>
+            </a:r>
+            <a:endParaRPr/>
+          </a:p>
+        </p:txBody>
+      </p:sp>
+      <p:sp>
+        <p:nvSpPr>
+          <p:cNvPr id="96" name="Google Shape;96;p19"/>
+          <p:cNvSpPr/>
+          <p:nvPr/>
+        </p:nvSpPr>
+        <p:spPr>
+          <a:xfrm>
+            <a:off x="5602450" y="3265350"/>
             <a:ext cx="415200" cy="327300"/>
           </a:xfrm>
           <a:prstGeom prst="roundRect">
@@ -15787,256 +15677,7 @@
   <p:cSld>
     <p:spTree>
       <p:nvGrpSpPr>
-        <p:cNvPr id="98" name="Shape 98"/>
-        <p:cNvGrpSpPr/>
-        <p:nvPr/>
-      </p:nvGrpSpPr>
-      <p:grpSpPr>
-        <a:xfrm>
-          <a:off x="0" y="0"/>
-          <a:ext cx="0" cy="0"/>
-          <a:chOff x="0" y="0"/>
-          <a:chExt cx="0" cy="0"/>
-        </a:xfrm>
-      </p:grpSpPr>
-      <p:pic>
-        <p:nvPicPr>
-          <p:cNvPr id="99" name="Google Shape;99;p20"/>
-          <p:cNvPicPr preferRelativeResize="0"/>
-          <p:nvPr/>
-        </p:nvPicPr>
-        <p:blipFill>
-          <a:blip r:embed="rId3">
-            <a:alphaModFix/>
-          </a:blip>
-          <a:stretch>
-            <a:fillRect/>
-          </a:stretch>
-        </p:blipFill>
-        <p:spPr>
-          <a:xfrm>
-            <a:off x="1759338" y="152400"/>
-            <a:ext cx="5625313" cy="6553200"/>
-          </a:xfrm>
-          <a:prstGeom prst="rect">
-            <a:avLst/>
-          </a:prstGeom>
-          <a:noFill/>
-          <a:ln>
-            <a:noFill/>
-          </a:ln>
-        </p:spPr>
-      </p:pic>
-      <p:sp>
-        <p:nvSpPr>
-          <p:cNvPr id="100" name="Google Shape;100;p20"/>
-          <p:cNvSpPr/>
-          <p:nvPr/>
-        </p:nvSpPr>
-        <p:spPr>
-          <a:xfrm>
-            <a:off x="3171050" y="3265350"/>
-            <a:ext cx="465600" cy="327300"/>
-          </a:xfrm>
-          <a:prstGeom prst="roundRect">
-            <a:avLst>
-              <a:gd fmla="val 16667" name="adj"/>
-            </a:avLst>
-          </a:prstGeom>
-          <a:noFill/>
-          <a:ln cap="flat" cmpd="sng" w="38100">
-            <a:solidFill>
-              <a:srgbClr val="FF9900"/>
-            </a:solidFill>
-            <a:prstDash val="solid"/>
-            <a:round/>
-            <a:headEnd len="sm" w="sm" type="none"/>
-            <a:tailEnd len="sm" w="sm" type="none"/>
-          </a:ln>
-        </p:spPr>
-        <p:txBody>
-          <a:bodyPr anchorCtr="0" anchor="ctr" bIns="91425" lIns="91425" spcFirstLastPara="1" rIns="91425" wrap="square" tIns="91425">
-            <a:noAutofit/>
-          </a:bodyPr>
-          <a:lstStyle/>
-          <a:p>
-            <a:pPr indent="0" lvl="0" marL="0" rtl="0" algn="l">
-              <a:spcBef>
-                <a:spcPts val="0"/>
-              </a:spcBef>
-              <a:spcAft>
-                <a:spcPts val="0"/>
-              </a:spcAft>
-              <a:buNone/>
-            </a:pPr>
-            <a:r>
-              <a:t/>
-            </a:r>
-            <a:endParaRPr/>
-          </a:p>
-        </p:txBody>
-      </p:sp>
-      <p:sp>
-        <p:nvSpPr>
-          <p:cNvPr id="101" name="Google Shape;101;p20"/>
-          <p:cNvSpPr/>
-          <p:nvPr/>
-        </p:nvSpPr>
-        <p:spPr>
-          <a:xfrm>
-            <a:off x="3435275" y="3946250"/>
-            <a:ext cx="415200" cy="327300"/>
-          </a:xfrm>
-          <a:prstGeom prst="roundRect">
-            <a:avLst>
-              <a:gd fmla="val 16667" name="adj"/>
-            </a:avLst>
-          </a:prstGeom>
-          <a:noFill/>
-          <a:ln cap="flat" cmpd="sng" w="38100">
-            <a:solidFill>
-              <a:srgbClr val="FF9900"/>
-            </a:solidFill>
-            <a:prstDash val="solid"/>
-            <a:round/>
-            <a:headEnd len="sm" w="sm" type="none"/>
-            <a:tailEnd len="sm" w="sm" type="none"/>
-          </a:ln>
-        </p:spPr>
-        <p:txBody>
-          <a:bodyPr anchorCtr="0" anchor="ctr" bIns="91425" lIns="91425" spcFirstLastPara="1" rIns="91425" wrap="square" tIns="91425">
-            <a:noAutofit/>
-          </a:bodyPr>
-          <a:lstStyle/>
-          <a:p>
-            <a:pPr indent="0" lvl="0" marL="0" rtl="0" algn="l">
-              <a:spcBef>
-                <a:spcPts val="0"/>
-              </a:spcBef>
-              <a:spcAft>
-                <a:spcPts val="0"/>
-              </a:spcAft>
-              <a:buNone/>
-            </a:pPr>
-            <a:r>
-              <a:t/>
-            </a:r>
-            <a:endParaRPr/>
-          </a:p>
-        </p:txBody>
-      </p:sp>
-      <p:sp>
-        <p:nvSpPr>
-          <p:cNvPr id="102" name="Google Shape;102;p20"/>
-          <p:cNvSpPr/>
-          <p:nvPr/>
-        </p:nvSpPr>
-        <p:spPr>
-          <a:xfrm>
-            <a:off x="5940800" y="3946250"/>
-            <a:ext cx="415200" cy="327300"/>
-          </a:xfrm>
-          <a:prstGeom prst="roundRect">
-            <a:avLst>
-              <a:gd fmla="val 16667" name="adj"/>
-            </a:avLst>
-          </a:prstGeom>
-          <a:noFill/>
-          <a:ln cap="flat" cmpd="sng" w="38100">
-            <a:solidFill>
-              <a:srgbClr val="FF9900"/>
-            </a:solidFill>
-            <a:prstDash val="solid"/>
-            <a:round/>
-            <a:headEnd len="sm" w="sm" type="none"/>
-            <a:tailEnd len="sm" w="sm" type="none"/>
-          </a:ln>
-        </p:spPr>
-        <p:txBody>
-          <a:bodyPr anchorCtr="0" anchor="ctr" bIns="91425" lIns="91425" spcFirstLastPara="1" rIns="91425" wrap="square" tIns="91425">
-            <a:noAutofit/>
-          </a:bodyPr>
-          <a:lstStyle/>
-          <a:p>
-            <a:pPr indent="0" lvl="0" marL="0" rtl="0" algn="l">
-              <a:spcBef>
-                <a:spcPts val="0"/>
-              </a:spcBef>
-              <a:spcAft>
-                <a:spcPts val="0"/>
-              </a:spcAft>
-              <a:buNone/>
-            </a:pPr>
-            <a:r>
-              <a:t/>
-            </a:r>
-            <a:endParaRPr/>
-          </a:p>
-        </p:txBody>
-      </p:sp>
-      <p:sp>
-        <p:nvSpPr>
-          <p:cNvPr id="103" name="Google Shape;103;p20"/>
-          <p:cNvSpPr/>
-          <p:nvPr/>
-        </p:nvSpPr>
-        <p:spPr>
-          <a:xfrm>
-            <a:off x="5602450" y="3265350"/>
-            <a:ext cx="415200" cy="327300"/>
-          </a:xfrm>
-          <a:prstGeom prst="roundRect">
-            <a:avLst>
-              <a:gd fmla="val 16667" name="adj"/>
-            </a:avLst>
-          </a:prstGeom>
-          <a:noFill/>
-          <a:ln cap="flat" cmpd="sng" w="38100">
-            <a:solidFill>
-              <a:srgbClr val="FF9900"/>
-            </a:solidFill>
-            <a:prstDash val="solid"/>
-            <a:round/>
-            <a:headEnd len="sm" w="sm" type="none"/>
-            <a:tailEnd len="sm" w="sm" type="none"/>
-          </a:ln>
-        </p:spPr>
-        <p:txBody>
-          <a:bodyPr anchorCtr="0" anchor="ctr" bIns="91425" lIns="91425" spcFirstLastPara="1" rIns="91425" wrap="square" tIns="91425">
-            <a:noAutofit/>
-          </a:bodyPr>
-          <a:lstStyle/>
-          <a:p>
-            <a:pPr indent="0" lvl="0" marL="0" rtl="0" algn="l">
-              <a:spcBef>
-                <a:spcPts val="0"/>
-              </a:spcBef>
-              <a:spcAft>
-                <a:spcPts val="0"/>
-              </a:spcAft>
-              <a:buNone/>
-            </a:pPr>
-            <a:r>
-              <a:t/>
-            </a:r>
-            <a:endParaRPr/>
-          </a:p>
-        </p:txBody>
-      </p:sp>
-    </p:spTree>
-  </p:cSld>
-  <p:clrMapOvr>
-    <a:masterClrMapping/>
-  </p:clrMapOvr>
-</p:sld>
-</file>
-
-<file path=ppt/slides/slide9.xml><?xml version="1.0" encoding="utf-8"?>
-<p:sld xmlns:a="http://schemas.openxmlformats.org/drawingml/2006/main" xmlns:r="http://schemas.openxmlformats.org/officeDocument/2006/relationships" xmlns:mc="http://schemas.openxmlformats.org/markup-compatibility/2006" xmlns:mv="urn:schemas-microsoft-com:mac:vml" xmlns:p="http://schemas.openxmlformats.org/presentationml/2006/main" xmlns:c="http://schemas.openxmlformats.org/drawingml/2006/chart" xmlns:dgm="http://schemas.openxmlformats.org/drawingml/2006/diagram" xmlns:o="urn:schemas-microsoft-com:office:office" xmlns:v="urn:schemas-microsoft-com:vml" xmlns:pvml="urn:schemas-microsoft-com:office:powerpoint" xmlns:com="http://schemas.openxmlformats.org/drawingml/2006/compatibility" xmlns:p14="http://schemas.microsoft.com/office/powerpoint/2010/main" xmlns:p15="http://schemas.microsoft.com/office/powerpoint/2012/main" xmlns:ahyp="http://schemas.microsoft.com/office/drawing/2018/hyperlinkcolor">
-  <p:cSld>
-    <p:spTree>
-      <p:nvGrpSpPr>
-        <p:cNvPr id="107" name="Shape 107"/>
+        <p:cNvPr id="100" name="Shape 100"/>
         <p:cNvGrpSpPr/>
         <p:nvPr/>
       </p:nvGrpSpPr>
@@ -16050,7 +15691,7 @@
       </p:grpSpPr>
       <p:graphicFrame>
         <p:nvGraphicFramePr>
-          <p:cNvPr id="108" name="Google Shape;108;p21"/>
+          <p:cNvPr id="101" name="Google Shape;101;p20"/>
           <p:cNvGraphicFramePr/>
           <p:nvPr/>
         </p:nvGraphicFramePr>
@@ -16063,7 +15704,7 @@
             <a:tbl>
               <a:tblPr>
                 <a:noFill/>
-                <a:tableStyleId>{059CBFC2-EB3C-430E-875A-ADFD322A1F84}</a:tableStyleId>
+                <a:tableStyleId>{46A2E5B0-2424-4AEC-A88C-94B50B0D736D}</a:tableStyleId>
               </a:tblPr>
               <a:tblGrid>
                 <a:gridCol w="1933575"/>
@@ -17062,7 +16703,339 @@
 </p:sld>
 </file>
 
+<file path=ppt/slides/slide9.xml><?xml version="1.0" encoding="utf-8"?>
+<p:sld xmlns:a="http://schemas.openxmlformats.org/drawingml/2006/main" xmlns:r="http://schemas.openxmlformats.org/officeDocument/2006/relationships" xmlns:mc="http://schemas.openxmlformats.org/markup-compatibility/2006" xmlns:mv="urn:schemas-microsoft-com:mac:vml" xmlns:p="http://schemas.openxmlformats.org/presentationml/2006/main" xmlns:c="http://schemas.openxmlformats.org/drawingml/2006/chart" xmlns:dgm="http://schemas.openxmlformats.org/drawingml/2006/diagram" xmlns:o="urn:schemas-microsoft-com:office:office" xmlns:v="urn:schemas-microsoft-com:vml" xmlns:pvml="urn:schemas-microsoft-com:office:powerpoint" xmlns:com="http://schemas.openxmlformats.org/drawingml/2006/compatibility" xmlns:p14="http://schemas.microsoft.com/office/powerpoint/2010/main" xmlns:p15="http://schemas.microsoft.com/office/powerpoint/2012/main" xmlns:ahyp="http://schemas.microsoft.com/office/drawing/2018/hyperlinkcolor">
+  <p:cSld>
+    <p:spTree>
+      <p:nvGrpSpPr>
+        <p:cNvPr id="105" name="Shape 105"/>
+        <p:cNvGrpSpPr/>
+        <p:nvPr/>
+      </p:nvGrpSpPr>
+      <p:grpSpPr>
+        <a:xfrm>
+          <a:off x="0" y="0"/>
+          <a:ext cx="0" cy="0"/>
+          <a:chOff x="0" y="0"/>
+          <a:chExt cx="0" cy="0"/>
+        </a:xfrm>
+      </p:grpSpPr>
+      <p:pic>
+        <p:nvPicPr>
+          <p:cNvPr id="106" name="Google Shape;106;p21"/>
+          <p:cNvPicPr preferRelativeResize="0"/>
+          <p:nvPr/>
+        </p:nvPicPr>
+        <p:blipFill>
+          <a:blip r:embed="rId3">
+            <a:alphaModFix/>
+          </a:blip>
+          <a:stretch>
+            <a:fillRect/>
+          </a:stretch>
+        </p:blipFill>
+        <p:spPr>
+          <a:xfrm>
+            <a:off x="152400" y="2580462"/>
+            <a:ext cx="8839201" cy="1697074"/>
+          </a:xfrm>
+          <a:prstGeom prst="rect">
+            <a:avLst/>
+          </a:prstGeom>
+          <a:noFill/>
+          <a:ln>
+            <a:noFill/>
+          </a:ln>
+        </p:spPr>
+      </p:pic>
+    </p:spTree>
+  </p:cSld>
+  <p:clrMapOvr>
+    <a:masterClrMapping/>
+  </p:clrMapOvr>
+</p:sld>
+</file>
+
 <file path=ppt/theme/theme1.xml><?xml version="1.0" encoding="utf-8"?>
+<a:theme xmlns:a="http://schemas.openxmlformats.org/drawingml/2006/main" xmlns:r="http://schemas.openxmlformats.org/officeDocument/2006/relationships" name="Simple Light">
+  <a:themeElements>
+    <a:clrScheme name="Simple Light">
+      <a:dk1>
+        <a:srgbClr val="000000"/>
+      </a:dk1>
+      <a:lt1>
+        <a:srgbClr val="FFFFFF"/>
+      </a:lt1>
+      <a:dk2>
+        <a:srgbClr val="595959"/>
+      </a:dk2>
+      <a:lt2>
+        <a:srgbClr val="EEEEEE"/>
+      </a:lt2>
+      <a:accent1>
+        <a:srgbClr val="FFAB40"/>
+      </a:accent1>
+      <a:accent2>
+        <a:srgbClr val="212121"/>
+      </a:accent2>
+      <a:accent3>
+        <a:srgbClr val="78909C"/>
+      </a:accent3>
+      <a:accent4>
+        <a:srgbClr val="FFAB40"/>
+      </a:accent4>
+      <a:accent5>
+        <a:srgbClr val="0097A7"/>
+      </a:accent5>
+      <a:accent6>
+        <a:srgbClr val="EEFF41"/>
+      </a:accent6>
+      <a:hlink>
+        <a:srgbClr val="0097A7"/>
+      </a:hlink>
+      <a:folHlink>
+        <a:srgbClr val="0097A7"/>
+      </a:folHlink>
+    </a:clrScheme>
+    <a:fontScheme name="Office">
+      <a:majorFont>
+        <a:latin typeface="Arial"/>
+        <a:ea typeface=""/>
+        <a:cs typeface=""/>
+        <a:font script="Jpan" typeface="ＭＳ Ｐゴシック"/>
+        <a:font script="Hang" typeface="맑은 고딕"/>
+        <a:font script="Hans" typeface="宋体"/>
+        <a:font script="Hant" typeface="新細明體"/>
+        <a:font script="Arab" typeface="Times New Roman"/>
+        <a:font script="Hebr" typeface="Times New Roman"/>
+        <a:font script="Thai" typeface="Angsana New"/>
+        <a:font script="Ethi" typeface="Nyala"/>
+        <a:font script="Beng" typeface="Vrinda"/>
+        <a:font script="Gujr" typeface="Shruti"/>
+        <a:font script="Khmr" typeface="MoolBoran"/>
+        <a:font script="Knda" typeface="Tunga"/>
+        <a:font script="Guru" typeface="Raavi"/>
+        <a:font script="Cans" typeface="Euphemia"/>
+        <a:font script="Cher" typeface="Plantagenet Cherokee"/>
+        <a:font script="Yiii" typeface="Microsoft Yi Baiti"/>
+        <a:font script="Tibt" typeface="Microsoft Himalaya"/>
+        <a:font script="Thaa" typeface="MV Boli"/>
+        <a:font script="Deva" typeface="Mangal"/>
+        <a:font script="Telu" typeface="Gautami"/>
+        <a:font script="Taml" typeface="Latha"/>
+        <a:font script="Syrc" typeface="Estrangelo Edessa"/>
+        <a:font script="Orya" typeface="Kalinga"/>
+        <a:font script="Mlym" typeface="Kartika"/>
+        <a:font script="Laoo" typeface="DokChampa"/>
+        <a:font script="Sinh" typeface="Iskoola Pota"/>
+        <a:font script="Mong" typeface="Mongolian Baiti"/>
+        <a:font script="Viet" typeface="Times New Roman"/>
+        <a:font script="Uigh" typeface="Microsoft Uighur"/>
+        <a:font script="Geor" typeface="Sylfaen"/>
+      </a:majorFont>
+      <a:minorFont>
+        <a:latin typeface="Arial"/>
+        <a:ea typeface=""/>
+        <a:cs typeface=""/>
+        <a:font script="Jpan" typeface="ＭＳ Ｐゴシック"/>
+        <a:font script="Hang" typeface="맑은 고딕"/>
+        <a:font script="Hans" typeface="宋体"/>
+        <a:font script="Hant" typeface="新細明體"/>
+        <a:font script="Arab" typeface="Arial"/>
+        <a:font script="Hebr" typeface="Arial"/>
+        <a:font script="Thai" typeface="Cordia New"/>
+        <a:font script="Ethi" typeface="Nyala"/>
+        <a:font script="Beng" typeface="Vrinda"/>
+        <a:font script="Gujr" typeface="Shruti"/>
+        <a:font script="Khmr" typeface="DaunPenh"/>
+        <a:font script="Knda" typeface="Tunga"/>
+        <a:font script="Guru" typeface="Raavi"/>
+        <a:font script="Cans" typeface="Euphemia"/>
+        <a:font script="Cher" typeface="Plantagenet Cherokee"/>
+        <a:font script="Yiii" typeface="Microsoft Yi Baiti"/>
+        <a:font script="Tibt" typeface="Microsoft Himalaya"/>
+        <a:font script="Thaa" typeface="MV Boli"/>
+        <a:font script="Deva" typeface="Mangal"/>
+        <a:font script="Telu" typeface="Gautami"/>
+        <a:font script="Taml" typeface="Latha"/>
+        <a:font script="Syrc" typeface="Estrangelo Edessa"/>
+        <a:font script="Orya" typeface="Kalinga"/>
+        <a:font script="Mlym" typeface="Kartika"/>
+        <a:font script="Laoo" typeface="DokChampa"/>
+        <a:font script="Sinh" typeface="Iskoola Pota"/>
+        <a:font script="Mong" typeface="Mongolian Baiti"/>
+        <a:font script="Viet" typeface="Arial"/>
+        <a:font script="Uigh" typeface="Microsoft Uighur"/>
+        <a:font script="Geor" typeface="Sylfaen"/>
+      </a:minorFont>
+    </a:fontScheme>
+    <a:fmtScheme name="Office">
+      <a:fillStyleLst>
+        <a:solidFill>
+          <a:schemeClr val="phClr"/>
+        </a:solidFill>
+        <a:gradFill rotWithShape="1">
+          <a:gsLst>
+            <a:gs pos="0">
+              <a:schemeClr val="phClr">
+                <a:tint val="50000"/>
+                <a:satMod val="300000"/>
+              </a:schemeClr>
+            </a:gs>
+            <a:gs pos="35000">
+              <a:schemeClr val="phClr">
+                <a:tint val="37000"/>
+                <a:satMod val="300000"/>
+              </a:schemeClr>
+            </a:gs>
+            <a:gs pos="100000">
+              <a:schemeClr val="phClr">
+                <a:tint val="15000"/>
+                <a:satMod val="350000"/>
+              </a:schemeClr>
+            </a:gs>
+          </a:gsLst>
+          <a:lin ang="16200000" scaled="1"/>
+        </a:gradFill>
+        <a:gradFill rotWithShape="1">
+          <a:gsLst>
+            <a:gs pos="0">
+              <a:schemeClr val="phClr">
+                <a:tint val="100000"/>
+                <a:shade val="100000"/>
+                <a:satMod val="130000"/>
+              </a:schemeClr>
+            </a:gs>
+            <a:gs pos="100000">
+              <a:schemeClr val="phClr">
+                <a:tint val="50000"/>
+                <a:shade val="100000"/>
+                <a:satMod val="350000"/>
+              </a:schemeClr>
+            </a:gs>
+          </a:gsLst>
+          <a:lin ang="16200000" scaled="0"/>
+        </a:gradFill>
+      </a:fillStyleLst>
+      <a:lnStyleLst>
+        <a:ln w="9525" cap="flat" cmpd="sng" algn="ctr">
+          <a:solidFill>
+            <a:schemeClr val="phClr">
+              <a:shade val="95000"/>
+              <a:satMod val="105000"/>
+            </a:schemeClr>
+          </a:solidFill>
+          <a:prstDash val="solid"/>
+        </a:ln>
+        <a:ln w="25400" cap="flat" cmpd="sng" algn="ctr">
+          <a:solidFill>
+            <a:schemeClr val="phClr"/>
+          </a:solidFill>
+          <a:prstDash val="solid"/>
+        </a:ln>
+        <a:ln w="38100" cap="flat" cmpd="sng" algn="ctr">
+          <a:solidFill>
+            <a:schemeClr val="phClr"/>
+          </a:solidFill>
+          <a:prstDash val="solid"/>
+        </a:ln>
+      </a:lnStyleLst>
+      <a:effectStyleLst>
+        <a:effectStyle>
+          <a:effectLst>
+            <a:outerShdw blurRad="40000" dist="20000" dir="5400000" rotWithShape="0">
+              <a:srgbClr val="000000">
+                <a:alpha val="38000"/>
+              </a:srgbClr>
+            </a:outerShdw>
+          </a:effectLst>
+        </a:effectStyle>
+        <a:effectStyle>
+          <a:effectLst>
+            <a:outerShdw blurRad="40000" dist="23000" dir="5400000" rotWithShape="0">
+              <a:srgbClr val="000000">
+                <a:alpha val="35000"/>
+              </a:srgbClr>
+            </a:outerShdw>
+          </a:effectLst>
+        </a:effectStyle>
+        <a:effectStyle>
+          <a:effectLst>
+            <a:outerShdw blurRad="40000" dist="23000" dir="5400000" rotWithShape="0">
+              <a:srgbClr val="000000">
+                <a:alpha val="35000"/>
+              </a:srgbClr>
+            </a:outerShdw>
+          </a:effectLst>
+          <a:scene3d>
+            <a:camera prst="orthographicFront">
+              <a:rot lat="0" lon="0" rev="0"/>
+            </a:camera>
+            <a:lightRig rig="threePt" dir="t">
+              <a:rot lat="0" lon="0" rev="1200000"/>
+            </a:lightRig>
+          </a:scene3d>
+          <a:sp3d>
+            <a:bevelT w="63500" h="25400"/>
+          </a:sp3d>
+        </a:effectStyle>
+      </a:effectStyleLst>
+      <a:bgFillStyleLst>
+        <a:solidFill>
+          <a:schemeClr val="phClr"/>
+        </a:solidFill>
+        <a:gradFill rotWithShape="1">
+          <a:gsLst>
+            <a:gs pos="0">
+              <a:schemeClr val="phClr">
+                <a:tint val="40000"/>
+                <a:satMod val="350000"/>
+              </a:schemeClr>
+            </a:gs>
+            <a:gs pos="40000">
+              <a:schemeClr val="phClr">
+                <a:tint val="45000"/>
+                <a:shade val="99000"/>
+                <a:satMod val="350000"/>
+              </a:schemeClr>
+            </a:gs>
+            <a:gs pos="100000">
+              <a:schemeClr val="phClr">
+                <a:shade val="20000"/>
+                <a:satMod val="255000"/>
+              </a:schemeClr>
+            </a:gs>
+          </a:gsLst>
+          <a:path path="circle">
+            <a:fillToRect l="50000" t="-80000" r="50000" b="180000"/>
+          </a:path>
+        </a:gradFill>
+        <a:gradFill rotWithShape="1">
+          <a:gsLst>
+            <a:gs pos="0">
+              <a:schemeClr val="phClr">
+                <a:tint val="80000"/>
+                <a:satMod val="300000"/>
+              </a:schemeClr>
+            </a:gs>
+            <a:gs pos="100000">
+              <a:schemeClr val="phClr">
+                <a:shade val="30000"/>
+                <a:satMod val="200000"/>
+              </a:schemeClr>
+            </a:gs>
+          </a:gsLst>
+          <a:path path="circle">
+            <a:fillToRect l="50000" t="50000" r="50000" b="50000"/>
+          </a:path>
+        </a:gradFill>
+      </a:bgFillStyleLst>
+    </a:fmtScheme>
+  </a:themeElements>
+</a:theme>
+</file>
+
+<file path=ppt/theme/theme2.xml><?xml version="1.0" encoding="utf-8"?>
 <a:theme xmlns:a="http://schemas.openxmlformats.org/drawingml/2006/main" xmlns:r="http://schemas.openxmlformats.org/officeDocument/2006/relationships">
   <a:themeElements>
     <a:clrScheme name="Default">
@@ -17339,283 +17312,4 @@
     </a:fmtScheme>
   </a:themeElements>
 </a:theme>
-</file>
-
-<file path=ppt/theme/theme2.xml><?xml version="1.0" encoding="utf-8"?>
-<a:theme xmlns:a="http://schemas.openxmlformats.org/drawingml/2006/main" xmlns:r="http://schemas.openxmlformats.org/officeDocument/2006/relationships" name="Simple Light">
-  <a:themeElements>
-    <a:clrScheme name="Simple Light">
-      <a:dk1>
-        <a:srgbClr val="000000"/>
-      </a:dk1>
-      <a:lt1>
-        <a:srgbClr val="FFFFFF"/>
-      </a:lt1>
-      <a:dk2>
-        <a:srgbClr val="595959"/>
-      </a:dk2>
-      <a:lt2>
-        <a:srgbClr val="EEEEEE"/>
-      </a:lt2>
-      <a:accent1>
-        <a:srgbClr val="FFAB40"/>
-      </a:accent1>
-      <a:accent2>
-        <a:srgbClr val="212121"/>
-      </a:accent2>
-      <a:accent3>
-        <a:srgbClr val="78909C"/>
-      </a:accent3>
-      <a:accent4>
-        <a:srgbClr val="FFAB40"/>
-      </a:accent4>
-      <a:accent5>
-        <a:srgbClr val="0097A7"/>
-      </a:accent5>
-      <a:accent6>
-        <a:srgbClr val="EEFF41"/>
-      </a:accent6>
-      <a:hlink>
-        <a:srgbClr val="0097A7"/>
-      </a:hlink>
-      <a:folHlink>
-        <a:srgbClr val="0097A7"/>
-      </a:folHlink>
-    </a:clrScheme>
-    <a:fontScheme name="Office">
-      <a:majorFont>
-        <a:latin typeface="Arial"/>
-        <a:ea typeface=""/>
-        <a:cs typeface=""/>
-        <a:font script="Jpan" typeface="ＭＳ Ｐゴシック"/>
-        <a:font script="Hang" typeface="맑은 고딕"/>
-        <a:font script="Hans" typeface="宋体"/>
-        <a:font script="Hant" typeface="新細明體"/>
-        <a:font script="Arab" typeface="Times New Roman"/>
-        <a:font script="Hebr" typeface="Times New Roman"/>
-        <a:font script="Thai" typeface="Angsana New"/>
-        <a:font script="Ethi" typeface="Nyala"/>
-        <a:font script="Beng" typeface="Vrinda"/>
-        <a:font script="Gujr" typeface="Shruti"/>
-        <a:font script="Khmr" typeface="MoolBoran"/>
-        <a:font script="Knda" typeface="Tunga"/>
-        <a:font script="Guru" typeface="Raavi"/>
-        <a:font script="Cans" typeface="Euphemia"/>
-        <a:font script="Cher" typeface="Plantagenet Cherokee"/>
-        <a:font script="Yiii" typeface="Microsoft Yi Baiti"/>
-        <a:font script="Tibt" typeface="Microsoft Himalaya"/>
-        <a:font script="Thaa" typeface="MV Boli"/>
-        <a:font script="Deva" typeface="Mangal"/>
-        <a:font script="Telu" typeface="Gautami"/>
-        <a:font script="Taml" typeface="Latha"/>
-        <a:font script="Syrc" typeface="Estrangelo Edessa"/>
-        <a:font script="Orya" typeface="Kalinga"/>
-        <a:font script="Mlym" typeface="Kartika"/>
-        <a:font script="Laoo" typeface="DokChampa"/>
-        <a:font script="Sinh" typeface="Iskoola Pota"/>
-        <a:font script="Mong" typeface="Mongolian Baiti"/>
-        <a:font script="Viet" typeface="Times New Roman"/>
-        <a:font script="Uigh" typeface="Microsoft Uighur"/>
-        <a:font script="Geor" typeface="Sylfaen"/>
-      </a:majorFont>
-      <a:minorFont>
-        <a:latin typeface="Arial"/>
-        <a:ea typeface=""/>
-        <a:cs typeface=""/>
-        <a:font script="Jpan" typeface="ＭＳ Ｐゴシック"/>
-        <a:font script="Hang" typeface="맑은 고딕"/>
-        <a:font script="Hans" typeface="宋体"/>
-        <a:font script="Hant" typeface="新細明體"/>
-        <a:font script="Arab" typeface="Arial"/>
-        <a:font script="Hebr" typeface="Arial"/>
-        <a:font script="Thai" typeface="Cordia New"/>
-        <a:font script="Ethi" typeface="Nyala"/>
-        <a:font script="Beng" typeface="Vrinda"/>
-        <a:font script="Gujr" typeface="Shruti"/>
-        <a:font script="Khmr" typeface="DaunPenh"/>
-        <a:font script="Knda" typeface="Tunga"/>
-        <a:font script="Guru" typeface="Raavi"/>
-        <a:font script="Cans" typeface="Euphemia"/>
-        <a:font script="Cher" typeface="Plantagenet Cherokee"/>
-        <a:font script="Yiii" typeface="Microsoft Yi Baiti"/>
-        <a:font script="Tibt" typeface="Microsoft Himalaya"/>
-        <a:font script="Thaa" typeface="MV Boli"/>
-        <a:font script="Deva" typeface="Mangal"/>
-        <a:font script="Telu" typeface="Gautami"/>
-        <a:font script="Taml" typeface="Latha"/>
-        <a:font script="Syrc" typeface="Estrangelo Edessa"/>
-        <a:font script="Orya" typeface="Kalinga"/>
-        <a:font script="Mlym" typeface="Kartika"/>
-        <a:font script="Laoo" typeface="DokChampa"/>
-        <a:font script="Sinh" typeface="Iskoola Pota"/>
-        <a:font script="Mong" typeface="Mongolian Baiti"/>
-        <a:font script="Viet" typeface="Arial"/>
-        <a:font script="Uigh" typeface="Microsoft Uighur"/>
-        <a:font script="Geor" typeface="Sylfaen"/>
-      </a:minorFont>
-    </a:fontScheme>
-    <a:fmtScheme name="Office">
-      <a:fillStyleLst>
-        <a:solidFill>
-          <a:schemeClr val="phClr"/>
-        </a:solidFill>
-        <a:gradFill rotWithShape="1">
-          <a:gsLst>
-            <a:gs pos="0">
-              <a:schemeClr val="phClr">
-                <a:tint val="50000"/>
-                <a:satMod val="300000"/>
-              </a:schemeClr>
-            </a:gs>
-            <a:gs pos="35000">
-              <a:schemeClr val="phClr">
-                <a:tint val="37000"/>
-                <a:satMod val="300000"/>
-              </a:schemeClr>
-            </a:gs>
-            <a:gs pos="100000">
-              <a:schemeClr val="phClr">
-                <a:tint val="15000"/>
-                <a:satMod val="350000"/>
-              </a:schemeClr>
-            </a:gs>
-          </a:gsLst>
-          <a:lin ang="16200000" scaled="1"/>
-        </a:gradFill>
-        <a:gradFill rotWithShape="1">
-          <a:gsLst>
-            <a:gs pos="0">
-              <a:schemeClr val="phClr">
-                <a:tint val="100000"/>
-                <a:shade val="100000"/>
-                <a:satMod val="130000"/>
-              </a:schemeClr>
-            </a:gs>
-            <a:gs pos="100000">
-              <a:schemeClr val="phClr">
-                <a:tint val="50000"/>
-                <a:shade val="100000"/>
-                <a:satMod val="350000"/>
-              </a:schemeClr>
-            </a:gs>
-          </a:gsLst>
-          <a:lin ang="16200000" scaled="0"/>
-        </a:gradFill>
-      </a:fillStyleLst>
-      <a:lnStyleLst>
-        <a:ln w="9525" cap="flat" cmpd="sng" algn="ctr">
-          <a:solidFill>
-            <a:schemeClr val="phClr">
-              <a:shade val="95000"/>
-              <a:satMod val="105000"/>
-            </a:schemeClr>
-          </a:solidFill>
-          <a:prstDash val="solid"/>
-        </a:ln>
-        <a:ln w="25400" cap="flat" cmpd="sng" algn="ctr">
-          <a:solidFill>
-            <a:schemeClr val="phClr"/>
-          </a:solidFill>
-          <a:prstDash val="solid"/>
-        </a:ln>
-        <a:ln w="38100" cap="flat" cmpd="sng" algn="ctr">
-          <a:solidFill>
-            <a:schemeClr val="phClr"/>
-          </a:solidFill>
-          <a:prstDash val="solid"/>
-        </a:ln>
-      </a:lnStyleLst>
-      <a:effectStyleLst>
-        <a:effectStyle>
-          <a:effectLst>
-            <a:outerShdw blurRad="40000" dist="20000" dir="5400000" rotWithShape="0">
-              <a:srgbClr val="000000">
-                <a:alpha val="38000"/>
-              </a:srgbClr>
-            </a:outerShdw>
-          </a:effectLst>
-        </a:effectStyle>
-        <a:effectStyle>
-          <a:effectLst>
-            <a:outerShdw blurRad="40000" dist="23000" dir="5400000" rotWithShape="0">
-              <a:srgbClr val="000000">
-                <a:alpha val="35000"/>
-              </a:srgbClr>
-            </a:outerShdw>
-          </a:effectLst>
-        </a:effectStyle>
-        <a:effectStyle>
-          <a:effectLst>
-            <a:outerShdw blurRad="40000" dist="23000" dir="5400000" rotWithShape="0">
-              <a:srgbClr val="000000">
-                <a:alpha val="35000"/>
-              </a:srgbClr>
-            </a:outerShdw>
-          </a:effectLst>
-          <a:scene3d>
-            <a:camera prst="orthographicFront">
-              <a:rot lat="0" lon="0" rev="0"/>
-            </a:camera>
-            <a:lightRig rig="threePt" dir="t">
-              <a:rot lat="0" lon="0" rev="1200000"/>
-            </a:lightRig>
-          </a:scene3d>
-          <a:sp3d>
-            <a:bevelT w="63500" h="25400"/>
-          </a:sp3d>
-        </a:effectStyle>
-      </a:effectStyleLst>
-      <a:bgFillStyleLst>
-        <a:solidFill>
-          <a:schemeClr val="phClr"/>
-        </a:solidFill>
-        <a:gradFill rotWithShape="1">
-          <a:gsLst>
-            <a:gs pos="0">
-              <a:schemeClr val="phClr">
-                <a:tint val="40000"/>
-                <a:satMod val="350000"/>
-              </a:schemeClr>
-            </a:gs>
-            <a:gs pos="40000">
-              <a:schemeClr val="phClr">
-                <a:tint val="45000"/>
-                <a:shade val="99000"/>
-                <a:satMod val="350000"/>
-              </a:schemeClr>
-            </a:gs>
-            <a:gs pos="100000">
-              <a:schemeClr val="phClr">
-                <a:shade val="20000"/>
-                <a:satMod val="255000"/>
-              </a:schemeClr>
-            </a:gs>
-          </a:gsLst>
-          <a:path path="circle">
-            <a:fillToRect l="50000" t="-80000" r="50000" b="180000"/>
-          </a:path>
-        </a:gradFill>
-        <a:gradFill rotWithShape="1">
-          <a:gsLst>
-            <a:gs pos="0">
-              <a:schemeClr val="phClr">
-                <a:tint val="80000"/>
-                <a:satMod val="300000"/>
-              </a:schemeClr>
-            </a:gs>
-            <a:gs pos="100000">
-              <a:schemeClr val="phClr">
-                <a:shade val="30000"/>
-                <a:satMod val="200000"/>
-              </a:schemeClr>
-            </a:gs>
-          </a:gsLst>
-          <a:path path="circle">
-            <a:fillToRect l="50000" t="50000" r="50000" b="50000"/>
-          </a:path>
-        </a:gradFill>
-      </a:bgFillStyleLst>
-    </a:fmtScheme>
-  </a:themeElements>
-</a:theme>
 </file>